--- a/docs/diagrams/ReportSequenceDiagram.pptx
+++ b/docs/diagrams/ReportSequenceDiagram.pptx
@@ -3273,897 +3273,3877 @@
       </p:grpSpPr>
       <p:grpSp>
         <p:nvGrpSpPr>
-          <p:cNvPr id="3" name="组合 2"/>
+          <p:cNvPr id="19" name="组合 18"/>
           <p:cNvGrpSpPr/>
           <p:nvPr/>
         </p:nvGrpSpPr>
         <p:grpSpPr>
           <a:xfrm>
             <a:off x="-5515610" y="-2019935"/>
-            <a:ext cx="15939135" cy="10226040"/>
-            <a:chOff x="-8686" y="-3141"/>
-            <a:chExt cx="25101" cy="16104"/>
+            <a:ext cx="15938500" cy="10226040"/>
+            <a:chOff x="-8686" y="-3181"/>
+            <a:chExt cx="25100" cy="16104"/>
           </a:xfrm>
         </p:grpSpPr>
-        <p:sp>
-          <p:nvSpPr>
-            <p:cNvPr id="9" name="Rectangle 65"/>
-            <p:cNvSpPr/>
+        <p:grpSp>
+          <p:nvGrpSpPr>
+            <p:cNvPr id="8" name="组合 7"/>
+            <p:cNvGrpSpPr/>
             <p:nvPr/>
-          </p:nvSpPr>
-          <p:spPr>
+          </p:nvGrpSpPr>
+          <p:grpSpPr>
             <a:xfrm>
-              <a:off x="8804" y="-3141"/>
-              <a:ext cx="7611" cy="16103"/>
+              <a:off x="-8686" y="-3181"/>
+              <a:ext cx="25100" cy="16104"/>
+              <a:chOff x="-8686" y="-3181"/>
+              <a:chExt cx="25100" cy="16104"/>
             </a:xfrm>
-            <a:prstGeom prst="roundRect">
-              <a:avLst>
-                <a:gd name="adj" fmla="val 3484"/>
-              </a:avLst>
-            </a:prstGeom>
-            <a:solidFill>
-              <a:schemeClr val="accent4">
-                <a:lumMod val="20000"/>
-                <a:lumOff val="80000"/>
-              </a:schemeClr>
-            </a:solidFill>
-            <a:ln w="19050">
-              <a:noFill/>
-            </a:ln>
-            <a:effectLst/>
-          </p:spPr>
-          <p:style>
-            <a:lnRef idx="1">
-              <a:schemeClr val="accent2"/>
-            </a:lnRef>
-            <a:fillRef idx="2">
-              <a:schemeClr val="accent2"/>
-            </a:fillRef>
-            <a:effectRef idx="1">
-              <a:schemeClr val="accent2"/>
-            </a:effectRef>
-            <a:fontRef idx="minor">
-              <a:schemeClr val="dk1"/>
-            </a:fontRef>
-          </p:style>
-          <p:txBody>
-            <a:bodyPr rtlCol="0" anchor="t"/>
-            <a:lstStyle/>
-            <a:p>
-              <a:r>
-                <a:rPr lang="en-SG" altLang="en-US" sz="4000" b="1" dirty="0">
+          </p:grpSpPr>
+          <p:grpSp>
+            <p:nvGrpSpPr>
+              <p:cNvPr id="3" name="组合 2"/>
+              <p:cNvGrpSpPr/>
+              <p:nvPr/>
+            </p:nvGrpSpPr>
+            <p:grpSpPr>
+              <a:xfrm>
+                <a:off x="-8686" y="-3181"/>
+                <a:ext cx="25101" cy="16104"/>
+                <a:chOff x="-8686" y="-3141"/>
+                <a:chExt cx="25101" cy="16104"/>
+              </a:xfrm>
+            </p:grpSpPr>
+            <p:sp>
+              <p:nvSpPr>
+                <p:cNvPr id="9" name="Rectangle 65"/>
+                <p:cNvSpPr/>
+                <p:nvPr/>
+              </p:nvSpPr>
+              <p:spPr>
+                <a:xfrm>
+                  <a:off x="8804" y="-3141"/>
+                  <a:ext cx="7611" cy="16103"/>
+                </a:xfrm>
+                <a:prstGeom prst="roundRect">
+                  <a:avLst>
+                    <a:gd name="adj" fmla="val 3484"/>
+                  </a:avLst>
+                </a:prstGeom>
+                <a:solidFill>
+                  <a:schemeClr val="accent4">
+                    <a:lumMod val="20000"/>
+                    <a:lumOff val="80000"/>
+                  </a:schemeClr>
+                </a:solidFill>
+                <a:ln w="19050">
+                  <a:noFill/>
+                </a:ln>
+                <a:effectLst/>
+              </p:spPr>
+              <p:style>
+                <a:lnRef idx="1">
+                  <a:schemeClr val="accent2"/>
+                </a:lnRef>
+                <a:fillRef idx="2">
+                  <a:schemeClr val="accent2"/>
+                </a:fillRef>
+                <a:effectRef idx="1">
+                  <a:schemeClr val="accent2"/>
+                </a:effectRef>
+                <a:fontRef idx="minor">
+                  <a:schemeClr val="dk1"/>
+                </a:fontRef>
+              </p:style>
+              <p:txBody>
+                <a:bodyPr rtlCol="0" anchor="t"/>
+                <a:lstStyle/>
+                <a:p>
+                  <a:r>
+                    <a:rPr lang="en-SG" altLang="en-US" sz="4000" b="1" dirty="0">
+                      <a:solidFill>
+                        <a:srgbClr val="7030A0"/>
+                      </a:solidFill>
+                    </a:rPr>
+                    <a:t>UI</a:t>
+                  </a:r>
+                  <a:endParaRPr lang="en-SG" altLang="en-US" sz="4000" b="1" dirty="0">
+                    <a:solidFill>
+                      <a:srgbClr val="7030A0"/>
+                    </a:solidFill>
+                  </a:endParaRPr>
+                </a:p>
+              </p:txBody>
+            </p:sp>
+            <p:sp>
+              <p:nvSpPr>
+                <p:cNvPr id="10" name="Rectangle 65"/>
+                <p:cNvSpPr/>
+                <p:nvPr/>
+              </p:nvSpPr>
+              <p:spPr>
+                <a:xfrm>
+                  <a:off x="-7733" y="-3141"/>
+                  <a:ext cx="16538" cy="16104"/>
+                </a:xfrm>
+                <a:prstGeom prst="roundRect">
+                  <a:avLst>
+                    <a:gd name="adj" fmla="val 3484"/>
+                  </a:avLst>
+                </a:prstGeom>
+                <a:solidFill>
+                  <a:schemeClr val="accent1">
+                    <a:lumMod val="20000"/>
+                    <a:lumOff val="80000"/>
+                  </a:schemeClr>
+                </a:solidFill>
+                <a:ln w="19050">
+                  <a:noFill/>
+                </a:ln>
+                <a:effectLst/>
+              </p:spPr>
+              <p:style>
+                <a:lnRef idx="1">
+                  <a:schemeClr val="accent2"/>
+                </a:lnRef>
+                <a:fillRef idx="2">
+                  <a:schemeClr val="accent2"/>
+                </a:fillRef>
+                <a:effectRef idx="1">
+                  <a:schemeClr val="accent2"/>
+                </a:effectRef>
+                <a:fontRef idx="minor">
+                  <a:schemeClr val="dk1"/>
+                </a:fontRef>
+              </p:style>
+              <p:txBody>
+                <a:bodyPr rtlCol="0" anchor="t"/>
+                <a:lstStyle/>
+                <a:p>
+                  <a:r>
+                    <a:rPr lang="en-SG" sz="4000" b="1" dirty="0">
+                      <a:solidFill>
+                        <a:srgbClr val="0070C0"/>
+                      </a:solidFill>
+                    </a:rPr>
+                    <a:t>Logic</a:t>
+                  </a:r>
+                  <a:endParaRPr lang="en-SG" sz="4000" b="1" dirty="0">
+                    <a:solidFill>
+                      <a:srgbClr val="0070C0"/>
+                    </a:solidFill>
+                  </a:endParaRPr>
+                </a:p>
+              </p:txBody>
+            </p:sp>
+            <p:sp>
+              <p:nvSpPr>
+                <p:cNvPr id="11" name="Rectangle 62"/>
+                <p:cNvSpPr/>
+                <p:nvPr/>
+              </p:nvSpPr>
+              <p:spPr>
+                <a:xfrm>
+                  <a:off x="-5659" y="-1378"/>
+                  <a:ext cx="2292" cy="546"/>
+                </a:xfrm>
+                <a:prstGeom prst="rect">
+                  <a:avLst/>
+                </a:prstGeom>
+                <a:solidFill>
+                  <a:srgbClr val="0070C0"/>
+                </a:solidFill>
+                <a:ln w="19050">
+                  <a:solidFill>
+                    <a:srgbClr val="0070C0"/>
+                  </a:solidFill>
+                </a:ln>
+                <a:effectLst/>
+              </p:spPr>
+              <p:style>
+                <a:lnRef idx="1">
+                  <a:schemeClr val="accent2"/>
+                </a:lnRef>
+                <a:fillRef idx="2">
+                  <a:schemeClr val="accent2"/>
+                </a:fillRef>
+                <a:effectRef idx="1">
+                  <a:schemeClr val="accent2"/>
+                </a:effectRef>
+                <a:fontRef idx="minor">
+                  <a:schemeClr val="dk1"/>
+                </a:fontRef>
+              </p:style>
+              <p:txBody>
+                <a:bodyPr rtlCol="0" anchor="ctr"/>
+                <a:lstStyle/>
+                <a:p>
+                  <a:pPr algn="ctr"/>
+                  <a:r>
+                    <a:rPr lang="en-US" sz="1600" dirty="0">
+                      <a:solidFill>
+                        <a:schemeClr val="bg1"/>
+                      </a:solidFill>
+                    </a:rPr>
+                    <a:t>:LogicManager</a:t>
+                  </a:r>
+                  <a:endParaRPr lang="en-SG" sz="1600" dirty="0">
+                    <a:solidFill>
+                      <a:schemeClr val="bg1"/>
+                    </a:solidFill>
+                  </a:endParaRPr>
+                </a:p>
+              </p:txBody>
+            </p:sp>
+            <p:cxnSp>
+              <p:nvCxnSpPr>
+                <p:cNvPr id="12" name="Straight Connector 4"/>
+                <p:cNvCxnSpPr/>
+                <p:nvPr/>
+              </p:nvCxnSpPr>
+              <p:spPr>
+                <a:xfrm>
+                  <a:off x="-4513" y="-805"/>
+                  <a:ext cx="0" cy="5483"/>
+                </a:xfrm>
+                <a:prstGeom prst="line">
+                  <a:avLst/>
+                </a:prstGeom>
+                <a:ln w="19050">
+                  <a:solidFill>
+                    <a:srgbClr val="0070C0"/>
+                  </a:solidFill>
+                  <a:prstDash val="sysDash"/>
+                </a:ln>
+                <a:effectLst/>
+              </p:spPr>
+              <p:style>
+                <a:lnRef idx="1">
+                  <a:schemeClr val="accent1"/>
+                </a:lnRef>
+                <a:fillRef idx="2">
+                  <a:schemeClr val="accent1"/>
+                </a:fillRef>
+                <a:effectRef idx="1">
+                  <a:schemeClr val="accent1"/>
+                </a:effectRef>
+                <a:fontRef idx="minor">
+                  <a:schemeClr val="dk1"/>
+                </a:fontRef>
+              </p:style>
+            </p:cxnSp>
+            <p:sp>
+              <p:nvSpPr>
+                <p:cNvPr id="13" name="Rectangle 5"/>
+                <p:cNvSpPr/>
+                <p:nvPr/>
+              </p:nvSpPr>
+              <p:spPr>
+                <a:xfrm>
+                  <a:off x="-4626" y="-253"/>
+                  <a:ext cx="267" cy="12768"/>
+                </a:xfrm>
+                <a:prstGeom prst="rect">
+                  <a:avLst/>
+                </a:prstGeom>
+                <a:solidFill>
+                  <a:srgbClr val="0070C0"/>
+                </a:solidFill>
+                <a:ln>
+                  <a:solidFill>
+                    <a:srgbClr val="0070C0"/>
+                  </a:solidFill>
+                </a:ln>
+                <a:effectLst/>
+              </p:spPr>
+              <p:style>
+                <a:lnRef idx="1">
+                  <a:schemeClr val="accent3"/>
+                </a:lnRef>
+                <a:fillRef idx="2">
+                  <a:schemeClr val="accent3"/>
+                </a:fillRef>
+                <a:effectRef idx="1">
+                  <a:schemeClr val="accent3"/>
+                </a:effectRef>
+                <a:fontRef idx="minor">
+                  <a:schemeClr val="dk1"/>
+                </a:fontRef>
+              </p:style>
+              <p:txBody>
+                <a:bodyPr rtlCol="0" anchor="ctr"/>
+                <a:lstStyle/>
+                <a:p>
+                  <a:pPr algn="ctr"/>
+                  <a:endParaRPr lang="en-SG" sz="1400" dirty="0"/>
+                </a:p>
+              </p:txBody>
+            </p:sp>
+            <p:sp>
+              <p:nvSpPr>
+                <p:cNvPr id="14" name="Rectangle 62"/>
+                <p:cNvSpPr/>
+                <p:nvPr/>
+              </p:nvSpPr>
+              <p:spPr>
+                <a:xfrm>
+                  <a:off x="-1770" y="-1568"/>
+                  <a:ext cx="2186" cy="737"/>
+                </a:xfrm>
+                <a:prstGeom prst="rect">
+                  <a:avLst/>
+                </a:prstGeom>
+                <a:solidFill>
+                  <a:srgbClr val="0070C0"/>
+                </a:solidFill>
+                <a:ln w="19050">
+                  <a:solidFill>
+                    <a:srgbClr val="0070C0"/>
+                  </a:solidFill>
+                </a:ln>
+                <a:effectLst/>
+              </p:spPr>
+              <p:style>
+                <a:lnRef idx="1">
+                  <a:schemeClr val="accent2"/>
+                </a:lnRef>
+                <a:fillRef idx="2">
+                  <a:schemeClr val="accent2"/>
+                </a:fillRef>
+                <a:effectRef idx="1">
+                  <a:schemeClr val="accent2"/>
+                </a:effectRef>
+                <a:fontRef idx="minor">
+                  <a:schemeClr val="dk1"/>
+                </a:fontRef>
+              </p:style>
+              <p:txBody>
+                <a:bodyPr rtlCol="0" anchor="ctr"/>
+                <a:lstStyle/>
+                <a:p>
+                  <a:pPr algn="ctr"/>
+                  <a:r>
+                    <a:rPr lang="en-US" sz="1600" dirty="0">
+                      <a:solidFill>
+                        <a:schemeClr val="bg1"/>
+                      </a:solidFill>
+                    </a:rPr>
+                    <a:t>:EPiggyParser</a:t>
+                  </a:r>
+                  <a:endParaRPr lang="en-SG" sz="1600" dirty="0">
+                    <a:solidFill>
+                      <a:schemeClr val="bg1"/>
+                    </a:solidFill>
+                  </a:endParaRPr>
+                </a:p>
+              </p:txBody>
+            </p:sp>
+            <p:cxnSp>
+              <p:nvCxnSpPr>
+                <p:cNvPr id="15" name="Straight Connector 16"/>
+                <p:cNvCxnSpPr/>
+                <p:nvPr/>
+              </p:nvCxnSpPr>
+              <p:spPr>
+                <a:xfrm>
+                  <a:off x="-671" y="-805"/>
+                  <a:ext cx="0" cy="2335"/>
+                </a:xfrm>
+                <a:prstGeom prst="line">
+                  <a:avLst/>
+                </a:prstGeom>
+                <a:ln w="19050">
+                  <a:solidFill>
+                    <a:srgbClr val="0070C0"/>
+                  </a:solidFill>
+                  <a:prstDash val="sysDash"/>
+                </a:ln>
+                <a:effectLst/>
+              </p:spPr>
+              <p:style>
+                <a:lnRef idx="1">
+                  <a:schemeClr val="accent1"/>
+                </a:lnRef>
+                <a:fillRef idx="2">
+                  <a:schemeClr val="accent1"/>
+                </a:fillRef>
+                <a:effectRef idx="1">
+                  <a:schemeClr val="accent1"/>
+                </a:effectRef>
+                <a:fontRef idx="minor">
+                  <a:schemeClr val="dk1"/>
+                </a:fontRef>
+              </p:style>
+            </p:cxnSp>
+            <p:sp>
+              <p:nvSpPr>
+                <p:cNvPr id="22" name="Rectangle 17"/>
+                <p:cNvSpPr/>
+                <p:nvPr/>
+              </p:nvSpPr>
+              <p:spPr>
+                <a:xfrm>
+                  <a:off x="-784" y="-84"/>
+                  <a:ext cx="248" cy="3729"/>
+                </a:xfrm>
+                <a:prstGeom prst="rect">
+                  <a:avLst/>
+                </a:prstGeom>
+                <a:solidFill>
+                  <a:srgbClr val="0070C0"/>
+                </a:solidFill>
+                <a:ln>
+                  <a:solidFill>
+                    <a:srgbClr val="0070C0"/>
+                  </a:solidFill>
+                </a:ln>
+                <a:effectLst/>
+              </p:spPr>
+              <p:style>
+                <a:lnRef idx="1">
+                  <a:schemeClr val="accent3"/>
+                </a:lnRef>
+                <a:fillRef idx="2">
+                  <a:schemeClr val="accent3"/>
+                </a:fillRef>
+                <a:effectRef idx="1">
+                  <a:schemeClr val="accent3"/>
+                </a:effectRef>
+                <a:fontRef idx="minor">
+                  <a:schemeClr val="dk1"/>
+                </a:fontRef>
+              </p:style>
+              <p:txBody>
+                <a:bodyPr rtlCol="0" anchor="ctr"/>
+                <a:lstStyle/>
+                <a:p>
+                  <a:pPr algn="ctr"/>
+                  <a:endParaRPr lang="en-SG" sz="1400" dirty="0"/>
+                </a:p>
+              </p:txBody>
+            </p:sp>
+            <p:cxnSp>
+              <p:nvCxnSpPr>
+                <p:cNvPr id="24" name="Straight Connector 19"/>
+                <p:cNvCxnSpPr>
+                  <a:stCxn id="25" idx="0"/>
+                </p:cNvCxnSpPr>
+                <p:nvPr/>
+              </p:nvCxnSpPr>
+              <p:spPr>
+                <a:xfrm>
+                  <a:off x="2171" y="341"/>
+                  <a:ext cx="6" cy="3400"/>
+                </a:xfrm>
+                <a:prstGeom prst="line">
+                  <a:avLst/>
+                </a:prstGeom>
+                <a:ln w="19050">
+                  <a:solidFill>
+                    <a:srgbClr val="0070C0"/>
+                  </a:solidFill>
+                  <a:prstDash val="sysDash"/>
+                </a:ln>
+                <a:effectLst/>
+              </p:spPr>
+              <p:style>
+                <a:lnRef idx="1">
+                  <a:schemeClr val="accent1"/>
+                </a:lnRef>
+                <a:fillRef idx="2">
+                  <a:schemeClr val="accent1"/>
+                </a:fillRef>
+                <a:effectRef idx="1">
+                  <a:schemeClr val="accent1"/>
+                </a:effectRef>
+                <a:fontRef idx="minor">
+                  <a:schemeClr val="dk1"/>
+                </a:fontRef>
+              </p:style>
+            </p:cxnSp>
+            <p:sp>
+              <p:nvSpPr>
+                <p:cNvPr id="25" name="Rectangle 20"/>
+                <p:cNvSpPr/>
+                <p:nvPr/>
+              </p:nvSpPr>
+              <p:spPr>
+                <a:xfrm>
+                  <a:off x="2051" y="341"/>
+                  <a:ext cx="240" cy="435"/>
+                </a:xfrm>
+                <a:prstGeom prst="rect">
+                  <a:avLst/>
+                </a:prstGeom>
+                <a:solidFill>
+                  <a:srgbClr val="0070C0"/>
+                </a:solidFill>
+                <a:ln>
+                  <a:solidFill>
+                    <a:srgbClr val="0070C0"/>
+                  </a:solidFill>
+                </a:ln>
+                <a:effectLst/>
+              </p:spPr>
+              <p:style>
+                <a:lnRef idx="1">
+                  <a:schemeClr val="accent3"/>
+                </a:lnRef>
+                <a:fillRef idx="2">
+                  <a:schemeClr val="accent3"/>
+                </a:fillRef>
+                <a:effectRef idx="1">
+                  <a:schemeClr val="accent3"/>
+                </a:effectRef>
+                <a:fontRef idx="minor">
+                  <a:schemeClr val="dk1"/>
+                </a:fontRef>
+              </p:style>
+              <p:txBody>
+                <a:bodyPr rtlCol="0" anchor="ctr"/>
+                <a:lstStyle/>
+                <a:p>
+                  <a:pPr algn="ctr"/>
+                  <a:endParaRPr lang="en-SG" sz="1400" dirty="0"/>
+                </a:p>
+              </p:txBody>
+            </p:sp>
+            <p:cxnSp>
+              <p:nvCxnSpPr>
+                <p:cNvPr id="27" name="Straight Arrow Connector 22"/>
+                <p:cNvCxnSpPr/>
+                <p:nvPr/>
+              </p:nvCxnSpPr>
+              <p:spPr>
+                <a:xfrm>
+                  <a:off x="-8686" y="-269"/>
+                  <a:ext cx="4060" cy="22"/>
+                </a:xfrm>
+                <a:prstGeom prst="straightConnector1">
+                  <a:avLst/>
+                </a:prstGeom>
+                <a:ln w="19050">
+                  <a:solidFill>
+                    <a:srgbClr val="00B050"/>
+                  </a:solidFill>
+                  <a:tailEnd type="arrow"/>
+                </a:ln>
+              </p:spPr>
+              <p:style>
+                <a:lnRef idx="1">
+                  <a:schemeClr val="accent1"/>
+                </a:lnRef>
+                <a:fillRef idx="0">
+                  <a:schemeClr val="accent1"/>
+                </a:fillRef>
+                <a:effectRef idx="0">
+                  <a:schemeClr val="accent1"/>
+                </a:effectRef>
+                <a:fontRef idx="minor">
+                  <a:schemeClr val="tx1"/>
+                </a:fontRef>
+              </p:style>
+            </p:cxnSp>
+            <p:sp>
+              <p:nvSpPr>
+                <p:cNvPr id="30" name="TextBox 25"/>
+                <p:cNvSpPr txBox="1"/>
+                <p:nvPr/>
+              </p:nvSpPr>
+              <p:spPr>
+                <a:xfrm>
+                  <a:off x="-7410" y="-675"/>
+                  <a:ext cx="2664" cy="339"/>
+                </a:xfrm>
+                <a:prstGeom prst="rect">
+                  <a:avLst/>
+                </a:prstGeom>
+                <a:noFill/>
+              </p:spPr>
+              <p:txBody>
+                <a:bodyPr wrap="square" lIns="0" tIns="0" rIns="0" bIns="0" rtlCol="0">
+                  <a:spAutoFit/>
+                </a:bodyPr>
+                <a:lstStyle/>
+                <a:p>
+                  <a:pPr algn="r"/>
+                  <a:r>
+                    <a:rPr lang="en-US" sz="1400" dirty="0">
+                      <a:solidFill>
+                        <a:srgbClr val="0070C0"/>
+                      </a:solidFill>
+                    </a:rPr>
+                    <a:t>execute(“report …”)</a:t>
+                  </a:r>
+                  <a:endParaRPr lang="en-US" sz="1400" dirty="0">
+                    <a:solidFill>
+                      <a:srgbClr val="0070C0"/>
+                    </a:solidFill>
+                  </a:endParaRPr>
+                </a:p>
+              </p:txBody>
+            </p:sp>
+            <p:cxnSp>
+              <p:nvCxnSpPr>
+                <p:cNvPr id="31" name="Straight Arrow Connector 27"/>
+                <p:cNvCxnSpPr/>
+                <p:nvPr/>
+              </p:nvCxnSpPr>
+              <p:spPr>
+                <a:xfrm flipV="1">
+                  <a:off x="-537" y="147"/>
+                  <a:ext cx="1453" cy="0"/>
+                </a:xfrm>
+                <a:prstGeom prst="straightConnector1">
+                  <a:avLst/>
+                </a:prstGeom>
+                <a:ln w="19050">
+                  <a:solidFill>
+                    <a:srgbClr val="0070C0"/>
+                  </a:solidFill>
+                  <a:tailEnd type="arrow"/>
+                </a:ln>
+              </p:spPr>
+              <p:style>
+                <a:lnRef idx="1">
+                  <a:schemeClr val="accent1"/>
+                </a:lnRef>
+                <a:fillRef idx="0">
+                  <a:schemeClr val="accent1"/>
+                </a:fillRef>
+                <a:effectRef idx="0">
+                  <a:schemeClr val="accent1"/>
+                </a:effectRef>
+                <a:fontRef idx="minor">
+                  <a:schemeClr val="tx1"/>
+                </a:fontRef>
+              </p:style>
+            </p:cxnSp>
+            <p:sp>
+              <p:nvSpPr>
+                <p:cNvPr id="32" name="TextBox 28"/>
+                <p:cNvSpPr txBox="1"/>
+                <p:nvPr/>
+              </p:nvSpPr>
+              <p:spPr>
+                <a:xfrm>
+                  <a:off x="-2383" y="4340"/>
+                  <a:ext cx="4213" cy="339"/>
+                </a:xfrm>
+                <a:prstGeom prst="rect">
+                  <a:avLst/>
+                </a:prstGeom>
+                <a:noFill/>
+              </p:spPr>
+              <p:txBody>
+                <a:bodyPr wrap="square" lIns="0" tIns="0" rIns="0" bIns="0" rtlCol="0">
+                  <a:spAutoFit/>
+                </a:bodyPr>
+                <a:lstStyle>
+                  <a:defPPr>
+                    <a:defRPr lang="en-US"/>
+                  </a:defPPr>
+                  <a:lvl1pPr algn="r">
+                    <a:defRPr sz="1400">
+                      <a:solidFill>
+                        <a:srgbClr val="0070C0"/>
+                      </a:solidFill>
+                    </a:defRPr>
+                  </a:lvl1pPr>
+                </a:lstStyle>
+                <a:p>
+                  <a:r>
+                    <a:rPr lang="en-US" dirty="0"/>
+                    <a:t>execute(</a:t>
+                  </a:r>
+                  <a:r>
+                    <a:rPr lang="en-SG" altLang="en-US" dirty="0"/>
+                    <a:t>model, history</a:t>
+                  </a:r>
+                  <a:r>
+                    <a:rPr lang="en-US" dirty="0"/>
+                    <a:t>)</a:t>
+                  </a:r>
+                  <a:endParaRPr lang="en-US" dirty="0"/>
+                </a:p>
+              </p:txBody>
+            </p:sp>
+            <p:cxnSp>
+              <p:nvCxnSpPr>
+                <p:cNvPr id="33" name="Straight Arrow Connector 33"/>
+                <p:cNvCxnSpPr>
+                  <a:endCxn id="25" idx="2"/>
+                </p:cNvCxnSpPr>
+                <p:nvPr/>
+              </p:nvCxnSpPr>
+              <p:spPr>
+                <a:xfrm flipV="1">
+                  <a:off x="-558" y="776"/>
+                  <a:ext cx="2728" cy="5"/>
+                </a:xfrm>
+                <a:prstGeom prst="straightConnector1">
+                  <a:avLst/>
+                </a:prstGeom>
+                <a:ln w="19050">
+                  <a:solidFill>
+                    <a:srgbClr val="0070C0"/>
+                  </a:solidFill>
+                  <a:prstDash val="sysDash"/>
+                  <a:headEnd type="arrow" w="med" len="med"/>
+                  <a:tailEnd type="none" w="med" len="med"/>
+                </a:ln>
+              </p:spPr>
+              <p:style>
+                <a:lnRef idx="1">
+                  <a:schemeClr val="accent1"/>
+                </a:lnRef>
+                <a:fillRef idx="0">
+                  <a:schemeClr val="accent1"/>
+                </a:fillRef>
+                <a:effectRef idx="0">
+                  <a:schemeClr val="accent1"/>
+                </a:effectRef>
+                <a:fontRef idx="minor">
+                  <a:schemeClr val="tx1"/>
+                </a:fontRef>
+              </p:style>
+            </p:cxnSp>
+            <p:cxnSp>
+              <p:nvCxnSpPr>
+                <p:cNvPr id="36" name="Straight Arrow Connector 34"/>
+                <p:cNvCxnSpPr/>
+                <p:nvPr/>
+              </p:nvCxnSpPr>
+              <p:spPr>
+                <a:xfrm>
+                  <a:off x="-4386" y="3645"/>
+                  <a:ext cx="3698" cy="0"/>
+                </a:xfrm>
+                <a:prstGeom prst="straightConnector1">
+                  <a:avLst/>
+                </a:prstGeom>
+                <a:ln w="19050">
+                  <a:solidFill>
+                    <a:srgbClr val="0070C0"/>
+                  </a:solidFill>
+                  <a:prstDash val="sysDash"/>
+                  <a:headEnd type="arrow" w="med" len="med"/>
+                  <a:tailEnd type="none" w="med" len="med"/>
+                </a:ln>
+              </p:spPr>
+              <p:style>
+                <a:lnRef idx="1">
+                  <a:schemeClr val="accent1"/>
+                </a:lnRef>
+                <a:fillRef idx="0">
+                  <a:schemeClr val="accent1"/>
+                </a:fillRef>
+                <a:effectRef idx="0">
+                  <a:schemeClr val="accent1"/>
+                </a:effectRef>
+                <a:fontRef idx="minor">
+                  <a:schemeClr val="tx1"/>
+                </a:fontRef>
+              </p:style>
+            </p:cxnSp>
+            <p:cxnSp>
+              <p:nvCxnSpPr>
+                <p:cNvPr id="38" name="Straight Arrow Connector 36"/>
+                <p:cNvCxnSpPr/>
+                <p:nvPr/>
+              </p:nvCxnSpPr>
+              <p:spPr>
+                <a:xfrm flipV="1">
+                  <a:off x="-8476" y="12511"/>
+                  <a:ext cx="3850" cy="4"/>
+                </a:xfrm>
+                <a:prstGeom prst="straightConnector1">
+                  <a:avLst/>
+                </a:prstGeom>
+                <a:ln w="19050">
+                  <a:solidFill>
+                    <a:schemeClr val="accent1"/>
+                  </a:solidFill>
+                  <a:prstDash val="sysDash"/>
+                  <a:headEnd type="arrow" w="med" len="med"/>
+                  <a:tailEnd type="none" w="med" len="med"/>
+                </a:ln>
+              </p:spPr>
+              <p:style>
+                <a:lnRef idx="1">
+                  <a:schemeClr val="accent1"/>
+                </a:lnRef>
+                <a:fillRef idx="0">
+                  <a:schemeClr val="accent1"/>
+                </a:fillRef>
+                <a:effectRef idx="0">
+                  <a:schemeClr val="accent1"/>
+                </a:effectRef>
+                <a:fontRef idx="minor">
+                  <a:schemeClr val="tx1"/>
+                </a:fontRef>
+              </p:style>
+            </p:cxnSp>
+            <p:sp>
+              <p:nvSpPr>
+                <p:cNvPr id="39" name="Rectangle 64"/>
+                <p:cNvSpPr/>
+                <p:nvPr/>
+              </p:nvSpPr>
+              <p:spPr>
+                <a:xfrm>
+                  <a:off x="4958" y="4739"/>
+                  <a:ext cx="274" cy="7776"/>
+                </a:xfrm>
+                <a:prstGeom prst="rect">
+                  <a:avLst/>
+                </a:prstGeom>
+                <a:solidFill>
+                  <a:srgbClr val="0070C0"/>
+                </a:solidFill>
+                <a:ln>
+                  <a:solidFill>
+                    <a:srgbClr val="0070C0"/>
+                  </a:solidFill>
+                </a:ln>
+                <a:effectLst/>
+              </p:spPr>
+              <p:style>
+                <a:lnRef idx="1">
+                  <a:schemeClr val="accent3"/>
+                </a:lnRef>
+                <a:fillRef idx="2">
+                  <a:schemeClr val="accent3"/>
+                </a:fillRef>
+                <a:effectRef idx="1">
+                  <a:schemeClr val="accent3"/>
+                </a:effectRef>
+                <a:fontRef idx="minor">
+                  <a:schemeClr val="dk1"/>
+                </a:fontRef>
+              </p:style>
+              <p:txBody>
+                <a:bodyPr rtlCol="0" anchor="ctr"/>
+                <a:lstStyle/>
+                <a:p>
+                  <a:pPr algn="ctr"/>
+                  <a:endParaRPr lang="en-SG" sz="1400" dirty="0"/>
+                </a:p>
+              </p:txBody>
+            </p:sp>
+            <p:sp>
+              <p:nvSpPr>
+                <p:cNvPr id="42" name="TextBox 78"/>
+                <p:cNvSpPr txBox="1"/>
+                <p:nvPr/>
+              </p:nvSpPr>
+              <p:spPr>
+                <a:xfrm>
+                  <a:off x="6059" y="4340"/>
+                  <a:ext cx="2044" cy="290"/>
+                </a:xfrm>
+                <a:prstGeom prst="rect">
+                  <a:avLst/>
+                </a:prstGeom>
+                <a:noFill/>
+              </p:spPr>
+              <p:txBody>
+                <a:bodyPr wrap="square" lIns="0" tIns="0" rIns="0" bIns="0" rtlCol="0">
+                  <a:spAutoFit/>
+                </a:bodyPr>
+                <a:lstStyle>
+                  <a:defPPr>
+                    <a:defRPr lang="en-US"/>
+                  </a:defPPr>
+                  <a:lvl1pPr algn="r">
+                    <a:defRPr sz="1400">
+                      <a:solidFill>
+                        <a:srgbClr val="0070C0"/>
+                      </a:solidFill>
+                    </a:defRPr>
+                  </a:lvl1pPr>
+                </a:lstStyle>
+                <a:p>
+                  <a:r>
+                    <a:rPr lang="en-SG" altLang="en-US" sz="1200" dirty="0">
+                      <a:solidFill>
+                        <a:srgbClr val="7030A0"/>
+                      </a:solidFill>
+                    </a:rPr>
+                    <a:t>ReportWindow</a:t>
+                  </a:r>
+                  <a:r>
+                    <a:rPr lang="en-US" sz="1200" dirty="0">
+                      <a:solidFill>
+                        <a:srgbClr val="7030A0"/>
+                      </a:solidFill>
+                    </a:rPr>
+                    <a:t>()</a:t>
+                  </a:r>
+                  <a:endParaRPr lang="en-US" sz="1200" dirty="0"/>
+                </a:p>
+              </p:txBody>
+            </p:sp>
+            <p:sp>
+              <p:nvSpPr>
+                <p:cNvPr id="43" name="TextBox 79"/>
+                <p:cNvSpPr txBox="1"/>
+                <p:nvPr/>
+              </p:nvSpPr>
+              <p:spPr>
+                <a:xfrm>
+                  <a:off x="-4230" y="-493"/>
+                  <a:ext cx="3370" cy="339"/>
+                </a:xfrm>
+                <a:prstGeom prst="rect">
+                  <a:avLst/>
+                </a:prstGeom>
+                <a:noFill/>
+              </p:spPr>
+              <p:txBody>
+                <a:bodyPr wrap="square" lIns="0" tIns="0" rIns="0" bIns="0" rtlCol="0">
+                  <a:spAutoFit/>
+                </a:bodyPr>
+                <a:lstStyle>
+                  <a:defPPr>
+                    <a:defRPr lang="en-US"/>
+                  </a:defPPr>
+                  <a:lvl1pPr algn="r">
+                    <a:defRPr sz="1400">
+                      <a:solidFill>
+                        <a:srgbClr val="0070C0"/>
+                      </a:solidFill>
+                    </a:defRPr>
+                  </a:lvl1pPr>
+                </a:lstStyle>
+                <a:p>
+                  <a:r>
+                    <a:rPr lang="en-US" dirty="0"/>
+                    <a:t>parseCommand(“report …”)</a:t>
+                  </a:r>
+                  <a:endParaRPr lang="en-US" dirty="0"/>
+                </a:p>
+              </p:txBody>
+            </p:sp>
+            <p:sp>
+              <p:nvSpPr>
+                <p:cNvPr id="44" name="TextBox 81"/>
+                <p:cNvSpPr txBox="1"/>
+                <p:nvPr/>
+              </p:nvSpPr>
+              <p:spPr>
+                <a:xfrm>
+                  <a:off x="-671" y="12021"/>
+                  <a:ext cx="978" cy="339"/>
+                </a:xfrm>
+                <a:prstGeom prst="rect">
+                  <a:avLst/>
+                </a:prstGeom>
+                <a:noFill/>
+              </p:spPr>
+              <p:txBody>
+                <a:bodyPr wrap="square" lIns="0" tIns="0" rIns="0" bIns="0" rtlCol="0">
+                  <a:spAutoFit/>
+                </a:bodyPr>
+                <a:lstStyle>
+                  <a:defPPr>
+                    <a:defRPr lang="en-US"/>
+                  </a:defPPr>
+                  <a:lvl1pPr algn="r">
+                    <a:defRPr sz="1400">
+                      <a:solidFill>
+                        <a:srgbClr val="0070C0"/>
+                      </a:solidFill>
+                    </a:defRPr>
+                  </a:lvl1pPr>
+                </a:lstStyle>
+                <a:p>
+                  <a:r>
+                    <a:rPr lang="en-US" dirty="0"/>
+                    <a:t>result</a:t>
+                  </a:r>
+                  <a:endParaRPr lang="en-US" dirty="0"/>
+                </a:p>
+              </p:txBody>
+            </p:sp>
+            <p:sp>
+              <p:nvSpPr>
+                <p:cNvPr id="45" name="TextBox 82"/>
+                <p:cNvSpPr txBox="1"/>
+                <p:nvPr/>
+              </p:nvSpPr>
+              <p:spPr>
+                <a:xfrm>
+                  <a:off x="-6206" y="12021"/>
+                  <a:ext cx="1200" cy="339"/>
+                </a:xfrm>
+                <a:prstGeom prst="rect">
+                  <a:avLst/>
+                </a:prstGeom>
+                <a:noFill/>
+              </p:spPr>
+              <p:txBody>
+                <a:bodyPr wrap="square" lIns="0" tIns="0" rIns="0" bIns="0" rtlCol="0">
+                  <a:spAutoFit/>
+                </a:bodyPr>
+                <a:lstStyle>
+                  <a:defPPr>
+                    <a:defRPr lang="en-US"/>
+                  </a:defPPr>
+                  <a:lvl1pPr algn="r">
+                    <a:defRPr sz="1400">
+                      <a:solidFill>
+                        <a:srgbClr val="0070C0"/>
+                      </a:solidFill>
+                    </a:defRPr>
+                  </a:lvl1pPr>
+                </a:lstStyle>
+                <a:p>
+                  <a:r>
+                    <a:rPr lang="en-US" dirty="0"/>
+                    <a:t>result</a:t>
+                  </a:r>
+                  <a:endParaRPr lang="en-US" dirty="0"/>
+                </a:p>
+              </p:txBody>
+            </p:sp>
+            <p:sp>
+              <p:nvSpPr>
+                <p:cNvPr id="48" name="Rectangle 62"/>
+                <p:cNvSpPr/>
+                <p:nvPr/>
+              </p:nvSpPr>
+              <p:spPr>
+                <a:xfrm>
+                  <a:off x="12832" y="8584"/>
+                  <a:ext cx="2799" cy="528"/>
+                </a:xfrm>
+                <a:prstGeom prst="rect">
+                  <a:avLst/>
+                </a:prstGeom>
+                <a:solidFill>
+                  <a:srgbClr val="7030A0"/>
+                </a:solidFill>
+                <a:ln w="19050">
                   <a:solidFill>
                     <a:srgbClr val="7030A0"/>
                   </a:solidFill>
-                </a:rPr>
-                <a:t>UI</a:t>
-              </a:r>
-              <a:endParaRPr lang="en-SG" altLang="en-US" sz="4000" b="1" dirty="0">
+                </a:ln>
+                <a:effectLst/>
+              </p:spPr>
+              <p:style>
+                <a:lnRef idx="1">
+                  <a:schemeClr val="accent2"/>
+                </a:lnRef>
+                <a:fillRef idx="2">
+                  <a:schemeClr val="accent2"/>
+                </a:fillRef>
+                <a:effectRef idx="1">
+                  <a:schemeClr val="accent2"/>
+                </a:effectRef>
+                <a:fontRef idx="minor">
+                  <a:schemeClr val="dk1"/>
+                </a:fontRef>
+              </p:style>
+              <p:txBody>
+                <a:bodyPr rtlCol="0" anchor="ctr"/>
+                <a:lstStyle/>
+                <a:p>
+                  <a:pPr algn="ctr"/>
+                  <a:r>
+                    <a:rPr lang="en-SG" altLang="en-US" sz="1600" dirty="0">
+                      <a:solidFill>
+                        <a:schemeClr val="bg1"/>
+                      </a:solidFill>
+                    </a:rPr>
+                    <a:t>data</a:t>
+                  </a:r>
+                  <a:r>
+                    <a:rPr lang="en-US" sz="1600" dirty="0">
+                      <a:solidFill>
+                        <a:schemeClr val="bg1"/>
+                      </a:solidFill>
+                    </a:rPr>
+                    <a:t>:</a:t>
+                  </a:r>
+                  <a:r>
+                    <a:rPr lang="en-SG" altLang="en-US" sz="1600" dirty="0">
+                      <a:solidFill>
+                        <a:schemeClr val="bg1"/>
+                      </a:solidFill>
+                    </a:rPr>
+                    <a:t>ReportData</a:t>
+                  </a:r>
+                  <a:endParaRPr lang="en-SG" altLang="en-US" sz="1600" dirty="0">
+                    <a:solidFill>
+                      <a:schemeClr val="bg1"/>
+                    </a:solidFill>
+                  </a:endParaRPr>
+                </a:p>
+              </p:txBody>
+            </p:sp>
+            <p:sp>
+              <p:nvSpPr>
+                <p:cNvPr id="72" name="Rectangle 85"/>
+                <p:cNvSpPr/>
+                <p:nvPr/>
+              </p:nvSpPr>
+              <p:spPr>
+                <a:xfrm>
+                  <a:off x="14054" y="9112"/>
+                  <a:ext cx="205" cy="463"/>
+                </a:xfrm>
+                <a:prstGeom prst="rect">
+                  <a:avLst/>
+                </a:prstGeom>
                 <a:solidFill>
                   <a:srgbClr val="7030A0"/>
                 </a:solidFill>
-              </a:endParaRPr>
-            </a:p>
-          </p:txBody>
-        </p:sp>
-        <p:sp>
-          <p:nvSpPr>
-            <p:cNvPr id="10" name="Rectangle 65"/>
-            <p:cNvSpPr/>
-            <p:nvPr/>
-          </p:nvSpPr>
-          <p:spPr>
-            <a:xfrm>
-              <a:off x="-7733" y="-3141"/>
-              <a:ext cx="16538" cy="16104"/>
-            </a:xfrm>
-            <a:prstGeom prst="roundRect">
-              <a:avLst>
-                <a:gd name="adj" fmla="val 3484"/>
-              </a:avLst>
-            </a:prstGeom>
-            <a:solidFill>
-              <a:schemeClr val="accent1">
-                <a:lumMod val="20000"/>
-                <a:lumOff val="80000"/>
-              </a:schemeClr>
-            </a:solidFill>
-            <a:ln w="19050">
-              <a:noFill/>
-            </a:ln>
-            <a:effectLst/>
-          </p:spPr>
-          <p:style>
-            <a:lnRef idx="1">
-              <a:schemeClr val="accent2"/>
-            </a:lnRef>
-            <a:fillRef idx="2">
-              <a:schemeClr val="accent2"/>
-            </a:fillRef>
-            <a:effectRef idx="1">
-              <a:schemeClr val="accent2"/>
-            </a:effectRef>
-            <a:fontRef idx="minor">
-              <a:schemeClr val="dk1"/>
-            </a:fontRef>
-          </p:style>
-          <p:txBody>
-            <a:bodyPr rtlCol="0" anchor="t"/>
-            <a:lstStyle/>
-            <a:p>
-              <a:r>
-                <a:rPr lang="en-SG" sz="4000" b="1" dirty="0">
+                <a:ln>
+                  <a:solidFill>
+                    <a:srgbClr val="7030A0"/>
+                  </a:solidFill>
+                </a:ln>
+                <a:effectLst/>
+              </p:spPr>
+              <p:style>
+                <a:lnRef idx="1">
+                  <a:schemeClr val="accent3"/>
+                </a:lnRef>
+                <a:fillRef idx="2">
+                  <a:schemeClr val="accent3"/>
+                </a:fillRef>
+                <a:effectRef idx="1">
+                  <a:schemeClr val="accent3"/>
+                </a:effectRef>
+                <a:fontRef idx="minor">
+                  <a:schemeClr val="dk1"/>
+                </a:fontRef>
+              </p:style>
+              <p:txBody>
+                <a:bodyPr rtlCol="0" anchor="ctr"/>
+                <a:lstStyle/>
+                <a:p>
+                  <a:pPr algn="ctr"/>
+                  <a:endParaRPr lang="en-SG" sz="1400" dirty="0"/>
+                </a:p>
+              </p:txBody>
+            </p:sp>
+            <p:sp>
+              <p:nvSpPr>
+                <p:cNvPr id="73" name="Rectangle 62"/>
+                <p:cNvSpPr/>
+                <p:nvPr/>
+              </p:nvSpPr>
+              <p:spPr>
+                <a:xfrm>
+                  <a:off x="9476" y="4510"/>
+                  <a:ext cx="5790" cy="473"/>
+                </a:xfrm>
+                <a:prstGeom prst="rect">
+                  <a:avLst/>
+                </a:prstGeom>
+                <a:solidFill>
+                  <a:srgbClr val="7030A0"/>
+                </a:solidFill>
+                <a:ln w="19050">
+                  <a:solidFill>
+                    <a:srgbClr val="7030A0"/>
+                  </a:solidFill>
+                </a:ln>
+                <a:effectLst/>
+              </p:spPr>
+              <p:style>
+                <a:lnRef idx="1">
+                  <a:schemeClr val="accent2"/>
+                </a:lnRef>
+                <a:fillRef idx="2">
+                  <a:schemeClr val="accent2"/>
+                </a:fillRef>
+                <a:effectRef idx="1">
+                  <a:schemeClr val="accent2"/>
+                </a:effectRef>
+                <a:fontRef idx="minor">
+                  <a:schemeClr val="dk1"/>
+                </a:fontRef>
+              </p:style>
+              <p:txBody>
+                <a:bodyPr rtlCol="0" anchor="ctr"/>
+                <a:lstStyle/>
+                <a:p>
+                  <a:pPr algn="ctr"/>
+                  <a:r>
+                    <a:rPr lang="en-US" sz="1600" dirty="0">
+                      <a:solidFill>
+                        <a:schemeClr val="bg1"/>
+                      </a:solidFill>
+                    </a:rPr>
+                    <a:t>summaryWindow: ReportWindow</a:t>
+                  </a:r>
+                  <a:endParaRPr lang="en-US" sz="1600" dirty="0">
+                    <a:solidFill>
+                      <a:schemeClr val="bg1"/>
+                    </a:solidFill>
+                  </a:endParaRPr>
+                </a:p>
+              </p:txBody>
+            </p:sp>
+            <p:cxnSp>
+              <p:nvCxnSpPr>
+                <p:cNvPr id="74" name="Straight Connector 45"/>
+                <p:cNvCxnSpPr/>
+                <p:nvPr/>
+              </p:nvCxnSpPr>
+              <p:spPr>
+                <a:xfrm>
+                  <a:off x="10838" y="4983"/>
+                  <a:ext cx="9" cy="5618"/>
+                </a:xfrm>
+                <a:prstGeom prst="line">
+                  <a:avLst/>
+                </a:prstGeom>
+                <a:ln w="19050">
+                  <a:solidFill>
+                    <a:srgbClr val="7030A0"/>
+                  </a:solidFill>
+                  <a:prstDash val="sysDash"/>
+                </a:ln>
+                <a:effectLst/>
+              </p:spPr>
+              <p:style>
+                <a:lnRef idx="1">
+                  <a:schemeClr val="accent1"/>
+                </a:lnRef>
+                <a:fillRef idx="2">
+                  <a:schemeClr val="accent1"/>
+                </a:fillRef>
+                <a:effectRef idx="1">
+                  <a:schemeClr val="accent1"/>
+                </a:effectRef>
+                <a:fontRef idx="minor">
+                  <a:schemeClr val="dk1"/>
+                </a:fontRef>
+              </p:style>
+            </p:cxnSp>
+            <p:cxnSp>
+              <p:nvCxnSpPr>
+                <p:cNvPr id="87" name="Straight Arrow Connector 49"/>
+                <p:cNvCxnSpPr/>
+                <p:nvPr/>
+              </p:nvCxnSpPr>
+              <p:spPr>
+                <a:xfrm>
+                  <a:off x="5185" y="4746"/>
+                  <a:ext cx="4291" cy="0"/>
+                </a:xfrm>
+                <a:prstGeom prst="straightConnector1">
+                  <a:avLst/>
+                </a:prstGeom>
+                <a:ln w="19050">
                   <a:solidFill>
                     <a:srgbClr val="0070C0"/>
                   </a:solidFill>
-                </a:rPr>
-                <a:t>Logic</a:t>
-              </a:r>
-              <a:endParaRPr lang="en-SG" sz="4000" b="1" dirty="0">
+                  <a:tailEnd type="arrow"/>
+                </a:ln>
+              </p:spPr>
+              <p:style>
+                <a:lnRef idx="1">
+                  <a:schemeClr val="accent1"/>
+                </a:lnRef>
+                <a:fillRef idx="0">
+                  <a:schemeClr val="accent1"/>
+                </a:fillRef>
+                <a:effectRef idx="0">
+                  <a:schemeClr val="accent1"/>
+                </a:effectRef>
+                <a:fontRef idx="minor">
+                  <a:schemeClr val="tx1"/>
+                </a:fontRef>
+              </p:style>
+            </p:cxnSp>
+            <p:sp>
+              <p:nvSpPr>
+                <p:cNvPr id="88" name="TextBox 3"/>
+                <p:cNvSpPr txBox="1"/>
+                <p:nvPr/>
+              </p:nvSpPr>
+              <p:spPr>
+                <a:xfrm>
+                  <a:off x="1965" y="3720"/>
+                  <a:ext cx="407" cy="412"/>
+                </a:xfrm>
+                <a:prstGeom prst="rect">
+                  <a:avLst/>
+                </a:prstGeom>
+                <a:noFill/>
+              </p:spPr>
+              <p:txBody>
+                <a:bodyPr wrap="none" rtlCol="0">
+                  <a:spAutoFit/>
+                </a:bodyPr>
+                <a:lstStyle/>
+                <a:p>
+                  <a:r>
+                    <a:rPr lang="en-SG" sz="1100" dirty="0">
+                      <a:solidFill>
+                        <a:srgbClr val="002060"/>
+                      </a:solidFill>
+                    </a:rPr>
+                    <a:t>X</a:t>
+                  </a:r>
+                  <a:endParaRPr lang="en-SG" sz="1100" dirty="0">
+                    <a:solidFill>
+                      <a:srgbClr val="002060"/>
+                    </a:solidFill>
+                  </a:endParaRPr>
+                </a:p>
+              </p:txBody>
+            </p:sp>
+            <p:sp>
+              <p:nvSpPr>
+                <p:cNvPr id="90" name="Rectangle 62"/>
+                <p:cNvSpPr/>
+                <p:nvPr/>
+              </p:nvSpPr>
+              <p:spPr>
+                <a:xfrm>
+                  <a:off x="916" y="-317"/>
+                  <a:ext cx="2509" cy="727"/>
+                </a:xfrm>
+                <a:prstGeom prst="rect">
+                  <a:avLst/>
+                </a:prstGeom>
                 <a:solidFill>
                   <a:srgbClr val="0070C0"/>
                 </a:solidFill>
-              </a:endParaRPr>
-            </a:p>
-          </p:txBody>
-        </p:sp>
+                <a:ln w="19050">
+                  <a:solidFill>
+                    <a:srgbClr val="0070C0"/>
+                  </a:solidFill>
+                </a:ln>
+                <a:effectLst/>
+              </p:spPr>
+              <p:style>
+                <a:lnRef idx="1">
+                  <a:schemeClr val="accent2"/>
+                </a:lnRef>
+                <a:fillRef idx="2">
+                  <a:schemeClr val="accent2"/>
+                </a:fillRef>
+                <a:effectRef idx="1">
+                  <a:schemeClr val="accent2"/>
+                </a:effectRef>
+                <a:fontRef idx="minor">
+                  <a:schemeClr val="dk1"/>
+                </a:fontRef>
+              </p:style>
+              <p:txBody>
+                <a:bodyPr rtlCol="0" anchor="ctr"/>
+                <a:lstStyle/>
+                <a:p>
+                  <a:pPr algn="ctr"/>
+                  <a:r>
+                    <a:rPr lang="en-US" sz="1600" dirty="0">
+                      <a:solidFill>
+                        <a:schemeClr val="bg1"/>
+                      </a:solidFill>
+                    </a:rPr>
+                    <a:t>:Report</a:t>
+                  </a:r>
+                  <a:endParaRPr lang="en-US" sz="1600" dirty="0">
+                    <a:solidFill>
+                      <a:schemeClr val="bg1"/>
+                    </a:solidFill>
+                  </a:endParaRPr>
+                </a:p>
+                <a:p>
+                  <a:pPr algn="ctr"/>
+                  <a:r>
+                    <a:rPr lang="en-US" sz="1600" dirty="0">
+                      <a:solidFill>
+                        <a:schemeClr val="bg1"/>
+                      </a:solidFill>
+                    </a:rPr>
+                    <a:t>CommandParser</a:t>
+                  </a:r>
+                  <a:endParaRPr lang="en-SG" sz="1600" dirty="0">
+                    <a:solidFill>
+                      <a:schemeClr val="bg1"/>
+                    </a:solidFill>
+                  </a:endParaRPr>
+                </a:p>
+              </p:txBody>
+            </p:sp>
+            <p:cxnSp>
+              <p:nvCxnSpPr>
+                <p:cNvPr id="91" name="Straight Arrow Connector 65"/>
+                <p:cNvCxnSpPr/>
+                <p:nvPr/>
+              </p:nvCxnSpPr>
+              <p:spPr>
+                <a:xfrm>
+                  <a:off x="-4386" y="4779"/>
+                  <a:ext cx="9336" cy="0"/>
+                </a:xfrm>
+                <a:prstGeom prst="straightConnector1">
+                  <a:avLst/>
+                </a:prstGeom>
+                <a:ln w="19050">
+                  <a:solidFill>
+                    <a:srgbClr val="0070C0"/>
+                  </a:solidFill>
+                  <a:tailEnd type="arrow"/>
+                </a:ln>
+              </p:spPr>
+              <p:style>
+                <a:lnRef idx="1">
+                  <a:schemeClr val="accent1"/>
+                </a:lnRef>
+                <a:fillRef idx="0">
+                  <a:schemeClr val="accent1"/>
+                </a:fillRef>
+                <a:effectRef idx="0">
+                  <a:schemeClr val="accent1"/>
+                </a:effectRef>
+                <a:fontRef idx="minor">
+                  <a:schemeClr val="tx1"/>
+                </a:fontRef>
+              </p:style>
+            </p:cxnSp>
+            <p:cxnSp>
+              <p:nvCxnSpPr>
+                <p:cNvPr id="92" name="Straight Arrow Connector 66"/>
+                <p:cNvCxnSpPr/>
+                <p:nvPr/>
+              </p:nvCxnSpPr>
+              <p:spPr>
+                <a:xfrm>
+                  <a:off x="-4360" y="-87"/>
+                  <a:ext cx="3554" cy="0"/>
+                </a:xfrm>
+                <a:prstGeom prst="straightConnector1">
+                  <a:avLst/>
+                </a:prstGeom>
+                <a:ln w="19050">
+                  <a:solidFill>
+                    <a:srgbClr val="0070C0"/>
+                  </a:solidFill>
+                  <a:tailEnd type="arrow"/>
+                </a:ln>
+              </p:spPr>
+              <p:style>
+                <a:lnRef idx="1">
+                  <a:schemeClr val="accent1"/>
+                </a:lnRef>
+                <a:fillRef idx="0">
+                  <a:schemeClr val="accent1"/>
+                </a:fillRef>
+                <a:effectRef idx="0">
+                  <a:schemeClr val="accent1"/>
+                </a:effectRef>
+                <a:fontRef idx="minor">
+                  <a:schemeClr val="tx1"/>
+                </a:fontRef>
+              </p:style>
+            </p:cxnSp>
+            <p:cxnSp>
+              <p:nvCxnSpPr>
+                <p:cNvPr id="93" name="Straight Arrow Connector 68"/>
+                <p:cNvCxnSpPr/>
+                <p:nvPr/>
+              </p:nvCxnSpPr>
+              <p:spPr>
+                <a:xfrm>
+                  <a:off x="-4386" y="12511"/>
+                  <a:ext cx="9453" cy="0"/>
+                </a:xfrm>
+                <a:prstGeom prst="straightConnector1">
+                  <a:avLst/>
+                </a:prstGeom>
+                <a:ln w="19050">
+                  <a:solidFill>
+                    <a:srgbClr val="0070C0"/>
+                  </a:solidFill>
+                  <a:prstDash val="sysDash"/>
+                  <a:headEnd type="arrow" w="med" len="med"/>
+                  <a:tailEnd type="none" w="med" len="med"/>
+                </a:ln>
+              </p:spPr>
+              <p:style>
+                <a:lnRef idx="1">
+                  <a:schemeClr val="accent1"/>
+                </a:lnRef>
+                <a:fillRef idx="0">
+                  <a:schemeClr val="accent1"/>
+                </a:fillRef>
+                <a:effectRef idx="0">
+                  <a:schemeClr val="accent1"/>
+                </a:effectRef>
+                <a:fontRef idx="minor">
+                  <a:schemeClr val="tx1"/>
+                </a:fontRef>
+              </p:style>
+            </p:cxnSp>
+            <p:sp>
+              <p:nvSpPr>
+                <p:cNvPr id="95" name="TextBox 40"/>
+                <p:cNvSpPr txBox="1"/>
+                <p:nvPr/>
+              </p:nvSpPr>
+              <p:spPr>
+                <a:xfrm>
+                  <a:off x="11287" y="8892"/>
+                  <a:ext cx="1304" cy="290"/>
+                </a:xfrm>
+                <a:prstGeom prst="rect">
+                  <a:avLst/>
+                </a:prstGeom>
+                <a:noFill/>
+                <a:ln>
+                  <a:noFill/>
+                </a:ln>
+              </p:spPr>
+              <p:txBody>
+                <a:bodyPr wrap="square" lIns="0" tIns="0" rIns="0" bIns="0" rtlCol="0">
+                  <a:spAutoFit/>
+                </a:bodyPr>
+                <a:lstStyle>
+                  <a:defPPr>
+                    <a:defRPr lang="en-US"/>
+                  </a:defPPr>
+                  <a:lvl1pPr algn="r">
+                    <a:defRPr sz="1400">
+                      <a:solidFill>
+                        <a:srgbClr val="0070C0"/>
+                      </a:solidFill>
+                    </a:defRPr>
+                  </a:lvl1pPr>
+                </a:lstStyle>
+                <a:p>
+                  <a:r>
+                    <a:rPr lang="en-SG" altLang="en-US" sz="1200" dirty="0">
+                      <a:solidFill>
+                        <a:srgbClr val="7030A0"/>
+                      </a:solidFill>
+                    </a:rPr>
+                    <a:t>ReportData()</a:t>
+                  </a:r>
+                  <a:endParaRPr lang="en-SG" altLang="en-US" sz="1200" dirty="0">
+                    <a:solidFill>
+                      <a:srgbClr val="7030A0"/>
+                    </a:solidFill>
+                  </a:endParaRPr>
+                </a:p>
+              </p:txBody>
+            </p:sp>
+            <p:cxnSp>
+              <p:nvCxnSpPr>
+                <p:cNvPr id="96" name="Straight Arrow Connector 51"/>
+                <p:cNvCxnSpPr/>
+                <p:nvPr/>
+              </p:nvCxnSpPr>
+              <p:spPr>
+                <a:xfrm flipV="1">
+                  <a:off x="11118" y="8841"/>
+                  <a:ext cx="1642" cy="7"/>
+                </a:xfrm>
+                <a:prstGeom prst="straightConnector1">
+                  <a:avLst/>
+                </a:prstGeom>
+                <a:ln w="19050">
+                  <a:solidFill>
+                    <a:srgbClr val="7030A0"/>
+                  </a:solidFill>
+                  <a:tailEnd type="arrow"/>
+                </a:ln>
+              </p:spPr>
+              <p:style>
+                <a:lnRef idx="1">
+                  <a:schemeClr val="accent1"/>
+                </a:lnRef>
+                <a:fillRef idx="0">
+                  <a:schemeClr val="accent1"/>
+                </a:fillRef>
+                <a:effectRef idx="0">
+                  <a:schemeClr val="accent1"/>
+                </a:effectRef>
+                <a:fontRef idx="minor">
+                  <a:schemeClr val="tx1"/>
+                </a:fontRef>
+              </p:style>
+            </p:cxnSp>
+            <p:cxnSp>
+              <p:nvCxnSpPr>
+                <p:cNvPr id="97" name="Straight Arrow Connector 59"/>
+                <p:cNvCxnSpPr>
+                  <a:endCxn id="72" idx="2"/>
+                </p:cNvCxnSpPr>
+                <p:nvPr/>
+              </p:nvCxnSpPr>
+              <p:spPr>
+                <a:xfrm flipV="1">
+                  <a:off x="11185" y="9575"/>
+                  <a:ext cx="2972" cy="16"/>
+                </a:xfrm>
+                <a:prstGeom prst="straightConnector1">
+                  <a:avLst/>
+                </a:prstGeom>
+                <a:ln w="19050">
+                  <a:solidFill>
+                    <a:srgbClr val="7030A0"/>
+                  </a:solidFill>
+                  <a:prstDash val="sysDash"/>
+                  <a:headEnd type="arrow" w="med" len="med"/>
+                  <a:tailEnd type="none" w="med" len="med"/>
+                </a:ln>
+              </p:spPr>
+              <p:style>
+                <a:lnRef idx="1">
+                  <a:schemeClr val="accent1"/>
+                </a:lnRef>
+                <a:fillRef idx="0">
+                  <a:schemeClr val="accent1"/>
+                </a:fillRef>
+                <a:effectRef idx="0">
+                  <a:schemeClr val="accent1"/>
+                </a:effectRef>
+                <a:fontRef idx="minor">
+                  <a:schemeClr val="tx1"/>
+                </a:fontRef>
+              </p:style>
+            </p:cxnSp>
+            <p:cxnSp>
+              <p:nvCxnSpPr>
+                <p:cNvPr id="98" name="Straight Arrow Connector 62"/>
+                <p:cNvCxnSpPr>
+                  <a:endCxn id="178" idx="2"/>
+                </p:cNvCxnSpPr>
+                <p:nvPr/>
+              </p:nvCxnSpPr>
+              <p:spPr>
+                <a:xfrm>
+                  <a:off x="5231" y="5442"/>
+                  <a:ext cx="5599" cy="3"/>
+                </a:xfrm>
+                <a:prstGeom prst="straightConnector1">
+                  <a:avLst/>
+                </a:prstGeom>
+                <a:ln w="19050">
+                  <a:solidFill>
+                    <a:srgbClr val="7030A0"/>
+                  </a:solidFill>
+                  <a:prstDash val="sysDash"/>
+                  <a:headEnd type="arrow" w="med" len="med"/>
+                  <a:tailEnd type="none" w="med" len="med"/>
+                </a:ln>
+              </p:spPr>
+              <p:style>
+                <a:lnRef idx="1">
+                  <a:schemeClr val="accent1"/>
+                </a:lnRef>
+                <a:fillRef idx="0">
+                  <a:schemeClr val="accent1"/>
+                </a:fillRef>
+                <a:effectRef idx="0">
+                  <a:schemeClr val="accent1"/>
+                </a:effectRef>
+                <a:fontRef idx="minor">
+                  <a:schemeClr val="tx1"/>
+                </a:fontRef>
+              </p:style>
+            </p:cxnSp>
+            <p:sp>
+              <p:nvSpPr>
+                <p:cNvPr id="99" name="Rectangle 46"/>
+                <p:cNvSpPr/>
+                <p:nvPr/>
+              </p:nvSpPr>
+              <p:spPr>
+                <a:xfrm>
+                  <a:off x="2051" y="1125"/>
+                  <a:ext cx="235" cy="2362"/>
+                </a:xfrm>
+                <a:prstGeom prst="rect">
+                  <a:avLst/>
+                </a:prstGeom>
+                <a:solidFill>
+                  <a:srgbClr val="0070C0"/>
+                </a:solidFill>
+                <a:ln>
+                  <a:solidFill>
+                    <a:srgbClr val="0070C0"/>
+                  </a:solidFill>
+                </a:ln>
+                <a:effectLst/>
+              </p:spPr>
+              <p:style>
+                <a:lnRef idx="1">
+                  <a:schemeClr val="accent3"/>
+                </a:lnRef>
+                <a:fillRef idx="2">
+                  <a:schemeClr val="accent3"/>
+                </a:fillRef>
+                <a:effectRef idx="1">
+                  <a:schemeClr val="accent3"/>
+                </a:effectRef>
+                <a:fontRef idx="minor">
+                  <a:schemeClr val="dk1"/>
+                </a:fontRef>
+              </p:style>
+              <p:txBody>
+                <a:bodyPr rtlCol="0" anchor="ctr"/>
+                <a:lstStyle/>
+                <a:p>
+                  <a:pPr algn="ctr"/>
+                  <a:endParaRPr lang="en-SG" sz="1400" dirty="0"/>
+                </a:p>
+              </p:txBody>
+            </p:sp>
+            <p:cxnSp>
+              <p:nvCxnSpPr>
+                <p:cNvPr id="100" name="Straight Arrow Connector 50"/>
+                <p:cNvCxnSpPr/>
+                <p:nvPr/>
+              </p:nvCxnSpPr>
+              <p:spPr>
+                <a:xfrm>
+                  <a:off x="-527" y="1143"/>
+                  <a:ext cx="2603" cy="0"/>
+                </a:xfrm>
+                <a:prstGeom prst="straightConnector1">
+                  <a:avLst/>
+                </a:prstGeom>
+                <a:ln w="19050">
+                  <a:solidFill>
+                    <a:srgbClr val="0070C0"/>
+                  </a:solidFill>
+                  <a:tailEnd type="arrow"/>
+                </a:ln>
+              </p:spPr>
+              <p:style>
+                <a:lnRef idx="1">
+                  <a:schemeClr val="accent1"/>
+                </a:lnRef>
+                <a:fillRef idx="0">
+                  <a:schemeClr val="accent1"/>
+                </a:fillRef>
+                <a:effectRef idx="0">
+                  <a:schemeClr val="accent1"/>
+                </a:effectRef>
+                <a:fontRef idx="minor">
+                  <a:schemeClr val="tx1"/>
+                </a:fontRef>
+              </p:style>
+            </p:cxnSp>
+            <p:sp>
+              <p:nvSpPr>
+                <p:cNvPr id="101" name="TextBox 52"/>
+                <p:cNvSpPr txBox="1"/>
+                <p:nvPr/>
+              </p:nvSpPr>
+              <p:spPr>
+                <a:xfrm>
+                  <a:off x="-1770" y="1191"/>
+                  <a:ext cx="3370" cy="339"/>
+                </a:xfrm>
+                <a:prstGeom prst="rect">
+                  <a:avLst/>
+                </a:prstGeom>
+                <a:noFill/>
+              </p:spPr>
+              <p:txBody>
+                <a:bodyPr wrap="square" lIns="0" tIns="0" rIns="0" bIns="0" rtlCol="0">
+                  <a:spAutoFit/>
+                </a:bodyPr>
+                <a:lstStyle>
+                  <a:defPPr>
+                    <a:defRPr lang="en-US"/>
+                  </a:defPPr>
+                  <a:lvl1pPr algn="r">
+                    <a:defRPr sz="1400">
+                      <a:solidFill>
+                        <a:srgbClr val="0070C0"/>
+                      </a:solidFill>
+                    </a:defRPr>
+                  </a:lvl1pPr>
+                </a:lstStyle>
+                <a:p>
+                  <a:r>
+                    <a:rPr lang="en-US" dirty="0"/>
+                    <a:t>parse(args)</a:t>
+                  </a:r>
+                  <a:endParaRPr lang="en-US" dirty="0"/>
+                </a:p>
+              </p:txBody>
+            </p:sp>
+            <p:sp>
+              <p:nvSpPr>
+                <p:cNvPr id="106" name="Rectangle 58"/>
+                <p:cNvSpPr/>
+                <p:nvPr/>
+              </p:nvSpPr>
+              <p:spPr>
+                <a:xfrm>
+                  <a:off x="4892" y="2144"/>
+                  <a:ext cx="240" cy="435"/>
+                </a:xfrm>
+                <a:prstGeom prst="rect">
+                  <a:avLst/>
+                </a:prstGeom>
+                <a:solidFill>
+                  <a:srgbClr val="0070C0"/>
+                </a:solidFill>
+                <a:ln>
+                  <a:solidFill>
+                    <a:srgbClr val="0070C0"/>
+                  </a:solidFill>
+                </a:ln>
+                <a:effectLst/>
+              </p:spPr>
+              <p:style>
+                <a:lnRef idx="1">
+                  <a:schemeClr val="accent3"/>
+                </a:lnRef>
+                <a:fillRef idx="2">
+                  <a:schemeClr val="accent3"/>
+                </a:fillRef>
+                <a:effectRef idx="1">
+                  <a:schemeClr val="accent3"/>
+                </a:effectRef>
+                <a:fontRef idx="minor">
+                  <a:schemeClr val="dk1"/>
+                </a:fontRef>
+              </p:style>
+              <p:txBody>
+                <a:bodyPr rtlCol="0" anchor="ctr"/>
+                <a:lstStyle/>
+                <a:p>
+                  <a:pPr algn="ctr"/>
+                  <a:endParaRPr lang="en-SG" sz="1400" dirty="0"/>
+                </a:p>
+              </p:txBody>
+            </p:sp>
+            <p:sp>
+              <p:nvSpPr>
+                <p:cNvPr id="107" name="Rectangle 62"/>
+                <p:cNvSpPr/>
+                <p:nvPr/>
+              </p:nvSpPr>
+              <p:spPr>
+                <a:xfrm>
+                  <a:off x="4699" y="1417"/>
+                  <a:ext cx="2911" cy="727"/>
+                </a:xfrm>
+                <a:prstGeom prst="rect">
+                  <a:avLst/>
+                </a:prstGeom>
+                <a:solidFill>
+                  <a:srgbClr val="0070C0"/>
+                </a:solidFill>
+                <a:ln w="19050">
+                  <a:solidFill>
+                    <a:srgbClr val="0070C0"/>
+                  </a:solidFill>
+                </a:ln>
+                <a:effectLst/>
+              </p:spPr>
+              <p:style>
+                <a:lnRef idx="1">
+                  <a:schemeClr val="accent2"/>
+                </a:lnRef>
+                <a:fillRef idx="2">
+                  <a:schemeClr val="accent2"/>
+                </a:fillRef>
+                <a:effectRef idx="1">
+                  <a:schemeClr val="accent2"/>
+                </a:effectRef>
+                <a:fontRef idx="minor">
+                  <a:schemeClr val="dk1"/>
+                </a:fontRef>
+              </p:style>
+              <p:txBody>
+                <a:bodyPr rtlCol="0" anchor="ctr"/>
+                <a:lstStyle/>
+                <a:p>
+                  <a:pPr algn="ctr"/>
+                  <a:r>
+                    <a:rPr lang="en-US" sz="1600" dirty="0">
+                      <a:solidFill>
+                        <a:schemeClr val="bg1"/>
+                      </a:solidFill>
+                    </a:rPr>
+                    <a:t>:</a:t>
+                  </a:r>
+                  <a:r>
+                    <a:rPr lang="en-SG" altLang="en-US" sz="1600" dirty="0">
+                      <a:solidFill>
+                        <a:schemeClr val="bg1"/>
+                      </a:solidFill>
+                    </a:rPr>
+                    <a:t>Report</a:t>
+                  </a:r>
+                  <a:r>
+                    <a:rPr lang="en-US" sz="1600" dirty="0">
+                      <a:solidFill>
+                        <a:schemeClr val="bg1"/>
+                      </a:solidFill>
+                    </a:rPr>
+                    <a:t>Command</a:t>
+                  </a:r>
+                  <a:endParaRPr lang="en-SG" sz="1600" dirty="0">
+                    <a:solidFill>
+                      <a:schemeClr val="bg1"/>
+                    </a:solidFill>
+                  </a:endParaRPr>
+                </a:p>
+              </p:txBody>
+            </p:sp>
+            <p:cxnSp>
+              <p:nvCxnSpPr>
+                <p:cNvPr id="108" name="Straight Arrow Connector 61"/>
+                <p:cNvCxnSpPr>
+                  <a:endCxn id="107" idx="1"/>
+                </p:cNvCxnSpPr>
+                <p:nvPr/>
+              </p:nvCxnSpPr>
+              <p:spPr>
+                <a:xfrm flipV="1">
+                  <a:off x="2255" y="1781"/>
+                  <a:ext cx="2444" cy="20"/>
+                </a:xfrm>
+                <a:prstGeom prst="straightConnector1">
+                  <a:avLst/>
+                </a:prstGeom>
+                <a:ln w="19050">
+                  <a:solidFill>
+                    <a:srgbClr val="0070C0"/>
+                  </a:solidFill>
+                  <a:tailEnd type="arrow"/>
+                </a:ln>
+              </p:spPr>
+              <p:style>
+                <a:lnRef idx="1">
+                  <a:schemeClr val="accent1"/>
+                </a:lnRef>
+                <a:fillRef idx="0">
+                  <a:schemeClr val="accent1"/>
+                </a:fillRef>
+                <a:effectRef idx="0">
+                  <a:schemeClr val="accent1"/>
+                </a:effectRef>
+                <a:fontRef idx="minor">
+                  <a:schemeClr val="tx1"/>
+                </a:fontRef>
+              </p:style>
+            </p:cxnSp>
+            <p:cxnSp>
+              <p:nvCxnSpPr>
+                <p:cNvPr id="109" name="Straight Arrow Connector 63"/>
+                <p:cNvCxnSpPr/>
+                <p:nvPr/>
+              </p:nvCxnSpPr>
+              <p:spPr>
+                <a:xfrm flipV="1">
+                  <a:off x="2284" y="2579"/>
+                  <a:ext cx="2728" cy="5"/>
+                </a:xfrm>
+                <a:prstGeom prst="straightConnector1">
+                  <a:avLst/>
+                </a:prstGeom>
+                <a:ln w="19050">
+                  <a:solidFill>
+                    <a:srgbClr val="0070C0"/>
+                  </a:solidFill>
+                  <a:prstDash val="sysDash"/>
+                  <a:headEnd type="arrow" w="med" len="med"/>
+                  <a:tailEnd type="none" w="med" len="med"/>
+                </a:ln>
+              </p:spPr>
+              <p:style>
+                <a:lnRef idx="1">
+                  <a:schemeClr val="accent1"/>
+                </a:lnRef>
+                <a:fillRef idx="0">
+                  <a:schemeClr val="accent1"/>
+                </a:fillRef>
+                <a:effectRef idx="0">
+                  <a:schemeClr val="accent1"/>
+                </a:effectRef>
+                <a:fontRef idx="minor">
+                  <a:schemeClr val="tx1"/>
+                </a:fontRef>
+              </p:style>
+            </p:cxnSp>
+            <p:cxnSp>
+              <p:nvCxnSpPr>
+                <p:cNvPr id="110" name="Straight Arrow Connector 67"/>
+                <p:cNvCxnSpPr/>
+                <p:nvPr/>
+              </p:nvCxnSpPr>
+              <p:spPr>
+                <a:xfrm flipV="1">
+                  <a:off x="-551" y="3469"/>
+                  <a:ext cx="2728" cy="5"/>
+                </a:xfrm>
+                <a:prstGeom prst="straightConnector1">
+                  <a:avLst/>
+                </a:prstGeom>
+                <a:ln w="19050">
+                  <a:solidFill>
+                    <a:srgbClr val="0070C0"/>
+                  </a:solidFill>
+                  <a:prstDash val="sysDash"/>
+                  <a:headEnd type="arrow" w="med" len="med"/>
+                  <a:tailEnd type="none" w="med" len="med"/>
+                </a:ln>
+              </p:spPr>
+              <p:style>
+                <a:lnRef idx="1">
+                  <a:schemeClr val="accent1"/>
+                </a:lnRef>
+                <a:fillRef idx="0">
+                  <a:schemeClr val="accent1"/>
+                </a:fillRef>
+                <a:effectRef idx="0">
+                  <a:schemeClr val="accent1"/>
+                </a:effectRef>
+                <a:fontRef idx="minor">
+                  <a:schemeClr val="tx1"/>
+                </a:fontRef>
+              </p:style>
+            </p:cxnSp>
+            <p:cxnSp>
+              <p:nvCxnSpPr>
+                <p:cNvPr id="112" name="Straight Connector 70"/>
+                <p:cNvCxnSpPr>
+                  <a:stCxn id="106" idx="2"/>
+                </p:cNvCxnSpPr>
+                <p:nvPr/>
+              </p:nvCxnSpPr>
+              <p:spPr>
+                <a:xfrm>
+                  <a:off x="5012" y="2579"/>
+                  <a:ext cx="64" cy="10302"/>
+                </a:xfrm>
+                <a:prstGeom prst="line">
+                  <a:avLst/>
+                </a:prstGeom>
+                <a:ln w="19050">
+                  <a:solidFill>
+                    <a:srgbClr val="0070C0"/>
+                  </a:solidFill>
+                  <a:prstDash val="sysDash"/>
+                </a:ln>
+                <a:effectLst/>
+              </p:spPr>
+              <p:style>
+                <a:lnRef idx="1">
+                  <a:schemeClr val="accent1"/>
+                </a:lnRef>
+                <a:fillRef idx="2">
+                  <a:schemeClr val="accent1"/>
+                </a:fillRef>
+                <a:effectRef idx="1">
+                  <a:schemeClr val="accent1"/>
+                </a:effectRef>
+                <a:fontRef idx="minor">
+                  <a:schemeClr val="dk1"/>
+                </a:fontRef>
+              </p:style>
+            </p:cxnSp>
+            <p:sp>
+              <p:nvSpPr>
+                <p:cNvPr id="113" name="Rectangle 74"/>
+                <p:cNvSpPr/>
+                <p:nvPr/>
+              </p:nvSpPr>
+              <p:spPr>
+                <a:xfrm>
+                  <a:off x="6960" y="11545"/>
+                  <a:ext cx="240" cy="435"/>
+                </a:xfrm>
+                <a:prstGeom prst="rect">
+                  <a:avLst/>
+                </a:prstGeom>
+                <a:solidFill>
+                  <a:srgbClr val="0070C0"/>
+                </a:solidFill>
+                <a:ln>
+                  <a:solidFill>
+                    <a:srgbClr val="0070C0"/>
+                  </a:solidFill>
+                </a:ln>
+                <a:effectLst/>
+              </p:spPr>
+              <p:style>
+                <a:lnRef idx="1">
+                  <a:schemeClr val="accent3"/>
+                </a:lnRef>
+                <a:fillRef idx="2">
+                  <a:schemeClr val="accent3"/>
+                </a:fillRef>
+                <a:effectRef idx="1">
+                  <a:schemeClr val="accent3"/>
+                </a:effectRef>
+                <a:fontRef idx="minor">
+                  <a:schemeClr val="dk1"/>
+                </a:fontRef>
+              </p:style>
+              <p:txBody>
+                <a:bodyPr rtlCol="0" anchor="ctr"/>
+                <a:lstStyle/>
+                <a:p>
+                  <a:pPr algn="ctr"/>
+                  <a:endParaRPr lang="en-SG" sz="1400" dirty="0"/>
+                </a:p>
+              </p:txBody>
+            </p:sp>
+            <p:sp>
+              <p:nvSpPr>
+                <p:cNvPr id="114" name="Rectangle 62"/>
+                <p:cNvSpPr/>
+                <p:nvPr/>
+              </p:nvSpPr>
+              <p:spPr>
+                <a:xfrm>
+                  <a:off x="5821" y="10772"/>
+                  <a:ext cx="2520" cy="773"/>
+                </a:xfrm>
+                <a:prstGeom prst="rect">
+                  <a:avLst/>
+                </a:prstGeom>
+                <a:solidFill>
+                  <a:srgbClr val="0070C0"/>
+                </a:solidFill>
+                <a:ln w="19050">
+                  <a:solidFill>
+                    <a:srgbClr val="0070C0"/>
+                  </a:solidFill>
+                </a:ln>
+                <a:effectLst/>
+              </p:spPr>
+              <p:style>
+                <a:lnRef idx="1">
+                  <a:schemeClr val="accent2"/>
+                </a:lnRef>
+                <a:fillRef idx="2">
+                  <a:schemeClr val="accent2"/>
+                </a:fillRef>
+                <a:effectRef idx="1">
+                  <a:schemeClr val="accent2"/>
+                </a:effectRef>
+                <a:fontRef idx="minor">
+                  <a:schemeClr val="dk1"/>
+                </a:fontRef>
+              </p:style>
+              <p:txBody>
+                <a:bodyPr rtlCol="0" anchor="ctr"/>
+                <a:lstStyle/>
+                <a:p>
+                  <a:pPr algn="ctr"/>
+                  <a:r>
+                    <a:rPr lang="en-US" sz="1600" dirty="0">
+                      <a:solidFill>
+                        <a:schemeClr val="bg1"/>
+                      </a:solidFill>
+                    </a:rPr>
+                    <a:t>result:Command</a:t>
+                  </a:r>
+                  <a:endParaRPr lang="en-US" sz="1600" dirty="0">
+                    <a:solidFill>
+                      <a:schemeClr val="bg1"/>
+                    </a:solidFill>
+                  </a:endParaRPr>
+                </a:p>
+                <a:p>
+                  <a:pPr algn="ctr"/>
+                  <a:r>
+                    <a:rPr lang="en-US" sz="1600" dirty="0">
+                      <a:solidFill>
+                        <a:schemeClr val="bg1"/>
+                      </a:solidFill>
+                    </a:rPr>
+                    <a:t>Result</a:t>
+                  </a:r>
+                  <a:endParaRPr lang="en-SG" sz="1600" dirty="0">
+                    <a:solidFill>
+                      <a:schemeClr val="bg1"/>
+                    </a:solidFill>
+                  </a:endParaRPr>
+                </a:p>
+              </p:txBody>
+            </p:sp>
+            <p:cxnSp>
+              <p:nvCxnSpPr>
+                <p:cNvPr id="115" name="Straight Arrow Connector 76"/>
+                <p:cNvCxnSpPr/>
+                <p:nvPr/>
+              </p:nvCxnSpPr>
+              <p:spPr>
+                <a:xfrm>
+                  <a:off x="5260" y="11159"/>
+                  <a:ext cx="561" cy="0"/>
+                </a:xfrm>
+                <a:prstGeom prst="straightConnector1">
+                  <a:avLst/>
+                </a:prstGeom>
+                <a:ln w="19050">
+                  <a:solidFill>
+                    <a:srgbClr val="0070C0"/>
+                  </a:solidFill>
+                  <a:tailEnd type="arrow"/>
+                </a:ln>
+              </p:spPr>
+              <p:style>
+                <a:lnRef idx="1">
+                  <a:schemeClr val="accent1"/>
+                </a:lnRef>
+                <a:fillRef idx="0">
+                  <a:schemeClr val="accent1"/>
+                </a:fillRef>
+                <a:effectRef idx="0">
+                  <a:schemeClr val="accent1"/>
+                </a:effectRef>
+                <a:fontRef idx="minor">
+                  <a:schemeClr val="tx1"/>
+                </a:fontRef>
+              </p:style>
+            </p:cxnSp>
+            <p:cxnSp>
+              <p:nvCxnSpPr>
+                <p:cNvPr id="116" name="Straight Arrow Connector 84"/>
+                <p:cNvCxnSpPr/>
+                <p:nvPr/>
+              </p:nvCxnSpPr>
+              <p:spPr>
+                <a:xfrm>
+                  <a:off x="5276" y="11980"/>
+                  <a:ext cx="1757" cy="0"/>
+                </a:xfrm>
+                <a:prstGeom prst="straightConnector1">
+                  <a:avLst/>
+                </a:prstGeom>
+                <a:ln w="19050">
+                  <a:solidFill>
+                    <a:srgbClr val="0070C0"/>
+                  </a:solidFill>
+                  <a:prstDash val="sysDash"/>
+                  <a:headEnd type="arrow" w="med" len="med"/>
+                  <a:tailEnd type="none" w="med" len="med"/>
+                </a:ln>
+              </p:spPr>
+              <p:style>
+                <a:lnRef idx="1">
+                  <a:schemeClr val="accent1"/>
+                </a:lnRef>
+                <a:fillRef idx="0">
+                  <a:schemeClr val="accent1"/>
+                </a:fillRef>
+                <a:effectRef idx="0">
+                  <a:schemeClr val="accent1"/>
+                </a:effectRef>
+                <a:fontRef idx="minor">
+                  <a:schemeClr val="tx1"/>
+                </a:fontRef>
+              </p:style>
+            </p:cxnSp>
+            <p:sp>
+              <p:nvSpPr>
+                <p:cNvPr id="175" name="TextBox 79"/>
+                <p:cNvSpPr txBox="1"/>
+                <p:nvPr/>
+              </p:nvSpPr>
+              <p:spPr>
+                <a:xfrm>
+                  <a:off x="2395" y="973"/>
+                  <a:ext cx="3370" cy="339"/>
+                </a:xfrm>
+                <a:prstGeom prst="rect">
+                  <a:avLst/>
+                </a:prstGeom>
+                <a:noFill/>
+              </p:spPr>
+              <p:txBody>
+                <a:bodyPr wrap="square" lIns="0" tIns="0" rIns="0" bIns="0" rtlCol="0">
+                  <a:spAutoFit/>
+                </a:bodyPr>
+                <a:lstStyle>
+                  <a:defPPr>
+                    <a:defRPr lang="en-US"/>
+                  </a:defPPr>
+                  <a:lvl1pPr algn="r">
+                    <a:defRPr sz="1400">
+                      <a:solidFill>
+                        <a:srgbClr val="0070C0"/>
+                      </a:solidFill>
+                    </a:defRPr>
+                  </a:lvl1pPr>
+                </a:lstStyle>
+                <a:p>
+                  <a:r>
+                    <a:rPr lang="en-SG" altLang="en-US" dirty="0"/>
+                    <a:t>Report</a:t>
+                  </a:r>
+                  <a:r>
+                    <a:rPr lang="en-US" dirty="0"/>
+                    <a:t>Command(</a:t>
+                  </a:r>
+                  <a:r>
+                    <a:rPr lang="en-SG" altLang="en-US" dirty="0"/>
+                    <a:t>date, type</a:t>
+                  </a:r>
+                  <a:r>
+                    <a:rPr lang="en-US" dirty="0"/>
+                    <a:t>)</a:t>
+                  </a:r>
+                  <a:endParaRPr lang="en-US" dirty="0"/>
+                </a:p>
+              </p:txBody>
+            </p:sp>
+            <p:sp>
+              <p:nvSpPr>
+                <p:cNvPr id="178" name="Rectangle 48"/>
+                <p:cNvSpPr/>
+                <p:nvPr/>
+              </p:nvSpPr>
+              <p:spPr>
+                <a:xfrm>
+                  <a:off x="10688" y="4983"/>
+                  <a:ext cx="284" cy="462"/>
+                </a:xfrm>
+                <a:prstGeom prst="rect">
+                  <a:avLst/>
+                </a:prstGeom>
+                <a:solidFill>
+                  <a:srgbClr val="7030A0"/>
+                </a:solidFill>
+                <a:ln>
+                  <a:solidFill>
+                    <a:srgbClr val="7030A0"/>
+                  </a:solidFill>
+                </a:ln>
+                <a:effectLst/>
+              </p:spPr>
+              <p:style>
+                <a:lnRef idx="1">
+                  <a:schemeClr val="accent3"/>
+                </a:lnRef>
+                <a:fillRef idx="2">
+                  <a:schemeClr val="accent3"/>
+                </a:fillRef>
+                <a:effectRef idx="1">
+                  <a:schemeClr val="accent3"/>
+                </a:effectRef>
+                <a:fontRef idx="minor">
+                  <a:schemeClr val="dk1"/>
+                </a:fontRef>
+              </p:style>
+              <p:txBody>
+                <a:bodyPr rtlCol="0" anchor="ctr"/>
+                <a:lstStyle/>
+                <a:p>
+                  <a:pPr algn="ctr"/>
+                  <a:endParaRPr lang="en-SG" sz="1400" dirty="0"/>
+                </a:p>
+              </p:txBody>
+            </p:sp>
+            <p:cxnSp>
+              <p:nvCxnSpPr>
+                <p:cNvPr id="179" name="Straight Arrow Connector 49"/>
+                <p:cNvCxnSpPr/>
+                <p:nvPr/>
+              </p:nvCxnSpPr>
+              <p:spPr>
+                <a:xfrm flipV="1">
+                  <a:off x="5231" y="5901"/>
+                  <a:ext cx="5421" cy="5"/>
+                </a:xfrm>
+                <a:prstGeom prst="straightConnector1">
+                  <a:avLst/>
+                </a:prstGeom>
+                <a:ln w="19050">
+                  <a:solidFill>
+                    <a:srgbClr val="0070C0"/>
+                  </a:solidFill>
+                  <a:tailEnd type="arrow"/>
+                </a:ln>
+              </p:spPr>
+              <p:style>
+                <a:lnRef idx="1">
+                  <a:schemeClr val="accent1"/>
+                </a:lnRef>
+                <a:fillRef idx="0">
+                  <a:schemeClr val="accent1"/>
+                </a:fillRef>
+                <a:effectRef idx="0">
+                  <a:schemeClr val="accent1"/>
+                </a:effectRef>
+                <a:fontRef idx="minor">
+                  <a:schemeClr val="tx1"/>
+                </a:fontRef>
+              </p:style>
+            </p:cxnSp>
+            <p:sp>
+              <p:nvSpPr>
+                <p:cNvPr id="180" name="Rectangle 48"/>
+                <p:cNvSpPr/>
+                <p:nvPr/>
+              </p:nvSpPr>
+              <p:spPr>
+                <a:xfrm>
+                  <a:off x="10652" y="5874"/>
+                  <a:ext cx="320" cy="4290"/>
+                </a:xfrm>
+                <a:prstGeom prst="rect">
+                  <a:avLst/>
+                </a:prstGeom>
+                <a:solidFill>
+                  <a:srgbClr val="7030A0"/>
+                </a:solidFill>
+                <a:ln>
+                  <a:solidFill>
+                    <a:srgbClr val="7030A0"/>
+                  </a:solidFill>
+                </a:ln>
+                <a:effectLst/>
+              </p:spPr>
+              <p:style>
+                <a:lnRef idx="1">
+                  <a:schemeClr val="accent3"/>
+                </a:lnRef>
+                <a:fillRef idx="2">
+                  <a:schemeClr val="accent3"/>
+                </a:fillRef>
+                <a:effectRef idx="1">
+                  <a:schemeClr val="accent3"/>
+                </a:effectRef>
+                <a:fontRef idx="minor">
+                  <a:schemeClr val="dk1"/>
+                </a:fontRef>
+              </p:style>
+              <p:txBody>
+                <a:bodyPr rtlCol="0" anchor="ctr"/>
+                <a:lstStyle/>
+                <a:p>
+                  <a:pPr algn="ctr"/>
+                  <a:endParaRPr lang="en-SG" sz="1400" dirty="0"/>
+                </a:p>
+              </p:txBody>
+            </p:sp>
+            <p:sp>
+              <p:nvSpPr>
+                <p:cNvPr id="182" name="TextBox 78"/>
+                <p:cNvSpPr txBox="1"/>
+                <p:nvPr/>
+              </p:nvSpPr>
+              <p:spPr>
+                <a:xfrm>
+                  <a:off x="5501" y="5584"/>
+                  <a:ext cx="4381" cy="290"/>
+                </a:xfrm>
+                <a:prstGeom prst="rect">
+                  <a:avLst/>
+                </a:prstGeom>
+                <a:noFill/>
+              </p:spPr>
+              <p:txBody>
+                <a:bodyPr wrap="square" lIns="0" tIns="0" rIns="0" bIns="0" rtlCol="0">
+                  <a:spAutoFit/>
+                </a:bodyPr>
+                <a:lstStyle>
+                  <a:defPPr>
+                    <a:defRPr lang="en-US"/>
+                  </a:defPPr>
+                  <a:lvl1pPr algn="r">
+                    <a:defRPr sz="1400">
+                      <a:solidFill>
+                        <a:srgbClr val="0070C0"/>
+                      </a:solidFill>
+                    </a:defRPr>
+                  </a:lvl1pPr>
+                </a:lstStyle>
+                <a:p>
+                  <a:r>
+                    <a:rPr lang="en-SG" altLang="en-US" sz="1200" dirty="0">
+                      <a:solidFill>
+                        <a:srgbClr val="7030A0"/>
+                      </a:solidFill>
+                    </a:rPr>
+                    <a:t>displayReportController</a:t>
+                  </a:r>
+                  <a:r>
+                    <a:rPr lang="en-US" sz="1200" dirty="0">
+                      <a:solidFill>
+                        <a:srgbClr val="7030A0"/>
+                      </a:solidFill>
+                    </a:rPr>
+                    <a:t>(</a:t>
+                  </a:r>
+                  <a:r>
+                    <a:rPr lang="en-SG" altLang="en-US" sz="1200" dirty="0">
+                      <a:solidFill>
+                        <a:srgbClr val="7030A0"/>
+                      </a:solidFill>
+                    </a:rPr>
+                    <a:t>model, date, type</a:t>
+                  </a:r>
+                  <a:r>
+                    <a:rPr lang="en-US" sz="1200" dirty="0">
+                      <a:solidFill>
+                        <a:srgbClr val="7030A0"/>
+                      </a:solidFill>
+                    </a:rPr>
+                    <a:t>)</a:t>
+                  </a:r>
+                  <a:endParaRPr lang="en-US" sz="1200" dirty="0"/>
+                </a:p>
+              </p:txBody>
+            </p:sp>
+            <p:sp>
+              <p:nvSpPr>
+                <p:cNvPr id="187" name="流程图: 卡片 186"/>
+                <p:cNvSpPr/>
+                <p:nvPr/>
+              </p:nvSpPr>
+              <p:spPr>
+                <a:xfrm rot="10800000">
+                  <a:off x="9037" y="6021"/>
+                  <a:ext cx="1118" cy="593"/>
+                </a:xfrm>
+                <a:prstGeom prst="flowChartPunchedCard">
+                  <a:avLst/>
+                </a:prstGeom>
+                <a:noFill/>
+                <a:ln>
+                  <a:solidFill>
+                    <a:srgbClr val="FF0000"/>
+                  </a:solidFill>
+                </a:ln>
+              </p:spPr>
+              <p:style>
+                <a:lnRef idx="2">
+                  <a:schemeClr val="accent1">
+                    <a:shade val="50000"/>
+                  </a:schemeClr>
+                </a:lnRef>
+                <a:fillRef idx="1">
+                  <a:schemeClr val="accent1"/>
+                </a:fillRef>
+                <a:effectRef idx="0">
+                  <a:schemeClr val="accent1"/>
+                </a:effectRef>
+                <a:fontRef idx="minor">
+                  <a:schemeClr val="lt1"/>
+                </a:fontRef>
+              </p:style>
+              <p:txBody>
+                <a:bodyPr rtlCol="0" anchor="ctr"/>
+                <a:lstStyle/>
+                <a:p>
+                  <a:pPr algn="ctr"/>
+                  <a:endParaRPr lang="zh-CN" altLang="en-US"/>
+                </a:p>
+              </p:txBody>
+            </p:sp>
+            <p:sp>
+              <p:nvSpPr>
+                <p:cNvPr id="188" name="矩形 187"/>
+                <p:cNvSpPr/>
+                <p:nvPr/>
+              </p:nvSpPr>
+              <p:spPr>
+                <a:xfrm>
+                  <a:off x="9037" y="6021"/>
+                  <a:ext cx="7083" cy="3960"/>
+                </a:xfrm>
+                <a:prstGeom prst="rect">
+                  <a:avLst/>
+                </a:prstGeom>
+                <a:noFill/>
+                <a:ln w="12700" cmpd="sng">
+                  <a:solidFill>
+                    <a:srgbClr val="FF0000"/>
+                  </a:solidFill>
+                  <a:prstDash val="solid"/>
+                </a:ln>
+              </p:spPr>
+              <p:style>
+                <a:lnRef idx="2">
+                  <a:schemeClr val="accent1">
+                    <a:shade val="50000"/>
+                  </a:schemeClr>
+                </a:lnRef>
+                <a:fillRef idx="1">
+                  <a:schemeClr val="accent1"/>
+                </a:fillRef>
+                <a:effectRef idx="0">
+                  <a:schemeClr val="accent1"/>
+                </a:effectRef>
+                <a:fontRef idx="minor">
+                  <a:schemeClr val="lt1"/>
+                </a:fontRef>
+              </p:style>
+              <p:txBody>
+                <a:bodyPr rtlCol="0" anchor="ctr"/>
+                <a:lstStyle/>
+                <a:p>
+                  <a:pPr algn="ctr"/>
+                  <a:endParaRPr lang="zh-CN" altLang="en-US"/>
+                </a:p>
+              </p:txBody>
+            </p:sp>
+            <p:sp>
+              <p:nvSpPr>
+                <p:cNvPr id="189" name="TextBox 40"/>
+                <p:cNvSpPr txBox="1"/>
+                <p:nvPr/>
+              </p:nvSpPr>
+              <p:spPr>
+                <a:xfrm>
+                  <a:off x="8518" y="6135"/>
+                  <a:ext cx="1118" cy="290"/>
+                </a:xfrm>
+                <a:prstGeom prst="rect">
+                  <a:avLst/>
+                </a:prstGeom>
+                <a:noFill/>
+                <a:ln>
+                  <a:noFill/>
+                </a:ln>
+              </p:spPr>
+              <p:txBody>
+                <a:bodyPr wrap="square" lIns="0" tIns="0" rIns="0" bIns="0" rtlCol="0">
+                  <a:spAutoFit/>
+                </a:bodyPr>
+                <a:lstStyle>
+                  <a:defPPr>
+                    <a:defRPr lang="en-US"/>
+                  </a:defPPr>
+                  <a:lvl1pPr algn="r">
+                    <a:defRPr sz="1400">
+                      <a:solidFill>
+                        <a:srgbClr val="0070C0"/>
+                      </a:solidFill>
+                    </a:defRPr>
+                  </a:lvl1pPr>
+                </a:lstStyle>
+                <a:p>
+                  <a:r>
+                    <a:rPr lang="en-SG" altLang="en-US" sz="1200" dirty="0">
+                      <a:solidFill>
+                        <a:srgbClr val="FF0000"/>
+                      </a:solidFill>
+                    </a:rPr>
+                    <a:t>alt</a:t>
+                  </a:r>
+                  <a:endParaRPr lang="en-SG" altLang="en-US" sz="1200" dirty="0">
+                    <a:solidFill>
+                      <a:srgbClr val="FF0000"/>
+                    </a:solidFill>
+                  </a:endParaRPr>
+                </a:p>
+              </p:txBody>
+            </p:sp>
+            <p:cxnSp>
+              <p:nvCxnSpPr>
+                <p:cNvPr id="190" name="Curved Connector 12"/>
+                <p:cNvCxnSpPr/>
+                <p:nvPr/>
+              </p:nvCxnSpPr>
+              <p:spPr>
+                <a:xfrm rot="16200000" flipH="1">
+                  <a:off x="10908" y="7006"/>
+                  <a:ext cx="247" cy="120"/>
+                </a:xfrm>
+                <a:prstGeom prst="curvedConnector4">
+                  <a:avLst>
+                    <a:gd name="adj1" fmla="val -54716"/>
+                    <a:gd name="adj2" fmla="val 187651"/>
+                  </a:avLst>
+                </a:prstGeom>
+                <a:ln>
+                  <a:solidFill>
+                    <a:srgbClr val="7030A0"/>
+                  </a:solidFill>
+                  <a:tailEnd type="triangle"/>
+                </a:ln>
+              </p:spPr>
+              <p:style>
+                <a:lnRef idx="1">
+                  <a:schemeClr val="accent1"/>
+                </a:lnRef>
+                <a:fillRef idx="0">
+                  <a:schemeClr val="accent1"/>
+                </a:fillRef>
+                <a:effectRef idx="0">
+                  <a:schemeClr val="accent1"/>
+                </a:effectRef>
+                <a:fontRef idx="minor">
+                  <a:schemeClr val="tx1"/>
+                </a:fontRef>
+              </p:style>
+            </p:cxnSp>
+            <p:sp>
+              <p:nvSpPr>
+                <p:cNvPr id="191" name="TextBox 40"/>
+                <p:cNvSpPr txBox="1"/>
+                <p:nvPr/>
+              </p:nvSpPr>
+              <p:spPr>
+                <a:xfrm>
+                  <a:off x="11352" y="6425"/>
+                  <a:ext cx="4218" cy="290"/>
+                </a:xfrm>
+                <a:prstGeom prst="rect">
+                  <a:avLst/>
+                </a:prstGeom>
+                <a:noFill/>
+                <a:ln>
+                  <a:noFill/>
+                </a:ln>
+              </p:spPr>
+              <p:txBody>
+                <a:bodyPr wrap="square" lIns="0" tIns="0" rIns="0" bIns="0" rtlCol="0">
+                  <a:spAutoFit/>
+                </a:bodyPr>
+                <a:lstStyle>
+                  <a:defPPr>
+                    <a:defRPr lang="en-US"/>
+                  </a:defPPr>
+                  <a:lvl1pPr algn="r">
+                    <a:defRPr sz="1400">
+                      <a:solidFill>
+                        <a:srgbClr val="0070C0"/>
+                      </a:solidFill>
+                    </a:defRPr>
+                  </a:lvl1pPr>
+                </a:lstStyle>
+                <a:p>
+                  <a:r>
+                    <a:rPr lang="en-US" sz="1200" dirty="0">
+                      <a:solidFill>
+                        <a:srgbClr val="7030A0"/>
+                      </a:solidFill>
+                    </a:rPr>
+                    <a:t>displayReportOnSpecifiedDay</a:t>
+                  </a:r>
+                  <a:r>
+                    <a:rPr lang="en-SG" altLang="en-US" sz="1200" dirty="0">
+                      <a:solidFill>
+                        <a:srgbClr val="7030A0"/>
+                      </a:solidFill>
+                    </a:rPr>
+                    <a:t>(model, date)</a:t>
+                  </a:r>
+                  <a:endParaRPr lang="en-US" sz="1200" dirty="0">
+                    <a:solidFill>
+                      <a:schemeClr val="accent4">
+                        <a:lumMod val="75000"/>
+                      </a:schemeClr>
+                    </a:solidFill>
+                  </a:endParaRPr>
+                </a:p>
+              </p:txBody>
+            </p:sp>
+            <p:sp>
+              <p:nvSpPr>
+                <p:cNvPr id="192" name="Rectangle 85"/>
+                <p:cNvSpPr/>
+                <p:nvPr/>
+              </p:nvSpPr>
+              <p:spPr>
+                <a:xfrm>
+                  <a:off x="10887" y="6383"/>
+                  <a:ext cx="206" cy="329"/>
+                </a:xfrm>
+                <a:prstGeom prst="rect">
+                  <a:avLst/>
+                </a:prstGeom>
+                <a:solidFill>
+                  <a:srgbClr val="7030A0"/>
+                </a:solidFill>
+                <a:ln>
+                  <a:solidFill>
+                    <a:srgbClr val="7030A0"/>
+                  </a:solidFill>
+                </a:ln>
+                <a:effectLst/>
+              </p:spPr>
+              <p:style>
+                <a:lnRef idx="1">
+                  <a:schemeClr val="accent3"/>
+                </a:lnRef>
+                <a:fillRef idx="2">
+                  <a:schemeClr val="accent3"/>
+                </a:fillRef>
+                <a:effectRef idx="1">
+                  <a:schemeClr val="accent3"/>
+                </a:effectRef>
+                <a:fontRef idx="minor">
+                  <a:schemeClr val="dk1"/>
+                </a:fontRef>
+              </p:style>
+              <p:txBody>
+                <a:bodyPr rtlCol="0" anchor="ctr"/>
+                <a:lstStyle/>
+                <a:p>
+                  <a:pPr algn="ctr"/>
+                  <a:endParaRPr lang="en-SG" sz="1400" dirty="0"/>
+                </a:p>
+              </p:txBody>
+            </p:sp>
+            <p:cxnSp>
+              <p:nvCxnSpPr>
+                <p:cNvPr id="194" name="Curved Connector 12"/>
+                <p:cNvCxnSpPr/>
+                <p:nvPr/>
+              </p:nvCxnSpPr>
+              <p:spPr>
+                <a:xfrm rot="16200000" flipH="1">
+                  <a:off x="10909" y="6326"/>
+                  <a:ext cx="247" cy="120"/>
+                </a:xfrm>
+                <a:prstGeom prst="curvedConnector4">
+                  <a:avLst>
+                    <a:gd name="adj1" fmla="val -54716"/>
+                    <a:gd name="adj2" fmla="val 187651"/>
+                  </a:avLst>
+                </a:prstGeom>
+                <a:ln>
+                  <a:solidFill>
+                    <a:srgbClr val="7030A0"/>
+                  </a:solidFill>
+                  <a:tailEnd type="triangle"/>
+                </a:ln>
+              </p:spPr>
+              <p:style>
+                <a:lnRef idx="1">
+                  <a:schemeClr val="accent1"/>
+                </a:lnRef>
+                <a:fillRef idx="0">
+                  <a:schemeClr val="accent1"/>
+                </a:fillRef>
+                <a:effectRef idx="0">
+                  <a:schemeClr val="accent1"/>
+                </a:effectRef>
+                <a:fontRef idx="minor">
+                  <a:schemeClr val="tx1"/>
+                </a:fontRef>
+              </p:style>
+            </p:cxnSp>
+            <p:cxnSp>
+              <p:nvCxnSpPr>
+                <p:cNvPr id="195" name="Curved Connector 12"/>
+                <p:cNvCxnSpPr/>
+                <p:nvPr/>
+              </p:nvCxnSpPr>
+              <p:spPr>
+                <a:xfrm rot="16200000" flipH="1">
+                  <a:off x="10909" y="7587"/>
+                  <a:ext cx="247" cy="120"/>
+                </a:xfrm>
+                <a:prstGeom prst="curvedConnector4">
+                  <a:avLst>
+                    <a:gd name="adj1" fmla="val -54716"/>
+                    <a:gd name="adj2" fmla="val 187651"/>
+                  </a:avLst>
+                </a:prstGeom>
+                <a:ln>
+                  <a:solidFill>
+                    <a:srgbClr val="7030A0"/>
+                  </a:solidFill>
+                  <a:tailEnd type="triangle"/>
+                </a:ln>
+              </p:spPr>
+              <p:style>
+                <a:lnRef idx="1">
+                  <a:schemeClr val="accent1"/>
+                </a:lnRef>
+                <a:fillRef idx="0">
+                  <a:schemeClr val="accent1"/>
+                </a:fillRef>
+                <a:effectRef idx="0">
+                  <a:schemeClr val="accent1"/>
+                </a:effectRef>
+                <a:fontRef idx="minor">
+                  <a:schemeClr val="tx1"/>
+                </a:fontRef>
+              </p:style>
+            </p:cxnSp>
+            <p:cxnSp>
+              <p:nvCxnSpPr>
+                <p:cNvPr id="196" name="Curved Connector 12"/>
+                <p:cNvCxnSpPr/>
+                <p:nvPr/>
+              </p:nvCxnSpPr>
+              <p:spPr>
+                <a:xfrm rot="16200000" flipH="1">
+                  <a:off x="10908" y="8195"/>
+                  <a:ext cx="247" cy="120"/>
+                </a:xfrm>
+                <a:prstGeom prst="curvedConnector4">
+                  <a:avLst>
+                    <a:gd name="adj1" fmla="val -54716"/>
+                    <a:gd name="adj2" fmla="val 187651"/>
+                  </a:avLst>
+                </a:prstGeom>
+                <a:ln>
+                  <a:solidFill>
+                    <a:srgbClr val="7030A0"/>
+                  </a:solidFill>
+                  <a:tailEnd type="triangle"/>
+                </a:ln>
+              </p:spPr>
+              <p:style>
+                <a:lnRef idx="1">
+                  <a:schemeClr val="accent1"/>
+                </a:lnRef>
+                <a:fillRef idx="0">
+                  <a:schemeClr val="accent1"/>
+                </a:fillRef>
+                <a:effectRef idx="0">
+                  <a:schemeClr val="accent1"/>
+                </a:effectRef>
+                <a:fontRef idx="minor">
+                  <a:schemeClr val="tx1"/>
+                </a:fontRef>
+              </p:style>
+            </p:cxnSp>
+            <p:sp>
+              <p:nvSpPr>
+                <p:cNvPr id="198" name="Rectangle 85"/>
+                <p:cNvSpPr/>
+                <p:nvPr/>
+              </p:nvSpPr>
+              <p:spPr>
+                <a:xfrm>
+                  <a:off x="10912" y="6986"/>
+                  <a:ext cx="206" cy="329"/>
+                </a:xfrm>
+                <a:prstGeom prst="rect">
+                  <a:avLst/>
+                </a:prstGeom>
+                <a:solidFill>
+                  <a:srgbClr val="7030A0"/>
+                </a:solidFill>
+                <a:ln>
+                  <a:solidFill>
+                    <a:srgbClr val="7030A0"/>
+                  </a:solidFill>
+                </a:ln>
+                <a:effectLst/>
+              </p:spPr>
+              <p:style>
+                <a:lnRef idx="1">
+                  <a:schemeClr val="accent3"/>
+                </a:lnRef>
+                <a:fillRef idx="2">
+                  <a:schemeClr val="accent3"/>
+                </a:fillRef>
+                <a:effectRef idx="1">
+                  <a:schemeClr val="accent3"/>
+                </a:effectRef>
+                <a:fontRef idx="minor">
+                  <a:schemeClr val="dk1"/>
+                </a:fontRef>
+              </p:style>
+              <p:txBody>
+                <a:bodyPr rtlCol="0" anchor="ctr"/>
+                <a:lstStyle/>
+                <a:p>
+                  <a:pPr algn="ctr"/>
+                  <a:endParaRPr lang="en-SG" sz="1400" dirty="0"/>
+                </a:p>
+              </p:txBody>
+            </p:sp>
+            <p:sp>
+              <p:nvSpPr>
+                <p:cNvPr id="199" name="Rectangle 85"/>
+                <p:cNvSpPr/>
+                <p:nvPr/>
+              </p:nvSpPr>
+              <p:spPr>
+                <a:xfrm>
+                  <a:off x="10886" y="7573"/>
+                  <a:ext cx="206" cy="329"/>
+                </a:xfrm>
+                <a:prstGeom prst="rect">
+                  <a:avLst/>
+                </a:prstGeom>
+                <a:solidFill>
+                  <a:srgbClr val="7030A0"/>
+                </a:solidFill>
+                <a:ln>
+                  <a:solidFill>
+                    <a:srgbClr val="7030A0"/>
+                  </a:solidFill>
+                </a:ln>
+                <a:effectLst/>
+              </p:spPr>
+              <p:style>
+                <a:lnRef idx="1">
+                  <a:schemeClr val="accent3"/>
+                </a:lnRef>
+                <a:fillRef idx="2">
+                  <a:schemeClr val="accent3"/>
+                </a:fillRef>
+                <a:effectRef idx="1">
+                  <a:schemeClr val="accent3"/>
+                </a:effectRef>
+                <a:fontRef idx="minor">
+                  <a:schemeClr val="dk1"/>
+                </a:fontRef>
+              </p:style>
+              <p:txBody>
+                <a:bodyPr rtlCol="0" anchor="ctr"/>
+                <a:lstStyle/>
+                <a:p>
+                  <a:pPr algn="ctr"/>
+                  <a:endParaRPr lang="en-SG" sz="1400" dirty="0"/>
+                </a:p>
+              </p:txBody>
+            </p:sp>
+            <p:sp>
+              <p:nvSpPr>
+                <p:cNvPr id="200" name="Rectangle 85"/>
+                <p:cNvSpPr/>
+                <p:nvPr/>
+              </p:nvSpPr>
+              <p:spPr>
+                <a:xfrm>
+                  <a:off x="10886" y="8219"/>
+                  <a:ext cx="232" cy="1638"/>
+                </a:xfrm>
+                <a:prstGeom prst="rect">
+                  <a:avLst/>
+                </a:prstGeom>
+                <a:solidFill>
+                  <a:srgbClr val="7030A0"/>
+                </a:solidFill>
+                <a:ln>
+                  <a:solidFill>
+                    <a:srgbClr val="7030A0"/>
+                  </a:solidFill>
+                </a:ln>
+                <a:effectLst/>
+              </p:spPr>
+              <p:style>
+                <a:lnRef idx="1">
+                  <a:schemeClr val="accent3"/>
+                </a:lnRef>
+                <a:fillRef idx="2">
+                  <a:schemeClr val="accent3"/>
+                </a:fillRef>
+                <a:effectRef idx="1">
+                  <a:schemeClr val="accent3"/>
+                </a:effectRef>
+                <a:fontRef idx="minor">
+                  <a:schemeClr val="dk1"/>
+                </a:fontRef>
+              </p:style>
+              <p:txBody>
+                <a:bodyPr rtlCol="0" anchor="ctr"/>
+                <a:lstStyle/>
+                <a:p>
+                  <a:pPr algn="ctr"/>
+                  <a:endParaRPr lang="en-SG" sz="1400" dirty="0"/>
+                </a:p>
+              </p:txBody>
+            </p:sp>
+            <p:cxnSp>
+              <p:nvCxnSpPr>
+                <p:cNvPr id="202" name="Straight Connector 88"/>
+                <p:cNvCxnSpPr/>
+                <p:nvPr/>
+              </p:nvCxnSpPr>
+              <p:spPr>
+                <a:xfrm flipH="1">
+                  <a:off x="9040" y="6715"/>
+                  <a:ext cx="7080" cy="20"/>
+                </a:xfrm>
+                <a:prstGeom prst="line">
+                  <a:avLst/>
+                </a:prstGeom>
+                <a:ln w="19050">
+                  <a:solidFill>
+                    <a:srgbClr val="FF0000"/>
+                  </a:solidFill>
+                  <a:prstDash val="sysDash"/>
+                </a:ln>
+                <a:effectLst/>
+              </p:spPr>
+              <p:style>
+                <a:lnRef idx="1">
+                  <a:schemeClr val="accent1"/>
+                </a:lnRef>
+                <a:fillRef idx="2">
+                  <a:schemeClr val="accent1"/>
+                </a:fillRef>
+                <a:effectRef idx="1">
+                  <a:schemeClr val="accent1"/>
+                </a:effectRef>
+                <a:fontRef idx="minor">
+                  <a:schemeClr val="dk1"/>
+                </a:fontRef>
+              </p:style>
+            </p:cxnSp>
+            <p:cxnSp>
+              <p:nvCxnSpPr>
+                <p:cNvPr id="203" name="Straight Connector 88"/>
+                <p:cNvCxnSpPr/>
+                <p:nvPr/>
+              </p:nvCxnSpPr>
+              <p:spPr>
+                <a:xfrm flipH="1">
+                  <a:off x="9037" y="7315"/>
+                  <a:ext cx="7080" cy="20"/>
+                </a:xfrm>
+                <a:prstGeom prst="line">
+                  <a:avLst/>
+                </a:prstGeom>
+                <a:ln w="19050">
+                  <a:solidFill>
+                    <a:srgbClr val="FF0000"/>
+                  </a:solidFill>
+                  <a:prstDash val="sysDash"/>
+                </a:ln>
+                <a:effectLst/>
+              </p:spPr>
+              <p:style>
+                <a:lnRef idx="1">
+                  <a:schemeClr val="accent1"/>
+                </a:lnRef>
+                <a:fillRef idx="2">
+                  <a:schemeClr val="accent1"/>
+                </a:fillRef>
+                <a:effectRef idx="1">
+                  <a:schemeClr val="accent1"/>
+                </a:effectRef>
+                <a:fontRef idx="minor">
+                  <a:schemeClr val="dk1"/>
+                </a:fontRef>
+              </p:style>
+            </p:cxnSp>
+            <p:cxnSp>
+              <p:nvCxnSpPr>
+                <p:cNvPr id="204" name="Straight Connector 88"/>
+                <p:cNvCxnSpPr/>
+                <p:nvPr/>
+              </p:nvCxnSpPr>
+              <p:spPr>
+                <a:xfrm flipH="1">
+                  <a:off x="9037" y="7902"/>
+                  <a:ext cx="7080" cy="20"/>
+                </a:xfrm>
+                <a:prstGeom prst="line">
+                  <a:avLst/>
+                </a:prstGeom>
+                <a:ln w="19050">
+                  <a:solidFill>
+                    <a:srgbClr val="FF0000"/>
+                  </a:solidFill>
+                  <a:prstDash val="sysDash"/>
+                </a:ln>
+                <a:effectLst/>
+              </p:spPr>
+              <p:style>
+                <a:lnRef idx="1">
+                  <a:schemeClr val="accent1"/>
+                </a:lnRef>
+                <a:fillRef idx="2">
+                  <a:schemeClr val="accent1"/>
+                </a:fillRef>
+                <a:effectRef idx="1">
+                  <a:schemeClr val="accent1"/>
+                </a:effectRef>
+                <a:fontRef idx="minor">
+                  <a:schemeClr val="dk1"/>
+                </a:fontRef>
+              </p:style>
+            </p:cxnSp>
+            <p:sp>
+              <p:nvSpPr>
+                <p:cNvPr id="205" name="TextBox 40"/>
+                <p:cNvSpPr txBox="1"/>
+                <p:nvPr/>
+              </p:nvSpPr>
+              <p:spPr>
+                <a:xfrm>
+                  <a:off x="11352" y="6986"/>
+                  <a:ext cx="4509" cy="290"/>
+                </a:xfrm>
+                <a:prstGeom prst="rect">
+                  <a:avLst/>
+                </a:prstGeom>
+                <a:noFill/>
+                <a:ln>
+                  <a:noFill/>
+                </a:ln>
+              </p:spPr>
+              <p:txBody>
+                <a:bodyPr wrap="square" lIns="0" tIns="0" rIns="0" bIns="0" rtlCol="0">
+                  <a:spAutoFit/>
+                </a:bodyPr>
+                <a:lstStyle>
+                  <a:defPPr>
+                    <a:defRPr lang="en-US"/>
+                  </a:defPPr>
+                  <a:lvl1pPr algn="r">
+                    <a:defRPr sz="1400">
+                      <a:solidFill>
+                        <a:srgbClr val="0070C0"/>
+                      </a:solidFill>
+                    </a:defRPr>
+                  </a:lvl1pPr>
+                </a:lstStyle>
+                <a:p>
+                  <a:r>
+                    <a:rPr lang="en-US" sz="1200" dirty="0">
+                      <a:solidFill>
+                        <a:srgbClr val="7030A0"/>
+                      </a:solidFill>
+                    </a:rPr>
+                    <a:t>displayReportOnSpecified</a:t>
+                  </a:r>
+                  <a:r>
+                    <a:rPr lang="en-SG" altLang="en-US" sz="1200" dirty="0">
+                      <a:solidFill>
+                        <a:srgbClr val="7030A0"/>
+                      </a:solidFill>
+                    </a:rPr>
+                    <a:t>Month(model, date)</a:t>
+                  </a:r>
+                  <a:endParaRPr lang="en-US" sz="1200" dirty="0">
+                    <a:solidFill>
+                      <a:schemeClr val="accent4">
+                        <a:lumMod val="75000"/>
+                      </a:schemeClr>
+                    </a:solidFill>
+                  </a:endParaRPr>
+                </a:p>
+              </p:txBody>
+            </p:sp>
+            <p:sp>
+              <p:nvSpPr>
+                <p:cNvPr id="206" name="TextBox 40"/>
+                <p:cNvSpPr txBox="1"/>
+                <p:nvPr/>
+              </p:nvSpPr>
+              <p:spPr>
+                <a:xfrm>
+                  <a:off x="11352" y="7570"/>
+                  <a:ext cx="4280" cy="290"/>
+                </a:xfrm>
+                <a:prstGeom prst="rect">
+                  <a:avLst/>
+                </a:prstGeom>
+                <a:noFill/>
+                <a:ln>
+                  <a:noFill/>
+                </a:ln>
+              </p:spPr>
+              <p:txBody>
+                <a:bodyPr wrap="square" lIns="0" tIns="0" rIns="0" bIns="0" rtlCol="0">
+                  <a:spAutoFit/>
+                </a:bodyPr>
+                <a:lstStyle>
+                  <a:defPPr>
+                    <a:defRPr lang="en-US"/>
+                  </a:defPPr>
+                  <a:lvl1pPr algn="r">
+                    <a:defRPr sz="1400">
+                      <a:solidFill>
+                        <a:srgbClr val="0070C0"/>
+                      </a:solidFill>
+                    </a:defRPr>
+                  </a:lvl1pPr>
+                </a:lstStyle>
+                <a:p>
+                  <a:r>
+                    <a:rPr lang="en-US" sz="1200" dirty="0">
+                      <a:solidFill>
+                        <a:srgbClr val="7030A0"/>
+                      </a:solidFill>
+                    </a:rPr>
+                    <a:t>displayReportOnSpecified</a:t>
+                  </a:r>
+                  <a:r>
+                    <a:rPr lang="en-SG" altLang="en-US" sz="1200" dirty="0">
+                      <a:solidFill>
+                        <a:srgbClr val="7030A0"/>
+                      </a:solidFill>
+                    </a:rPr>
+                    <a:t>Year(model, date)</a:t>
+                  </a:r>
+                  <a:endParaRPr lang="en-US" sz="1200" dirty="0">
+                    <a:solidFill>
+                      <a:schemeClr val="accent4">
+                        <a:lumMod val="75000"/>
+                      </a:schemeClr>
+                    </a:solidFill>
+                  </a:endParaRPr>
+                </a:p>
+              </p:txBody>
+            </p:sp>
+            <p:sp>
+              <p:nvSpPr>
+                <p:cNvPr id="207" name="TextBox 40"/>
+                <p:cNvSpPr txBox="1"/>
+                <p:nvPr/>
+              </p:nvSpPr>
+              <p:spPr>
+                <a:xfrm>
+                  <a:off x="11352" y="8258"/>
+                  <a:ext cx="3190" cy="290"/>
+                </a:xfrm>
+                <a:prstGeom prst="rect">
+                  <a:avLst/>
+                </a:prstGeom>
+                <a:noFill/>
+                <a:ln>
+                  <a:noFill/>
+                </a:ln>
+              </p:spPr>
+              <p:txBody>
+                <a:bodyPr wrap="square" lIns="0" tIns="0" rIns="0" bIns="0" rtlCol="0">
+                  <a:spAutoFit/>
+                </a:bodyPr>
+                <a:lstStyle>
+                  <a:defPPr>
+                    <a:defRPr lang="en-US"/>
+                  </a:defPPr>
+                  <a:lvl1pPr algn="r">
+                    <a:defRPr sz="1400">
+                      <a:solidFill>
+                        <a:srgbClr val="0070C0"/>
+                      </a:solidFill>
+                    </a:defRPr>
+                  </a:lvl1pPr>
+                </a:lstStyle>
+                <a:p>
+                  <a:r>
+                    <a:rPr lang="en-US" sz="1200" dirty="0">
+                      <a:solidFill>
+                        <a:srgbClr val="7030A0"/>
+                      </a:solidFill>
+                    </a:rPr>
+                    <a:t>display</a:t>
+                  </a:r>
+                  <a:r>
+                    <a:rPr lang="en-SG" altLang="en-US" sz="1200" dirty="0">
+                      <a:solidFill>
+                        <a:srgbClr val="7030A0"/>
+                      </a:solidFill>
+                    </a:rPr>
+                    <a:t>CompletedReport(model)</a:t>
+                  </a:r>
+                  <a:endParaRPr lang="en-US" sz="1200" dirty="0">
+                    <a:solidFill>
+                      <a:schemeClr val="accent4">
+                        <a:lumMod val="75000"/>
+                      </a:schemeClr>
+                    </a:solidFill>
+                  </a:endParaRPr>
+                </a:p>
+              </p:txBody>
+            </p:sp>
+            <p:sp>
+              <p:nvSpPr>
+                <p:cNvPr id="208" name="TextBox 40"/>
+                <p:cNvSpPr txBox="1"/>
+                <p:nvPr/>
+              </p:nvSpPr>
+              <p:spPr>
+                <a:xfrm>
+                  <a:off x="11511" y="6135"/>
+                  <a:ext cx="2748" cy="290"/>
+                </a:xfrm>
+                <a:prstGeom prst="rect">
+                  <a:avLst/>
+                </a:prstGeom>
+                <a:noFill/>
+                <a:ln>
+                  <a:noFill/>
+                </a:ln>
+              </p:spPr>
+              <p:txBody>
+                <a:bodyPr wrap="square" lIns="0" tIns="0" rIns="0" bIns="0" rtlCol="0">
+                  <a:spAutoFit/>
+                </a:bodyPr>
+                <a:lstStyle>
+                  <a:defPPr>
+                    <a:defRPr lang="en-US"/>
+                  </a:defPPr>
+                  <a:lvl1pPr algn="r">
+                    <a:defRPr sz="1400">
+                      <a:solidFill>
+                        <a:srgbClr val="0070C0"/>
+                      </a:solidFill>
+                    </a:defRPr>
+                  </a:lvl1pPr>
+                </a:lstStyle>
+                <a:p>
+                  <a:r>
+                    <a:rPr lang="en-SG" altLang="en-US" sz="1200" dirty="0">
+                      <a:solidFill>
+                        <a:srgbClr val="FF0000"/>
+                      </a:solidFill>
+                    </a:rPr>
+                    <a:t>[ReportDisplayType == DAY]</a:t>
+                  </a:r>
+                  <a:endParaRPr lang="en-SG" altLang="en-US" sz="1200" dirty="0">
+                    <a:solidFill>
+                      <a:srgbClr val="FF0000"/>
+                    </a:solidFill>
+                  </a:endParaRPr>
+                </a:p>
+              </p:txBody>
+            </p:sp>
+            <p:sp>
+              <p:nvSpPr>
+                <p:cNvPr id="209" name="TextBox 40"/>
+                <p:cNvSpPr txBox="1"/>
+                <p:nvPr/>
+              </p:nvSpPr>
+              <p:spPr>
+                <a:xfrm>
+                  <a:off x="11451" y="6735"/>
+                  <a:ext cx="3198" cy="290"/>
+                </a:xfrm>
+                <a:prstGeom prst="rect">
+                  <a:avLst/>
+                </a:prstGeom>
+                <a:noFill/>
+                <a:ln>
+                  <a:noFill/>
+                </a:ln>
+              </p:spPr>
+              <p:txBody>
+                <a:bodyPr wrap="square" lIns="0" tIns="0" rIns="0" bIns="0" rtlCol="0">
+                  <a:spAutoFit/>
+                </a:bodyPr>
+                <a:lstStyle>
+                  <a:defPPr>
+                    <a:defRPr lang="en-US"/>
+                  </a:defPPr>
+                  <a:lvl1pPr algn="r">
+                    <a:defRPr sz="1400">
+                      <a:solidFill>
+                        <a:srgbClr val="0070C0"/>
+                      </a:solidFill>
+                    </a:defRPr>
+                  </a:lvl1pPr>
+                </a:lstStyle>
+                <a:p>
+                  <a:r>
+                    <a:rPr lang="en-SG" altLang="en-US" sz="1200" dirty="0">
+                      <a:solidFill>
+                        <a:srgbClr val="FF0000"/>
+                      </a:solidFill>
+                    </a:rPr>
+                    <a:t>[ReportDisplayType == MONTH]</a:t>
+                  </a:r>
+                  <a:endParaRPr lang="en-SG" altLang="en-US" sz="1200" dirty="0">
+                    <a:solidFill>
+                      <a:srgbClr val="FF0000"/>
+                    </a:solidFill>
+                  </a:endParaRPr>
+                </a:p>
+              </p:txBody>
+            </p:sp>
+            <p:sp>
+              <p:nvSpPr>
+                <p:cNvPr id="210" name="TextBox 40"/>
+                <p:cNvSpPr txBox="1"/>
+                <p:nvPr/>
+              </p:nvSpPr>
+              <p:spPr>
+                <a:xfrm>
+                  <a:off x="11466" y="7364"/>
+                  <a:ext cx="2839" cy="290"/>
+                </a:xfrm>
+                <a:prstGeom prst="rect">
+                  <a:avLst/>
+                </a:prstGeom>
+                <a:noFill/>
+                <a:ln>
+                  <a:noFill/>
+                </a:ln>
+              </p:spPr>
+              <p:txBody>
+                <a:bodyPr wrap="square" lIns="0" tIns="0" rIns="0" bIns="0" rtlCol="0">
+                  <a:spAutoFit/>
+                </a:bodyPr>
+                <a:lstStyle>
+                  <a:defPPr>
+                    <a:defRPr lang="en-US"/>
+                  </a:defPPr>
+                  <a:lvl1pPr algn="r">
+                    <a:defRPr sz="1400">
+                      <a:solidFill>
+                        <a:srgbClr val="0070C0"/>
+                      </a:solidFill>
+                    </a:defRPr>
+                  </a:lvl1pPr>
+                </a:lstStyle>
+                <a:p>
+                  <a:r>
+                    <a:rPr lang="en-SG" altLang="en-US" sz="1200" dirty="0">
+                      <a:solidFill>
+                        <a:srgbClr val="FF0000"/>
+                      </a:solidFill>
+                    </a:rPr>
+                    <a:t>[ReportDisplayType == YEAR]</a:t>
+                  </a:r>
+                  <a:endParaRPr lang="en-SG" altLang="en-US" sz="1200" dirty="0">
+                    <a:solidFill>
+                      <a:srgbClr val="FF0000"/>
+                    </a:solidFill>
+                  </a:endParaRPr>
+                </a:p>
+              </p:txBody>
+            </p:sp>
+            <p:sp>
+              <p:nvSpPr>
+                <p:cNvPr id="211" name="TextBox 40"/>
+                <p:cNvSpPr txBox="1"/>
+                <p:nvPr/>
+              </p:nvSpPr>
+              <p:spPr>
+                <a:xfrm>
+                  <a:off x="11466" y="7968"/>
+                  <a:ext cx="2697" cy="290"/>
+                </a:xfrm>
+                <a:prstGeom prst="rect">
+                  <a:avLst/>
+                </a:prstGeom>
+                <a:noFill/>
+                <a:ln>
+                  <a:noFill/>
+                </a:ln>
+              </p:spPr>
+              <p:txBody>
+                <a:bodyPr wrap="square" lIns="0" tIns="0" rIns="0" bIns="0" rtlCol="0">
+                  <a:spAutoFit/>
+                </a:bodyPr>
+                <a:lstStyle>
+                  <a:defPPr>
+                    <a:defRPr lang="en-US"/>
+                  </a:defPPr>
+                  <a:lvl1pPr algn="r">
+                    <a:defRPr sz="1400">
+                      <a:solidFill>
+                        <a:srgbClr val="0070C0"/>
+                      </a:solidFill>
+                    </a:defRPr>
+                  </a:lvl1pPr>
+                </a:lstStyle>
+                <a:p>
+                  <a:r>
+                    <a:rPr lang="en-SG" altLang="en-US" sz="1200" dirty="0">
+                      <a:solidFill>
+                        <a:srgbClr val="FF0000"/>
+                      </a:solidFill>
+                    </a:rPr>
+                    <a:t>[ReportDisplayType == ALL]</a:t>
+                  </a:r>
+                  <a:endParaRPr lang="en-SG" altLang="en-US" sz="1200" dirty="0">
+                    <a:solidFill>
+                      <a:srgbClr val="FF0000"/>
+                    </a:solidFill>
+                  </a:endParaRPr>
+                </a:p>
+              </p:txBody>
+            </p:sp>
+            <p:sp>
+              <p:nvSpPr>
+                <p:cNvPr id="212" name="TextBox 40"/>
+                <p:cNvSpPr txBox="1"/>
+                <p:nvPr/>
+              </p:nvSpPr>
+              <p:spPr>
+                <a:xfrm>
+                  <a:off x="12019" y="9591"/>
+                  <a:ext cx="1304" cy="290"/>
+                </a:xfrm>
+                <a:prstGeom prst="rect">
+                  <a:avLst/>
+                </a:prstGeom>
+                <a:noFill/>
+                <a:ln>
+                  <a:noFill/>
+                </a:ln>
+              </p:spPr>
+              <p:txBody>
+                <a:bodyPr wrap="square" lIns="0" tIns="0" rIns="0" bIns="0" rtlCol="0">
+                  <a:spAutoFit/>
+                </a:bodyPr>
+                <a:lstStyle>
+                  <a:defPPr>
+                    <a:defRPr lang="en-US"/>
+                  </a:defPPr>
+                  <a:lvl1pPr algn="r">
+                    <a:defRPr sz="1400">
+                      <a:solidFill>
+                        <a:srgbClr val="0070C0"/>
+                      </a:solidFill>
+                    </a:defRPr>
+                  </a:lvl1pPr>
+                </a:lstStyle>
+                <a:p>
+                  <a:r>
+                    <a:rPr lang="en-SG" altLang="en-US" sz="1200" dirty="0">
+                      <a:solidFill>
+                        <a:srgbClr val="7030A0"/>
+                      </a:solidFill>
+                    </a:rPr>
+                    <a:t>data</a:t>
+                  </a:r>
+                  <a:endParaRPr lang="en-SG" altLang="en-US" sz="1200" dirty="0">
+                    <a:solidFill>
+                      <a:srgbClr val="7030A0"/>
+                    </a:solidFill>
+                  </a:endParaRPr>
+                </a:p>
+              </p:txBody>
+            </p:sp>
+            <p:cxnSp>
+              <p:nvCxnSpPr>
+                <p:cNvPr id="213" name="Straight Arrow Connector 62"/>
+                <p:cNvCxnSpPr/>
+                <p:nvPr/>
+              </p:nvCxnSpPr>
+              <p:spPr>
+                <a:xfrm>
+                  <a:off x="5231" y="10164"/>
+                  <a:ext cx="5599" cy="3"/>
+                </a:xfrm>
+                <a:prstGeom prst="straightConnector1">
+                  <a:avLst/>
+                </a:prstGeom>
+                <a:ln w="19050">
+                  <a:solidFill>
+                    <a:srgbClr val="7030A0"/>
+                  </a:solidFill>
+                  <a:prstDash val="sysDash"/>
+                  <a:headEnd type="arrow" w="med" len="med"/>
+                  <a:tailEnd type="none" w="med" len="med"/>
+                </a:ln>
+              </p:spPr>
+              <p:style>
+                <a:lnRef idx="1">
+                  <a:schemeClr val="accent1"/>
+                </a:lnRef>
+                <a:fillRef idx="0">
+                  <a:schemeClr val="accent1"/>
+                </a:fillRef>
+                <a:effectRef idx="0">
+                  <a:schemeClr val="accent1"/>
+                </a:effectRef>
+                <a:fontRef idx="minor">
+                  <a:schemeClr val="tx1"/>
+                </a:fontRef>
+              </p:style>
+            </p:cxnSp>
+          </p:grpSp>
+          <p:cxnSp>
+            <p:nvCxnSpPr>
+              <p:cNvPr id="2" name="Straight Connector 45"/>
+              <p:cNvCxnSpPr>
+                <a:stCxn id="72" idx="2"/>
+              </p:cNvCxnSpPr>
+              <p:nvPr/>
+            </p:nvCxnSpPr>
+            <p:spPr>
+              <a:xfrm>
+                <a:off x="14157" y="9535"/>
+                <a:ext cx="17" cy="308"/>
+              </a:xfrm>
+              <a:prstGeom prst="line">
+                <a:avLst/>
+              </a:prstGeom>
+              <a:ln w="19050">
+                <a:solidFill>
+                  <a:srgbClr val="7030A0"/>
+                </a:solidFill>
+                <a:prstDash val="sysDash"/>
+              </a:ln>
+              <a:effectLst/>
+            </p:spPr>
+            <p:style>
+              <a:lnRef idx="1">
+                <a:schemeClr val="accent1"/>
+              </a:lnRef>
+              <a:fillRef idx="2">
+                <a:schemeClr val="accent1"/>
+              </a:fillRef>
+              <a:effectRef idx="1">
+                <a:schemeClr val="accent1"/>
+              </a:effectRef>
+              <a:fontRef idx="minor">
+                <a:schemeClr val="dk1"/>
+              </a:fontRef>
+            </p:style>
+          </p:cxnSp>
+          <p:cxnSp>
+            <p:nvCxnSpPr>
+              <p:cNvPr id="4" name="Straight Connector 70"/>
+              <p:cNvCxnSpPr>
+                <a:stCxn id="113" idx="2"/>
+              </p:cNvCxnSpPr>
+              <p:nvPr/>
+            </p:nvCxnSpPr>
+            <p:spPr>
+              <a:xfrm>
+                <a:off x="7080" y="11940"/>
+                <a:ext cx="14" cy="823"/>
+              </a:xfrm>
+              <a:prstGeom prst="line">
+                <a:avLst/>
+              </a:prstGeom>
+              <a:ln w="19050">
+                <a:solidFill>
+                  <a:srgbClr val="0070C0"/>
+                </a:solidFill>
+                <a:prstDash val="sysDash"/>
+              </a:ln>
+              <a:effectLst/>
+            </p:spPr>
+            <p:style>
+              <a:lnRef idx="1">
+                <a:schemeClr val="accent1"/>
+              </a:lnRef>
+              <a:fillRef idx="2">
+                <a:schemeClr val="accent1"/>
+              </a:fillRef>
+              <a:effectRef idx="1">
+                <a:schemeClr val="accent1"/>
+              </a:effectRef>
+              <a:fontRef idx="minor">
+                <a:schemeClr val="dk1"/>
+              </a:fontRef>
+            </p:style>
+          </p:cxnSp>
+          <p:cxnSp>
+            <p:nvCxnSpPr>
+              <p:cNvPr id="5" name="Straight Connector 70"/>
+              <p:cNvCxnSpPr/>
+              <p:nvPr/>
+            </p:nvCxnSpPr>
+            <p:spPr>
+              <a:xfrm>
+                <a:off x="-4499" y="12100"/>
+                <a:ext cx="14" cy="823"/>
+              </a:xfrm>
+              <a:prstGeom prst="line">
+                <a:avLst/>
+              </a:prstGeom>
+              <a:ln w="19050">
+                <a:solidFill>
+                  <a:srgbClr val="0070C0"/>
+                </a:solidFill>
+                <a:prstDash val="sysDash"/>
+              </a:ln>
+              <a:effectLst/>
+            </p:spPr>
+            <p:style>
+              <a:lnRef idx="1">
+                <a:schemeClr val="accent1"/>
+              </a:lnRef>
+              <a:fillRef idx="2">
+                <a:schemeClr val="accent1"/>
+              </a:fillRef>
+              <a:effectRef idx="1">
+                <a:schemeClr val="accent1"/>
+              </a:effectRef>
+              <a:fontRef idx="minor">
+                <a:schemeClr val="dk1"/>
+              </a:fontRef>
+            </p:style>
+          </p:cxnSp>
+          <p:cxnSp>
+            <p:nvCxnSpPr>
+              <p:cNvPr id="6" name="Straight Connector 70"/>
+              <p:cNvCxnSpPr/>
+              <p:nvPr/>
+            </p:nvCxnSpPr>
+            <p:spPr>
+              <a:xfrm>
+                <a:off x="-667" y="3269"/>
+                <a:ext cx="14" cy="823"/>
+              </a:xfrm>
+              <a:prstGeom prst="line">
+                <a:avLst/>
+              </a:prstGeom>
+              <a:ln w="19050">
+                <a:solidFill>
+                  <a:srgbClr val="0070C0"/>
+                </a:solidFill>
+                <a:prstDash val="sysDash"/>
+              </a:ln>
+              <a:effectLst/>
+            </p:spPr>
+            <p:style>
+              <a:lnRef idx="1">
+                <a:schemeClr val="accent1"/>
+              </a:lnRef>
+              <a:fillRef idx="2">
+                <a:schemeClr val="accent1"/>
+              </a:fillRef>
+              <a:effectRef idx="1">
+                <a:schemeClr val="accent1"/>
+              </a:effectRef>
+              <a:fontRef idx="minor">
+                <a:schemeClr val="dk1"/>
+              </a:fontRef>
+            </p:style>
+          </p:cxnSp>
+          <p:sp>
+            <p:nvSpPr>
+              <p:cNvPr id="7" name="TextBox 3"/>
+              <p:cNvSpPr txBox="1"/>
+              <p:nvPr/>
+            </p:nvSpPr>
+            <p:spPr>
+              <a:xfrm>
+                <a:off x="-874" y="4058"/>
+                <a:ext cx="407" cy="412"/>
+              </a:xfrm>
+              <a:prstGeom prst="rect">
+                <a:avLst/>
+              </a:prstGeom>
+              <a:noFill/>
+            </p:spPr>
+            <p:txBody>
+              <a:bodyPr wrap="none" rtlCol="0">
+                <a:spAutoFit/>
+              </a:bodyPr>
+              <a:p>
+                <a:r>
+                  <a:rPr lang="en-SG" sz="1100" dirty="0">
+                    <a:solidFill>
+                      <a:srgbClr val="002060"/>
+                    </a:solidFill>
+                  </a:rPr>
+                  <a:t>X</a:t>
+                </a:r>
+                <a:endParaRPr lang="en-SG" sz="1100" dirty="0">
+                  <a:solidFill>
+                    <a:srgbClr val="002060"/>
+                  </a:solidFill>
+                </a:endParaRPr>
+              </a:p>
+            </p:txBody>
+          </p:sp>
+        </p:grpSp>
         <p:sp>
           <p:nvSpPr>
-            <p:cNvPr id="11" name="Rectangle 62"/>
-            <p:cNvSpPr/>
-            <p:nvPr/>
-          </p:nvSpPr>
-          <p:spPr>
-            <a:xfrm>
-              <a:off x="-5659" y="-1378"/>
-              <a:ext cx="2292" cy="546"/>
-            </a:xfrm>
-            <a:prstGeom prst="rect">
-              <a:avLst/>
-            </a:prstGeom>
-            <a:solidFill>
-              <a:srgbClr val="0070C0"/>
-            </a:solidFill>
-            <a:ln w="19050">
-              <a:solidFill>
-                <a:srgbClr val="0070C0"/>
-              </a:solidFill>
-            </a:ln>
-            <a:effectLst/>
-          </p:spPr>
-          <p:style>
-            <a:lnRef idx="1">
-              <a:schemeClr val="accent2"/>
-            </a:lnRef>
-            <a:fillRef idx="2">
-              <a:schemeClr val="accent2"/>
-            </a:fillRef>
-            <a:effectRef idx="1">
-              <a:schemeClr val="accent2"/>
-            </a:effectRef>
-            <a:fontRef idx="minor">
-              <a:schemeClr val="dk1"/>
-            </a:fontRef>
-          </p:style>
-          <p:txBody>
-            <a:bodyPr rtlCol="0" anchor="ctr"/>
-            <a:lstStyle/>
-            <a:p>
-              <a:pPr algn="ctr"/>
-              <a:r>
-                <a:rPr lang="en-US" sz="1600" dirty="0">
-                  <a:solidFill>
-                    <a:schemeClr val="bg1"/>
-                  </a:solidFill>
-                </a:rPr>
-                <a:t>:LogicManager</a:t>
-              </a:r>
-              <a:endParaRPr lang="en-SG" sz="1600" dirty="0">
-                <a:solidFill>
-                  <a:schemeClr val="bg1"/>
-                </a:solidFill>
-              </a:endParaRPr>
-            </a:p>
-          </p:txBody>
-        </p:sp>
-        <p:cxnSp>
-          <p:nvCxnSpPr>
-            <p:cNvPr id="12" name="Straight Connector 4"/>
-            <p:cNvCxnSpPr/>
-            <p:nvPr/>
-          </p:nvCxnSpPr>
-          <p:spPr>
-            <a:xfrm>
-              <a:off x="-4513" y="-805"/>
-              <a:ext cx="0" cy="5483"/>
-            </a:xfrm>
-            <a:prstGeom prst="line">
-              <a:avLst/>
-            </a:prstGeom>
-            <a:ln w="19050">
-              <a:solidFill>
-                <a:srgbClr val="0070C0"/>
-              </a:solidFill>
-              <a:prstDash val="sysDash"/>
-            </a:ln>
-            <a:effectLst/>
-          </p:spPr>
-          <p:style>
-            <a:lnRef idx="1">
-              <a:schemeClr val="accent1"/>
-            </a:lnRef>
-            <a:fillRef idx="2">
-              <a:schemeClr val="accent1"/>
-            </a:fillRef>
-            <a:effectRef idx="1">
-              <a:schemeClr val="accent1"/>
-            </a:effectRef>
-            <a:fontRef idx="minor">
-              <a:schemeClr val="dk1"/>
-            </a:fontRef>
-          </p:style>
-        </p:cxnSp>
-        <p:sp>
-          <p:nvSpPr>
-            <p:cNvPr id="13" name="Rectangle 5"/>
-            <p:cNvSpPr/>
-            <p:nvPr/>
-          </p:nvSpPr>
-          <p:spPr>
-            <a:xfrm>
-              <a:off x="-4626" y="-253"/>
-              <a:ext cx="267" cy="12768"/>
-            </a:xfrm>
-            <a:prstGeom prst="rect">
-              <a:avLst/>
-            </a:prstGeom>
-            <a:solidFill>
-              <a:srgbClr val="0070C0"/>
-            </a:solidFill>
-            <a:ln>
-              <a:solidFill>
-                <a:srgbClr val="0070C0"/>
-              </a:solidFill>
-            </a:ln>
-            <a:effectLst/>
-          </p:spPr>
-          <p:style>
-            <a:lnRef idx="1">
-              <a:schemeClr val="accent3"/>
-            </a:lnRef>
-            <a:fillRef idx="2">
-              <a:schemeClr val="accent3"/>
-            </a:fillRef>
-            <a:effectRef idx="1">
-              <a:schemeClr val="accent3"/>
-            </a:effectRef>
-            <a:fontRef idx="minor">
-              <a:schemeClr val="dk1"/>
-            </a:fontRef>
-          </p:style>
-          <p:txBody>
-            <a:bodyPr rtlCol="0" anchor="ctr"/>
-            <a:lstStyle/>
-            <a:p>
-              <a:pPr algn="ctr"/>
-              <a:endParaRPr lang="en-SG" sz="1400" dirty="0"/>
-            </a:p>
-          </p:txBody>
-        </p:sp>
-        <p:sp>
-          <p:nvSpPr>
-            <p:cNvPr id="14" name="Rectangle 62"/>
-            <p:cNvSpPr/>
-            <p:nvPr/>
-          </p:nvSpPr>
-          <p:spPr>
-            <a:xfrm>
-              <a:off x="-1770" y="-1568"/>
-              <a:ext cx="2186" cy="737"/>
-            </a:xfrm>
-            <a:prstGeom prst="rect">
-              <a:avLst/>
-            </a:prstGeom>
-            <a:solidFill>
-              <a:srgbClr val="0070C0"/>
-            </a:solidFill>
-            <a:ln w="19050">
-              <a:solidFill>
-                <a:srgbClr val="0070C0"/>
-              </a:solidFill>
-            </a:ln>
-            <a:effectLst/>
-          </p:spPr>
-          <p:style>
-            <a:lnRef idx="1">
-              <a:schemeClr val="accent2"/>
-            </a:lnRef>
-            <a:fillRef idx="2">
-              <a:schemeClr val="accent2"/>
-            </a:fillRef>
-            <a:effectRef idx="1">
-              <a:schemeClr val="accent2"/>
-            </a:effectRef>
-            <a:fontRef idx="minor">
-              <a:schemeClr val="dk1"/>
-            </a:fontRef>
-          </p:style>
-          <p:txBody>
-            <a:bodyPr rtlCol="0" anchor="ctr"/>
-            <a:lstStyle/>
-            <a:p>
-              <a:pPr algn="ctr"/>
-              <a:r>
-                <a:rPr lang="en-US" sz="1600" dirty="0">
-                  <a:solidFill>
-                    <a:schemeClr val="bg1"/>
-                  </a:solidFill>
-                </a:rPr>
-                <a:t>:EPiggyParser</a:t>
-              </a:r>
-              <a:endParaRPr lang="en-SG" sz="1600" dirty="0">
-                <a:solidFill>
-                  <a:schemeClr val="bg1"/>
-                </a:solidFill>
-              </a:endParaRPr>
-            </a:p>
-          </p:txBody>
-        </p:sp>
-        <p:cxnSp>
-          <p:nvCxnSpPr>
-            <p:cNvPr id="15" name="Straight Connector 16"/>
-            <p:cNvCxnSpPr/>
-            <p:nvPr/>
-          </p:nvCxnSpPr>
-          <p:spPr>
-            <a:xfrm>
-              <a:off x="-671" y="-805"/>
-              <a:ext cx="0" cy="2335"/>
-            </a:xfrm>
-            <a:prstGeom prst="line">
-              <a:avLst/>
-            </a:prstGeom>
-            <a:ln w="19050">
-              <a:solidFill>
-                <a:srgbClr val="0070C0"/>
-              </a:solidFill>
-              <a:prstDash val="sysDash"/>
-            </a:ln>
-            <a:effectLst/>
-          </p:spPr>
-          <p:style>
-            <a:lnRef idx="1">
-              <a:schemeClr val="accent1"/>
-            </a:lnRef>
-            <a:fillRef idx="2">
-              <a:schemeClr val="accent1"/>
-            </a:fillRef>
-            <a:effectRef idx="1">
-              <a:schemeClr val="accent1"/>
-            </a:effectRef>
-            <a:fontRef idx="minor">
-              <a:schemeClr val="dk1"/>
-            </a:fontRef>
-          </p:style>
-        </p:cxnSp>
-        <p:sp>
-          <p:nvSpPr>
-            <p:cNvPr id="22" name="Rectangle 17"/>
-            <p:cNvSpPr/>
-            <p:nvPr/>
-          </p:nvSpPr>
-          <p:spPr>
-            <a:xfrm>
-              <a:off x="-784" y="-84"/>
-              <a:ext cx="248" cy="3729"/>
-            </a:xfrm>
-            <a:prstGeom prst="rect">
-              <a:avLst/>
-            </a:prstGeom>
-            <a:solidFill>
-              <a:srgbClr val="0070C0"/>
-            </a:solidFill>
-            <a:ln>
-              <a:solidFill>
-                <a:srgbClr val="0070C0"/>
-              </a:solidFill>
-            </a:ln>
-            <a:effectLst/>
-          </p:spPr>
-          <p:style>
-            <a:lnRef idx="1">
-              <a:schemeClr val="accent3"/>
-            </a:lnRef>
-            <a:fillRef idx="2">
-              <a:schemeClr val="accent3"/>
-            </a:fillRef>
-            <a:effectRef idx="1">
-              <a:schemeClr val="accent3"/>
-            </a:effectRef>
-            <a:fontRef idx="minor">
-              <a:schemeClr val="dk1"/>
-            </a:fontRef>
-          </p:style>
-          <p:txBody>
-            <a:bodyPr rtlCol="0" anchor="ctr"/>
-            <a:lstStyle/>
-            <a:p>
-              <a:pPr algn="ctr"/>
-              <a:endParaRPr lang="en-SG" sz="1400" dirty="0"/>
-            </a:p>
-          </p:txBody>
-        </p:sp>
-        <p:cxnSp>
-          <p:nvCxnSpPr>
-            <p:cNvPr id="24" name="Straight Connector 19"/>
-            <p:cNvCxnSpPr>
-              <a:stCxn id="25" idx="0"/>
-            </p:cNvCxnSpPr>
-            <p:nvPr/>
-          </p:nvCxnSpPr>
-          <p:spPr>
-            <a:xfrm>
-              <a:off x="2171" y="341"/>
-              <a:ext cx="6" cy="3400"/>
-            </a:xfrm>
-            <a:prstGeom prst="line">
-              <a:avLst/>
-            </a:prstGeom>
-            <a:ln w="19050">
-              <a:solidFill>
-                <a:srgbClr val="0070C0"/>
-              </a:solidFill>
-              <a:prstDash val="sysDash"/>
-            </a:ln>
-            <a:effectLst/>
-          </p:spPr>
-          <p:style>
-            <a:lnRef idx="1">
-              <a:schemeClr val="accent1"/>
-            </a:lnRef>
-            <a:fillRef idx="2">
-              <a:schemeClr val="accent1"/>
-            </a:fillRef>
-            <a:effectRef idx="1">
-              <a:schemeClr val="accent1"/>
-            </a:effectRef>
-            <a:fontRef idx="minor">
-              <a:schemeClr val="dk1"/>
-            </a:fontRef>
-          </p:style>
-        </p:cxnSp>
-        <p:sp>
-          <p:nvSpPr>
-            <p:cNvPr id="25" name="Rectangle 20"/>
-            <p:cNvSpPr/>
-            <p:nvPr/>
-          </p:nvSpPr>
-          <p:spPr>
-            <a:xfrm>
-              <a:off x="2051" y="341"/>
-              <a:ext cx="240" cy="435"/>
-            </a:xfrm>
-            <a:prstGeom prst="rect">
-              <a:avLst/>
-            </a:prstGeom>
-            <a:solidFill>
-              <a:srgbClr val="0070C0"/>
-            </a:solidFill>
-            <a:ln>
-              <a:solidFill>
-                <a:srgbClr val="0070C0"/>
-              </a:solidFill>
-            </a:ln>
-            <a:effectLst/>
-          </p:spPr>
-          <p:style>
-            <a:lnRef idx="1">
-              <a:schemeClr val="accent3"/>
-            </a:lnRef>
-            <a:fillRef idx="2">
-              <a:schemeClr val="accent3"/>
-            </a:fillRef>
-            <a:effectRef idx="1">
-              <a:schemeClr val="accent3"/>
-            </a:effectRef>
-            <a:fontRef idx="minor">
-              <a:schemeClr val="dk1"/>
-            </a:fontRef>
-          </p:style>
-          <p:txBody>
-            <a:bodyPr rtlCol="0" anchor="ctr"/>
-            <a:lstStyle/>
-            <a:p>
-              <a:pPr algn="ctr"/>
-              <a:endParaRPr lang="en-SG" sz="1400" dirty="0"/>
-            </a:p>
-          </p:txBody>
-        </p:sp>
-        <p:cxnSp>
-          <p:nvCxnSpPr>
-            <p:cNvPr id="27" name="Straight Arrow Connector 22"/>
-            <p:cNvCxnSpPr/>
-            <p:nvPr/>
-          </p:nvCxnSpPr>
-          <p:spPr>
-            <a:xfrm>
-              <a:off x="-8686" y="-269"/>
-              <a:ext cx="4060" cy="22"/>
-            </a:xfrm>
-            <a:prstGeom prst="straightConnector1">
-              <a:avLst/>
-            </a:prstGeom>
-            <a:ln w="19050">
-              <a:solidFill>
-                <a:srgbClr val="00B050"/>
-              </a:solidFill>
-              <a:tailEnd type="arrow"/>
-            </a:ln>
-          </p:spPr>
-          <p:style>
-            <a:lnRef idx="1">
-              <a:schemeClr val="accent1"/>
-            </a:lnRef>
-            <a:fillRef idx="0">
-              <a:schemeClr val="accent1"/>
-            </a:fillRef>
-            <a:effectRef idx="0">
-              <a:schemeClr val="accent1"/>
-            </a:effectRef>
-            <a:fontRef idx="minor">
-              <a:schemeClr val="tx1"/>
-            </a:fontRef>
-          </p:style>
-        </p:cxnSp>
-        <p:sp>
-          <p:nvSpPr>
-            <p:cNvPr id="30" name="TextBox 25"/>
+            <p:cNvPr id="16" name="TextBox 79"/>
             <p:cNvSpPr txBox="1"/>
             <p:nvPr/>
           </p:nvSpPr>
           <p:spPr>
             <a:xfrm>
-              <a:off x="-7410" y="-675"/>
-              <a:ext cx="2664" cy="339"/>
-            </a:xfrm>
-            <a:prstGeom prst="rect">
-              <a:avLst/>
-            </a:prstGeom>
-            <a:noFill/>
-          </p:spPr>
-          <p:txBody>
-            <a:bodyPr wrap="square" lIns="0" tIns="0" rIns="0" bIns="0" rtlCol="0">
-              <a:spAutoFit/>
-            </a:bodyPr>
-            <a:lstStyle/>
-            <a:p>
-              <a:pPr algn="r"/>
-              <a:r>
-                <a:rPr lang="en-US" sz="1400" dirty="0">
-                  <a:solidFill>
-                    <a:srgbClr val="0070C0"/>
-                  </a:solidFill>
-                </a:rPr>
-                <a:t>execute(“report …”)</a:t>
-              </a:r>
-              <a:endParaRPr lang="en-US" sz="1400" dirty="0">
-                <a:solidFill>
-                  <a:srgbClr val="0070C0"/>
-                </a:solidFill>
-              </a:endParaRPr>
-            </a:p>
-          </p:txBody>
-        </p:sp>
-        <p:cxnSp>
-          <p:nvCxnSpPr>
-            <p:cNvPr id="31" name="Straight Arrow Connector 27"/>
-            <p:cNvCxnSpPr/>
-            <p:nvPr/>
-          </p:nvCxnSpPr>
-          <p:spPr>
-            <a:xfrm flipV="1">
-              <a:off x="-537" y="147"/>
-              <a:ext cx="1453" cy="0"/>
-            </a:xfrm>
-            <a:prstGeom prst="straightConnector1">
-              <a:avLst/>
-            </a:prstGeom>
-            <a:ln w="19050">
-              <a:solidFill>
-                <a:srgbClr val="0070C0"/>
-              </a:solidFill>
-              <a:tailEnd type="arrow"/>
-            </a:ln>
-          </p:spPr>
-          <p:style>
-            <a:lnRef idx="1">
-              <a:schemeClr val="accent1"/>
-            </a:lnRef>
-            <a:fillRef idx="0">
-              <a:schemeClr val="accent1"/>
-            </a:fillRef>
-            <a:effectRef idx="0">
-              <a:schemeClr val="accent1"/>
-            </a:effectRef>
-            <a:fontRef idx="minor">
-              <a:schemeClr val="tx1"/>
-            </a:fontRef>
-          </p:style>
-        </p:cxnSp>
-        <p:sp>
-          <p:nvSpPr>
-            <p:cNvPr id="32" name="TextBox 28"/>
-            <p:cNvSpPr txBox="1"/>
-            <p:nvPr/>
-          </p:nvSpPr>
-          <p:spPr>
-            <a:xfrm>
-              <a:off x="-2383" y="4340"/>
-              <a:ext cx="4213" cy="339"/>
-            </a:xfrm>
-            <a:prstGeom prst="rect">
-              <a:avLst/>
-            </a:prstGeom>
-            <a:noFill/>
-          </p:spPr>
-          <p:txBody>
-            <a:bodyPr wrap="square" lIns="0" tIns="0" rIns="0" bIns="0" rtlCol="0">
-              <a:spAutoFit/>
-            </a:bodyPr>
-            <a:lstStyle>
-              <a:defPPr>
-                <a:defRPr lang="en-US"/>
-              </a:defPPr>
-              <a:lvl1pPr algn="r">
-                <a:defRPr sz="1400">
-                  <a:solidFill>
-                    <a:srgbClr val="0070C0"/>
-                  </a:solidFill>
-                </a:defRPr>
-              </a:lvl1pPr>
-            </a:lstStyle>
-            <a:p>
-              <a:r>
-                <a:rPr lang="en-US" dirty="0"/>
-                <a:t>execute(</a:t>
-              </a:r>
-              <a:r>
-                <a:rPr lang="en-SG" altLang="en-US" dirty="0"/>
-                <a:t>model, history</a:t>
-              </a:r>
-              <a:r>
-                <a:rPr lang="en-US" dirty="0"/>
-                <a:t>)</a:t>
-              </a:r>
-              <a:endParaRPr lang="en-US" dirty="0"/>
-            </a:p>
-          </p:txBody>
-        </p:sp>
-        <p:cxnSp>
-          <p:nvCxnSpPr>
-            <p:cNvPr id="33" name="Straight Arrow Connector 33"/>
-            <p:cNvCxnSpPr>
-              <a:endCxn id="25" idx="2"/>
-            </p:cNvCxnSpPr>
-            <p:nvPr/>
-          </p:nvCxnSpPr>
-          <p:spPr>
-            <a:xfrm flipV="1">
-              <a:off x="-558" y="776"/>
-              <a:ext cx="2728" cy="5"/>
-            </a:xfrm>
-            <a:prstGeom prst="straightConnector1">
-              <a:avLst/>
-            </a:prstGeom>
-            <a:ln w="19050">
-              <a:solidFill>
-                <a:srgbClr val="0070C0"/>
-              </a:solidFill>
-              <a:prstDash val="sysDash"/>
-              <a:headEnd type="arrow" w="med" len="med"/>
-              <a:tailEnd type="none" w="med" len="med"/>
-            </a:ln>
-          </p:spPr>
-          <p:style>
-            <a:lnRef idx="1">
-              <a:schemeClr val="accent1"/>
-            </a:lnRef>
-            <a:fillRef idx="0">
-              <a:schemeClr val="accent1"/>
-            </a:fillRef>
-            <a:effectRef idx="0">
-              <a:schemeClr val="accent1"/>
-            </a:effectRef>
-            <a:fontRef idx="minor">
-              <a:schemeClr val="tx1"/>
-            </a:fontRef>
-          </p:style>
-        </p:cxnSp>
-        <p:cxnSp>
-          <p:nvCxnSpPr>
-            <p:cNvPr id="36" name="Straight Arrow Connector 34"/>
-            <p:cNvCxnSpPr/>
-            <p:nvPr/>
-          </p:nvCxnSpPr>
-          <p:spPr>
-            <a:xfrm>
-              <a:off x="-4386" y="3645"/>
-              <a:ext cx="3698" cy="0"/>
-            </a:xfrm>
-            <a:prstGeom prst="straightConnector1">
-              <a:avLst/>
-            </a:prstGeom>
-            <a:ln w="19050">
-              <a:solidFill>
-                <a:srgbClr val="0070C0"/>
-              </a:solidFill>
-              <a:prstDash val="sysDash"/>
-              <a:headEnd type="arrow" w="med" len="med"/>
-              <a:tailEnd type="none" w="med" len="med"/>
-            </a:ln>
-          </p:spPr>
-          <p:style>
-            <a:lnRef idx="1">
-              <a:schemeClr val="accent1"/>
-            </a:lnRef>
-            <a:fillRef idx="0">
-              <a:schemeClr val="accent1"/>
-            </a:fillRef>
-            <a:effectRef idx="0">
-              <a:schemeClr val="accent1"/>
-            </a:effectRef>
-            <a:fontRef idx="minor">
-              <a:schemeClr val="tx1"/>
-            </a:fontRef>
-          </p:style>
-        </p:cxnSp>
-        <p:cxnSp>
-          <p:nvCxnSpPr>
-            <p:cNvPr id="38" name="Straight Arrow Connector 36"/>
-            <p:cNvCxnSpPr/>
-            <p:nvPr/>
-          </p:nvCxnSpPr>
-          <p:spPr>
-            <a:xfrm flipV="1">
-              <a:off x="-8476" y="12511"/>
-              <a:ext cx="3850" cy="4"/>
-            </a:xfrm>
-            <a:prstGeom prst="straightConnector1">
-              <a:avLst/>
-            </a:prstGeom>
-            <a:ln w="19050">
-              <a:solidFill>
-                <a:schemeClr val="accent1"/>
-              </a:solidFill>
-              <a:prstDash val="sysDash"/>
-              <a:headEnd type="arrow" w="med" len="med"/>
-              <a:tailEnd type="none" w="med" len="med"/>
-            </a:ln>
-          </p:spPr>
-          <p:style>
-            <a:lnRef idx="1">
-              <a:schemeClr val="accent1"/>
-            </a:lnRef>
-            <a:fillRef idx="0">
-              <a:schemeClr val="accent1"/>
-            </a:fillRef>
-            <a:effectRef idx="0">
-              <a:schemeClr val="accent1"/>
-            </a:effectRef>
-            <a:fontRef idx="minor">
-              <a:schemeClr val="tx1"/>
-            </a:fontRef>
-          </p:style>
-        </p:cxnSp>
-        <p:sp>
-          <p:nvSpPr>
-            <p:cNvPr id="39" name="Rectangle 64"/>
-            <p:cNvSpPr/>
-            <p:nvPr/>
-          </p:nvSpPr>
-          <p:spPr>
-            <a:xfrm>
-              <a:off x="4958" y="4739"/>
-              <a:ext cx="274" cy="7776"/>
-            </a:xfrm>
-            <a:prstGeom prst="rect">
-              <a:avLst/>
-            </a:prstGeom>
-            <a:solidFill>
-              <a:srgbClr val="0070C0"/>
-            </a:solidFill>
-            <a:ln>
-              <a:solidFill>
-                <a:srgbClr val="0070C0"/>
-              </a:solidFill>
-            </a:ln>
-            <a:effectLst/>
-          </p:spPr>
-          <p:style>
-            <a:lnRef idx="1">
-              <a:schemeClr val="accent3"/>
-            </a:lnRef>
-            <a:fillRef idx="2">
-              <a:schemeClr val="accent3"/>
-            </a:fillRef>
-            <a:effectRef idx="1">
-              <a:schemeClr val="accent3"/>
-            </a:effectRef>
-            <a:fontRef idx="minor">
-              <a:schemeClr val="dk1"/>
-            </a:fontRef>
-          </p:style>
-          <p:txBody>
-            <a:bodyPr rtlCol="0" anchor="ctr"/>
-            <a:lstStyle/>
-            <a:p>
-              <a:pPr algn="ctr"/>
-              <a:endParaRPr lang="en-SG" sz="1400" dirty="0"/>
-            </a:p>
-          </p:txBody>
-        </p:sp>
-        <p:sp>
-          <p:nvSpPr>
-            <p:cNvPr id="42" name="TextBox 78"/>
-            <p:cNvSpPr txBox="1"/>
-            <p:nvPr/>
-          </p:nvSpPr>
-          <p:spPr>
-            <a:xfrm>
-              <a:off x="6059" y="4340"/>
-              <a:ext cx="2044" cy="290"/>
-            </a:xfrm>
-            <a:prstGeom prst="rect">
-              <a:avLst/>
-            </a:prstGeom>
-            <a:noFill/>
-          </p:spPr>
-          <p:txBody>
-            <a:bodyPr wrap="square" lIns="0" tIns="0" rIns="0" bIns="0" rtlCol="0">
-              <a:spAutoFit/>
-            </a:bodyPr>
-            <a:lstStyle>
-              <a:defPPr>
-                <a:defRPr lang="en-US"/>
-              </a:defPPr>
-              <a:lvl1pPr algn="r">
-                <a:defRPr sz="1400">
-                  <a:solidFill>
-                    <a:srgbClr val="0070C0"/>
-                  </a:solidFill>
-                </a:defRPr>
-              </a:lvl1pPr>
-            </a:lstStyle>
-            <a:p>
-              <a:r>
-                <a:rPr lang="en-SG" altLang="en-US" sz="1200" dirty="0">
-                  <a:solidFill>
-                    <a:srgbClr val="7030A0"/>
-                  </a:solidFill>
-                </a:rPr>
-                <a:t>ReportWindow</a:t>
-              </a:r>
-              <a:r>
-                <a:rPr lang="en-US" sz="1200" dirty="0">
-                  <a:solidFill>
-                    <a:srgbClr val="7030A0"/>
-                  </a:solidFill>
-                </a:rPr>
-                <a:t>()</a:t>
-              </a:r>
-              <a:endParaRPr lang="en-US" sz="1200" dirty="0"/>
-            </a:p>
-          </p:txBody>
-        </p:sp>
-        <p:sp>
-          <p:nvSpPr>
-            <p:cNvPr id="43" name="TextBox 79"/>
-            <p:cNvSpPr txBox="1"/>
-            <p:nvPr/>
-          </p:nvSpPr>
-          <p:spPr>
-            <a:xfrm>
-              <a:off x="-4230" y="-493"/>
+              <a:off x="1204" y="2701"/>
               <a:ext cx="3370" cy="339"/>
             </a:xfrm>
             <a:prstGeom prst="rect">
@@ -4190,7 +7170,7 @@
             <a:p>
               <a:r>
                 <a:rPr lang="en-US" dirty="0"/>
-                <a:t>parseCommand(“report …”)</a:t>
+                <a:t>CommandResult</a:t>
               </a:r>
               <a:endParaRPr lang="en-US" dirty="0"/>
             </a:p>
@@ -4198,823 +7178,13 @@
         </p:sp>
         <p:sp>
           <p:nvSpPr>
-            <p:cNvPr id="44" name="TextBox 81"/>
+            <p:cNvPr id="17" name="TextBox 79"/>
             <p:cNvSpPr txBox="1"/>
             <p:nvPr/>
           </p:nvSpPr>
           <p:spPr>
             <a:xfrm>
-              <a:off x="-671" y="12021"/>
-              <a:ext cx="978" cy="339"/>
-            </a:xfrm>
-            <a:prstGeom prst="rect">
-              <a:avLst/>
-            </a:prstGeom>
-            <a:noFill/>
-          </p:spPr>
-          <p:txBody>
-            <a:bodyPr wrap="square" lIns="0" tIns="0" rIns="0" bIns="0" rtlCol="0">
-              <a:spAutoFit/>
-            </a:bodyPr>
-            <a:lstStyle>
-              <a:defPPr>
-                <a:defRPr lang="en-US"/>
-              </a:defPPr>
-              <a:lvl1pPr algn="r">
-                <a:defRPr sz="1400">
-                  <a:solidFill>
-                    <a:srgbClr val="0070C0"/>
-                  </a:solidFill>
-                </a:defRPr>
-              </a:lvl1pPr>
-            </a:lstStyle>
-            <a:p>
-              <a:r>
-                <a:rPr lang="en-US" dirty="0"/>
-                <a:t>result</a:t>
-              </a:r>
-              <a:endParaRPr lang="en-US" dirty="0"/>
-            </a:p>
-          </p:txBody>
-        </p:sp>
-        <p:sp>
-          <p:nvSpPr>
-            <p:cNvPr id="45" name="TextBox 82"/>
-            <p:cNvSpPr txBox="1"/>
-            <p:nvPr/>
-          </p:nvSpPr>
-          <p:spPr>
-            <a:xfrm>
-              <a:off x="-6206" y="12021"/>
-              <a:ext cx="1200" cy="339"/>
-            </a:xfrm>
-            <a:prstGeom prst="rect">
-              <a:avLst/>
-            </a:prstGeom>
-            <a:noFill/>
-          </p:spPr>
-          <p:txBody>
-            <a:bodyPr wrap="square" lIns="0" tIns="0" rIns="0" bIns="0" rtlCol="0">
-              <a:spAutoFit/>
-            </a:bodyPr>
-            <a:lstStyle>
-              <a:defPPr>
-                <a:defRPr lang="en-US"/>
-              </a:defPPr>
-              <a:lvl1pPr algn="r">
-                <a:defRPr sz="1400">
-                  <a:solidFill>
-                    <a:srgbClr val="0070C0"/>
-                  </a:solidFill>
-                </a:defRPr>
-              </a:lvl1pPr>
-            </a:lstStyle>
-            <a:p>
-              <a:r>
-                <a:rPr lang="en-US" dirty="0"/>
-                <a:t>result</a:t>
-              </a:r>
-              <a:endParaRPr lang="en-US" dirty="0"/>
-            </a:p>
-          </p:txBody>
-        </p:sp>
-        <p:sp>
-          <p:nvSpPr>
-            <p:cNvPr id="48" name="Rectangle 62"/>
-            <p:cNvSpPr/>
-            <p:nvPr/>
-          </p:nvSpPr>
-          <p:spPr>
-            <a:xfrm>
-              <a:off x="12832" y="8584"/>
-              <a:ext cx="2799" cy="528"/>
-            </a:xfrm>
-            <a:prstGeom prst="rect">
-              <a:avLst/>
-            </a:prstGeom>
-            <a:solidFill>
-              <a:srgbClr val="7030A0"/>
-            </a:solidFill>
-            <a:ln w="19050">
-              <a:solidFill>
-                <a:srgbClr val="7030A0"/>
-              </a:solidFill>
-            </a:ln>
-            <a:effectLst/>
-          </p:spPr>
-          <p:style>
-            <a:lnRef idx="1">
-              <a:schemeClr val="accent2"/>
-            </a:lnRef>
-            <a:fillRef idx="2">
-              <a:schemeClr val="accent2"/>
-            </a:fillRef>
-            <a:effectRef idx="1">
-              <a:schemeClr val="accent2"/>
-            </a:effectRef>
-            <a:fontRef idx="minor">
-              <a:schemeClr val="dk1"/>
-            </a:fontRef>
-          </p:style>
-          <p:txBody>
-            <a:bodyPr rtlCol="0" anchor="ctr"/>
-            <a:lstStyle/>
-            <a:p>
-              <a:pPr algn="ctr"/>
-              <a:r>
-                <a:rPr lang="en-SG" altLang="en-US" sz="1600" dirty="0">
-                  <a:solidFill>
-                    <a:schemeClr val="bg1"/>
-                  </a:solidFill>
-                </a:rPr>
-                <a:t>data</a:t>
-              </a:r>
-              <a:r>
-                <a:rPr lang="en-US" sz="1600" dirty="0">
-                  <a:solidFill>
-                    <a:schemeClr val="bg1"/>
-                  </a:solidFill>
-                </a:rPr>
-                <a:t>:</a:t>
-              </a:r>
-              <a:r>
-                <a:rPr lang="en-SG" altLang="en-US" sz="1600" dirty="0">
-                  <a:solidFill>
-                    <a:schemeClr val="bg1"/>
-                  </a:solidFill>
-                </a:rPr>
-                <a:t>ReportData</a:t>
-              </a:r>
-              <a:endParaRPr lang="en-SG" altLang="en-US" sz="1600" dirty="0">
-                <a:solidFill>
-                  <a:schemeClr val="bg1"/>
-                </a:solidFill>
-              </a:endParaRPr>
-            </a:p>
-          </p:txBody>
-        </p:sp>
-        <p:sp>
-          <p:nvSpPr>
-            <p:cNvPr id="72" name="Rectangle 85"/>
-            <p:cNvSpPr/>
-            <p:nvPr/>
-          </p:nvSpPr>
-          <p:spPr>
-            <a:xfrm>
-              <a:off x="14054" y="9112"/>
-              <a:ext cx="205" cy="463"/>
-            </a:xfrm>
-            <a:prstGeom prst="rect">
-              <a:avLst/>
-            </a:prstGeom>
-            <a:solidFill>
-              <a:srgbClr val="7030A0"/>
-            </a:solidFill>
-            <a:ln>
-              <a:solidFill>
-                <a:srgbClr val="7030A0"/>
-              </a:solidFill>
-            </a:ln>
-            <a:effectLst/>
-          </p:spPr>
-          <p:style>
-            <a:lnRef idx="1">
-              <a:schemeClr val="accent3"/>
-            </a:lnRef>
-            <a:fillRef idx="2">
-              <a:schemeClr val="accent3"/>
-            </a:fillRef>
-            <a:effectRef idx="1">
-              <a:schemeClr val="accent3"/>
-            </a:effectRef>
-            <a:fontRef idx="minor">
-              <a:schemeClr val="dk1"/>
-            </a:fontRef>
-          </p:style>
-          <p:txBody>
-            <a:bodyPr rtlCol="0" anchor="ctr"/>
-            <a:lstStyle/>
-            <a:p>
-              <a:pPr algn="ctr"/>
-              <a:endParaRPr lang="en-SG" sz="1400" dirty="0"/>
-            </a:p>
-          </p:txBody>
-        </p:sp>
-        <p:sp>
-          <p:nvSpPr>
-            <p:cNvPr id="73" name="Rectangle 62"/>
-            <p:cNvSpPr/>
-            <p:nvPr/>
-          </p:nvSpPr>
-          <p:spPr>
-            <a:xfrm>
-              <a:off x="9476" y="4510"/>
-              <a:ext cx="5790" cy="473"/>
-            </a:xfrm>
-            <a:prstGeom prst="rect">
-              <a:avLst/>
-            </a:prstGeom>
-            <a:solidFill>
-              <a:srgbClr val="7030A0"/>
-            </a:solidFill>
-            <a:ln w="19050">
-              <a:solidFill>
-                <a:srgbClr val="7030A0"/>
-              </a:solidFill>
-            </a:ln>
-            <a:effectLst/>
-          </p:spPr>
-          <p:style>
-            <a:lnRef idx="1">
-              <a:schemeClr val="accent2"/>
-            </a:lnRef>
-            <a:fillRef idx="2">
-              <a:schemeClr val="accent2"/>
-            </a:fillRef>
-            <a:effectRef idx="1">
-              <a:schemeClr val="accent2"/>
-            </a:effectRef>
-            <a:fontRef idx="minor">
-              <a:schemeClr val="dk1"/>
-            </a:fontRef>
-          </p:style>
-          <p:txBody>
-            <a:bodyPr rtlCol="0" anchor="ctr"/>
-            <a:lstStyle/>
-            <a:p>
-              <a:pPr algn="ctr"/>
-              <a:r>
-                <a:rPr lang="en-US" sz="1600" dirty="0">
-                  <a:solidFill>
-                    <a:schemeClr val="bg1"/>
-                  </a:solidFill>
-                </a:rPr>
-                <a:t>summaryWindow: ReportWindow</a:t>
-              </a:r>
-              <a:endParaRPr lang="en-US" sz="1600" dirty="0">
-                <a:solidFill>
-                  <a:schemeClr val="bg1"/>
-                </a:solidFill>
-              </a:endParaRPr>
-            </a:p>
-          </p:txBody>
-        </p:sp>
-        <p:cxnSp>
-          <p:nvCxnSpPr>
-            <p:cNvPr id="74" name="Straight Connector 45"/>
-            <p:cNvCxnSpPr/>
-            <p:nvPr/>
-          </p:nvCxnSpPr>
-          <p:spPr>
-            <a:xfrm>
-              <a:off x="10838" y="4983"/>
-              <a:ext cx="9" cy="5618"/>
-            </a:xfrm>
-            <a:prstGeom prst="line">
-              <a:avLst/>
-            </a:prstGeom>
-            <a:ln w="19050">
-              <a:solidFill>
-                <a:srgbClr val="7030A0"/>
-              </a:solidFill>
-              <a:prstDash val="sysDash"/>
-            </a:ln>
-            <a:effectLst/>
-          </p:spPr>
-          <p:style>
-            <a:lnRef idx="1">
-              <a:schemeClr val="accent1"/>
-            </a:lnRef>
-            <a:fillRef idx="2">
-              <a:schemeClr val="accent1"/>
-            </a:fillRef>
-            <a:effectRef idx="1">
-              <a:schemeClr val="accent1"/>
-            </a:effectRef>
-            <a:fontRef idx="minor">
-              <a:schemeClr val="dk1"/>
-            </a:fontRef>
-          </p:style>
-        </p:cxnSp>
-        <p:cxnSp>
-          <p:nvCxnSpPr>
-            <p:cNvPr id="87" name="Straight Arrow Connector 49"/>
-            <p:cNvCxnSpPr/>
-            <p:nvPr/>
-          </p:nvCxnSpPr>
-          <p:spPr>
-            <a:xfrm>
-              <a:off x="5185" y="4746"/>
-              <a:ext cx="4291" cy="0"/>
-            </a:xfrm>
-            <a:prstGeom prst="straightConnector1">
-              <a:avLst/>
-            </a:prstGeom>
-            <a:ln w="19050">
-              <a:solidFill>
-                <a:srgbClr val="0070C0"/>
-              </a:solidFill>
-              <a:tailEnd type="arrow"/>
-            </a:ln>
-          </p:spPr>
-          <p:style>
-            <a:lnRef idx="1">
-              <a:schemeClr val="accent1"/>
-            </a:lnRef>
-            <a:fillRef idx="0">
-              <a:schemeClr val="accent1"/>
-            </a:fillRef>
-            <a:effectRef idx="0">
-              <a:schemeClr val="accent1"/>
-            </a:effectRef>
-            <a:fontRef idx="minor">
-              <a:schemeClr val="tx1"/>
-            </a:fontRef>
-          </p:style>
-        </p:cxnSp>
-        <p:sp>
-          <p:nvSpPr>
-            <p:cNvPr id="88" name="TextBox 3"/>
-            <p:cNvSpPr txBox="1"/>
-            <p:nvPr/>
-          </p:nvSpPr>
-          <p:spPr>
-            <a:xfrm>
-              <a:off x="1965" y="3720"/>
-              <a:ext cx="407" cy="412"/>
-            </a:xfrm>
-            <a:prstGeom prst="rect">
-              <a:avLst/>
-            </a:prstGeom>
-            <a:noFill/>
-          </p:spPr>
-          <p:txBody>
-            <a:bodyPr wrap="none" rtlCol="0">
-              <a:spAutoFit/>
-            </a:bodyPr>
-            <a:lstStyle/>
-            <a:p>
-              <a:r>
-                <a:rPr lang="en-SG" sz="1100" dirty="0">
-                  <a:solidFill>
-                    <a:srgbClr val="002060"/>
-                  </a:solidFill>
-                </a:rPr>
-                <a:t>X</a:t>
-              </a:r>
-              <a:endParaRPr lang="en-SG" sz="1100" dirty="0">
-                <a:solidFill>
-                  <a:srgbClr val="002060"/>
-                </a:solidFill>
-              </a:endParaRPr>
-            </a:p>
-          </p:txBody>
-        </p:sp>
-        <p:sp>
-          <p:nvSpPr>
-            <p:cNvPr id="90" name="Rectangle 62"/>
-            <p:cNvSpPr/>
-            <p:nvPr/>
-          </p:nvSpPr>
-          <p:spPr>
-            <a:xfrm>
-              <a:off x="916" y="-317"/>
-              <a:ext cx="2509" cy="727"/>
-            </a:xfrm>
-            <a:prstGeom prst="rect">
-              <a:avLst/>
-            </a:prstGeom>
-            <a:solidFill>
-              <a:srgbClr val="0070C0"/>
-            </a:solidFill>
-            <a:ln w="19050">
-              <a:solidFill>
-                <a:srgbClr val="0070C0"/>
-              </a:solidFill>
-            </a:ln>
-            <a:effectLst/>
-          </p:spPr>
-          <p:style>
-            <a:lnRef idx="1">
-              <a:schemeClr val="accent2"/>
-            </a:lnRef>
-            <a:fillRef idx="2">
-              <a:schemeClr val="accent2"/>
-            </a:fillRef>
-            <a:effectRef idx="1">
-              <a:schemeClr val="accent2"/>
-            </a:effectRef>
-            <a:fontRef idx="minor">
-              <a:schemeClr val="dk1"/>
-            </a:fontRef>
-          </p:style>
-          <p:txBody>
-            <a:bodyPr rtlCol="0" anchor="ctr"/>
-            <a:lstStyle/>
-            <a:p>
-              <a:pPr algn="ctr"/>
-              <a:r>
-                <a:rPr lang="en-US" sz="1600" dirty="0">
-                  <a:solidFill>
-                    <a:schemeClr val="bg1"/>
-                  </a:solidFill>
-                </a:rPr>
-                <a:t>:Report</a:t>
-              </a:r>
-              <a:endParaRPr lang="en-US" sz="1600" dirty="0">
-                <a:solidFill>
-                  <a:schemeClr val="bg1"/>
-                </a:solidFill>
-              </a:endParaRPr>
-            </a:p>
-            <a:p>
-              <a:pPr algn="ctr"/>
-              <a:r>
-                <a:rPr lang="en-US" sz="1600" dirty="0">
-                  <a:solidFill>
-                    <a:schemeClr val="bg1"/>
-                  </a:solidFill>
-                </a:rPr>
-                <a:t>CommandParser</a:t>
-              </a:r>
-              <a:endParaRPr lang="en-SG" sz="1600" dirty="0">
-                <a:solidFill>
-                  <a:schemeClr val="bg1"/>
-                </a:solidFill>
-              </a:endParaRPr>
-            </a:p>
-          </p:txBody>
-        </p:sp>
-        <p:cxnSp>
-          <p:nvCxnSpPr>
-            <p:cNvPr id="91" name="Straight Arrow Connector 65"/>
-            <p:cNvCxnSpPr/>
-            <p:nvPr/>
-          </p:nvCxnSpPr>
-          <p:spPr>
-            <a:xfrm>
-              <a:off x="-4386" y="4779"/>
-              <a:ext cx="9336" cy="0"/>
-            </a:xfrm>
-            <a:prstGeom prst="straightConnector1">
-              <a:avLst/>
-            </a:prstGeom>
-            <a:ln w="19050">
-              <a:solidFill>
-                <a:srgbClr val="0070C0"/>
-              </a:solidFill>
-              <a:tailEnd type="arrow"/>
-            </a:ln>
-          </p:spPr>
-          <p:style>
-            <a:lnRef idx="1">
-              <a:schemeClr val="accent1"/>
-            </a:lnRef>
-            <a:fillRef idx="0">
-              <a:schemeClr val="accent1"/>
-            </a:fillRef>
-            <a:effectRef idx="0">
-              <a:schemeClr val="accent1"/>
-            </a:effectRef>
-            <a:fontRef idx="minor">
-              <a:schemeClr val="tx1"/>
-            </a:fontRef>
-          </p:style>
-        </p:cxnSp>
-        <p:cxnSp>
-          <p:nvCxnSpPr>
-            <p:cNvPr id="92" name="Straight Arrow Connector 66"/>
-            <p:cNvCxnSpPr/>
-            <p:nvPr/>
-          </p:nvCxnSpPr>
-          <p:spPr>
-            <a:xfrm>
-              <a:off x="-4360" y="-87"/>
-              <a:ext cx="3554" cy="0"/>
-            </a:xfrm>
-            <a:prstGeom prst="straightConnector1">
-              <a:avLst/>
-            </a:prstGeom>
-            <a:ln w="19050">
-              <a:solidFill>
-                <a:srgbClr val="0070C0"/>
-              </a:solidFill>
-              <a:tailEnd type="arrow"/>
-            </a:ln>
-          </p:spPr>
-          <p:style>
-            <a:lnRef idx="1">
-              <a:schemeClr val="accent1"/>
-            </a:lnRef>
-            <a:fillRef idx="0">
-              <a:schemeClr val="accent1"/>
-            </a:fillRef>
-            <a:effectRef idx="0">
-              <a:schemeClr val="accent1"/>
-            </a:effectRef>
-            <a:fontRef idx="minor">
-              <a:schemeClr val="tx1"/>
-            </a:fontRef>
-          </p:style>
-        </p:cxnSp>
-        <p:cxnSp>
-          <p:nvCxnSpPr>
-            <p:cNvPr id="93" name="Straight Arrow Connector 68"/>
-            <p:cNvCxnSpPr/>
-            <p:nvPr/>
-          </p:nvCxnSpPr>
-          <p:spPr>
-            <a:xfrm>
-              <a:off x="-4386" y="12511"/>
-              <a:ext cx="9453" cy="0"/>
-            </a:xfrm>
-            <a:prstGeom prst="straightConnector1">
-              <a:avLst/>
-            </a:prstGeom>
-            <a:ln w="19050">
-              <a:solidFill>
-                <a:srgbClr val="0070C0"/>
-              </a:solidFill>
-              <a:prstDash val="sysDash"/>
-              <a:headEnd type="arrow" w="med" len="med"/>
-              <a:tailEnd type="none" w="med" len="med"/>
-            </a:ln>
-          </p:spPr>
-          <p:style>
-            <a:lnRef idx="1">
-              <a:schemeClr val="accent1"/>
-            </a:lnRef>
-            <a:fillRef idx="0">
-              <a:schemeClr val="accent1"/>
-            </a:fillRef>
-            <a:effectRef idx="0">
-              <a:schemeClr val="accent1"/>
-            </a:effectRef>
-            <a:fontRef idx="minor">
-              <a:schemeClr val="tx1"/>
-            </a:fontRef>
-          </p:style>
-        </p:cxnSp>
-        <p:sp>
-          <p:nvSpPr>
-            <p:cNvPr id="95" name="TextBox 40"/>
-            <p:cNvSpPr txBox="1"/>
-            <p:nvPr/>
-          </p:nvSpPr>
-          <p:spPr>
-            <a:xfrm>
-              <a:off x="11287" y="8892"/>
-              <a:ext cx="1304" cy="290"/>
-            </a:xfrm>
-            <a:prstGeom prst="rect">
-              <a:avLst/>
-            </a:prstGeom>
-            <a:noFill/>
-            <a:ln>
-              <a:noFill/>
-            </a:ln>
-          </p:spPr>
-          <p:txBody>
-            <a:bodyPr wrap="square" lIns="0" tIns="0" rIns="0" bIns="0" rtlCol="0">
-              <a:spAutoFit/>
-            </a:bodyPr>
-            <a:lstStyle>
-              <a:defPPr>
-                <a:defRPr lang="en-US"/>
-              </a:defPPr>
-              <a:lvl1pPr algn="r">
-                <a:defRPr sz="1400">
-                  <a:solidFill>
-                    <a:srgbClr val="0070C0"/>
-                  </a:solidFill>
-                </a:defRPr>
-              </a:lvl1pPr>
-            </a:lstStyle>
-            <a:p>
-              <a:r>
-                <a:rPr lang="en-SG" altLang="en-US" sz="1200" dirty="0">
-                  <a:solidFill>
-                    <a:srgbClr val="7030A0"/>
-                  </a:solidFill>
-                </a:rPr>
-                <a:t>ReportData()</a:t>
-              </a:r>
-              <a:endParaRPr lang="en-SG" altLang="en-US" sz="1200" dirty="0">
-                <a:solidFill>
-                  <a:srgbClr val="7030A0"/>
-                </a:solidFill>
-              </a:endParaRPr>
-            </a:p>
-          </p:txBody>
-        </p:sp>
-        <p:cxnSp>
-          <p:nvCxnSpPr>
-            <p:cNvPr id="96" name="Straight Arrow Connector 51"/>
-            <p:cNvCxnSpPr/>
-            <p:nvPr/>
-          </p:nvCxnSpPr>
-          <p:spPr>
-            <a:xfrm flipV="1">
-              <a:off x="11118" y="8841"/>
-              <a:ext cx="1642" cy="7"/>
-            </a:xfrm>
-            <a:prstGeom prst="straightConnector1">
-              <a:avLst/>
-            </a:prstGeom>
-            <a:ln w="19050">
-              <a:solidFill>
-                <a:srgbClr val="7030A0"/>
-              </a:solidFill>
-              <a:tailEnd type="arrow"/>
-            </a:ln>
-          </p:spPr>
-          <p:style>
-            <a:lnRef idx="1">
-              <a:schemeClr val="accent1"/>
-            </a:lnRef>
-            <a:fillRef idx="0">
-              <a:schemeClr val="accent1"/>
-            </a:fillRef>
-            <a:effectRef idx="0">
-              <a:schemeClr val="accent1"/>
-            </a:effectRef>
-            <a:fontRef idx="minor">
-              <a:schemeClr val="tx1"/>
-            </a:fontRef>
-          </p:style>
-        </p:cxnSp>
-        <p:cxnSp>
-          <p:nvCxnSpPr>
-            <p:cNvPr id="97" name="Straight Arrow Connector 59"/>
-            <p:cNvCxnSpPr>
-              <a:endCxn id="72" idx="2"/>
-            </p:cNvCxnSpPr>
-            <p:nvPr/>
-          </p:nvCxnSpPr>
-          <p:spPr>
-            <a:xfrm flipV="1">
-              <a:off x="11185" y="9575"/>
-              <a:ext cx="2972" cy="16"/>
-            </a:xfrm>
-            <a:prstGeom prst="straightConnector1">
-              <a:avLst/>
-            </a:prstGeom>
-            <a:ln w="19050">
-              <a:solidFill>
-                <a:srgbClr val="7030A0"/>
-              </a:solidFill>
-              <a:prstDash val="sysDash"/>
-              <a:headEnd type="arrow" w="med" len="med"/>
-              <a:tailEnd type="none" w="med" len="med"/>
-            </a:ln>
-          </p:spPr>
-          <p:style>
-            <a:lnRef idx="1">
-              <a:schemeClr val="accent1"/>
-            </a:lnRef>
-            <a:fillRef idx="0">
-              <a:schemeClr val="accent1"/>
-            </a:fillRef>
-            <a:effectRef idx="0">
-              <a:schemeClr val="accent1"/>
-            </a:effectRef>
-            <a:fontRef idx="minor">
-              <a:schemeClr val="tx1"/>
-            </a:fontRef>
-          </p:style>
-        </p:cxnSp>
-        <p:cxnSp>
-          <p:nvCxnSpPr>
-            <p:cNvPr id="98" name="Straight Arrow Connector 62"/>
-            <p:cNvCxnSpPr>
-              <a:endCxn id="178" idx="2"/>
-            </p:cNvCxnSpPr>
-            <p:nvPr/>
-          </p:nvCxnSpPr>
-          <p:spPr>
-            <a:xfrm>
-              <a:off x="5231" y="5442"/>
-              <a:ext cx="5599" cy="3"/>
-            </a:xfrm>
-            <a:prstGeom prst="straightConnector1">
-              <a:avLst/>
-            </a:prstGeom>
-            <a:ln w="19050">
-              <a:solidFill>
-                <a:srgbClr val="7030A0"/>
-              </a:solidFill>
-              <a:prstDash val="sysDash"/>
-              <a:headEnd type="arrow" w="med" len="med"/>
-              <a:tailEnd type="none" w="med" len="med"/>
-            </a:ln>
-          </p:spPr>
-          <p:style>
-            <a:lnRef idx="1">
-              <a:schemeClr val="accent1"/>
-            </a:lnRef>
-            <a:fillRef idx="0">
-              <a:schemeClr val="accent1"/>
-            </a:fillRef>
-            <a:effectRef idx="0">
-              <a:schemeClr val="accent1"/>
-            </a:effectRef>
-            <a:fontRef idx="minor">
-              <a:schemeClr val="tx1"/>
-            </a:fontRef>
-          </p:style>
-        </p:cxnSp>
-        <p:sp>
-          <p:nvSpPr>
-            <p:cNvPr id="99" name="Rectangle 46"/>
-            <p:cNvSpPr/>
-            <p:nvPr/>
-          </p:nvSpPr>
-          <p:spPr>
-            <a:xfrm>
-              <a:off x="2051" y="1125"/>
-              <a:ext cx="235" cy="2362"/>
-            </a:xfrm>
-            <a:prstGeom prst="rect">
-              <a:avLst/>
-            </a:prstGeom>
-            <a:solidFill>
-              <a:srgbClr val="0070C0"/>
-            </a:solidFill>
-            <a:ln>
-              <a:solidFill>
-                <a:srgbClr val="0070C0"/>
-              </a:solidFill>
-            </a:ln>
-            <a:effectLst/>
-          </p:spPr>
-          <p:style>
-            <a:lnRef idx="1">
-              <a:schemeClr val="accent3"/>
-            </a:lnRef>
-            <a:fillRef idx="2">
-              <a:schemeClr val="accent3"/>
-            </a:fillRef>
-            <a:effectRef idx="1">
-              <a:schemeClr val="accent3"/>
-            </a:effectRef>
-            <a:fontRef idx="minor">
-              <a:schemeClr val="dk1"/>
-            </a:fontRef>
-          </p:style>
-          <p:txBody>
-            <a:bodyPr rtlCol="0" anchor="ctr"/>
-            <a:lstStyle/>
-            <a:p>
-              <a:pPr algn="ctr"/>
-              <a:endParaRPr lang="en-SG" sz="1400" dirty="0"/>
-            </a:p>
-          </p:txBody>
-        </p:sp>
-        <p:cxnSp>
-          <p:nvCxnSpPr>
-            <p:cNvPr id="100" name="Straight Arrow Connector 50"/>
-            <p:cNvCxnSpPr/>
-            <p:nvPr/>
-          </p:nvCxnSpPr>
-          <p:spPr>
-            <a:xfrm>
-              <a:off x="-527" y="1143"/>
-              <a:ext cx="2603" cy="0"/>
-            </a:xfrm>
-            <a:prstGeom prst="straightConnector1">
-              <a:avLst/>
-            </a:prstGeom>
-            <a:ln w="19050">
-              <a:solidFill>
-                <a:srgbClr val="0070C0"/>
-              </a:solidFill>
-              <a:tailEnd type="arrow"/>
-            </a:ln>
-          </p:spPr>
-          <p:style>
-            <a:lnRef idx="1">
-              <a:schemeClr val="accent1"/>
-            </a:lnRef>
-            <a:fillRef idx="0">
-              <a:schemeClr val="accent1"/>
-            </a:fillRef>
-            <a:effectRef idx="0">
-              <a:schemeClr val="accent1"/>
-            </a:effectRef>
-            <a:fontRef idx="minor">
-              <a:schemeClr val="tx1"/>
-            </a:fontRef>
-          </p:style>
-        </p:cxnSp>
-        <p:sp>
-          <p:nvSpPr>
-            <p:cNvPr id="101" name="TextBox 52"/>
-            <p:cNvSpPr txBox="1"/>
-            <p:nvPr/>
-          </p:nvSpPr>
-          <p:spPr>
-            <a:xfrm>
-              <a:off x="-1770" y="1191"/>
+              <a:off x="-1770" y="2930"/>
               <a:ext cx="3370" cy="339"/>
             </a:xfrm>
             <a:prstGeom prst="rect">
@@ -5041,7 +7211,7 @@
             <a:p>
               <a:r>
                 <a:rPr lang="en-US" dirty="0"/>
-                <a:t>parse(args)</a:t>
+                <a:t>ReportCommand</a:t>
               </a:r>
               <a:endParaRPr lang="en-US" dirty="0"/>
             </a:p>
@@ -5049,484 +7219,13 @@
         </p:sp>
         <p:sp>
           <p:nvSpPr>
-            <p:cNvPr id="106" name="Rectangle 58"/>
-            <p:cNvSpPr/>
-            <p:nvPr/>
-          </p:nvSpPr>
-          <p:spPr>
-            <a:xfrm>
-              <a:off x="4892" y="2144"/>
-              <a:ext cx="240" cy="435"/>
-            </a:xfrm>
-            <a:prstGeom prst="rect">
-              <a:avLst/>
-            </a:prstGeom>
-            <a:solidFill>
-              <a:srgbClr val="0070C0"/>
-            </a:solidFill>
-            <a:ln>
-              <a:solidFill>
-                <a:srgbClr val="0070C0"/>
-              </a:solidFill>
-            </a:ln>
-            <a:effectLst/>
-          </p:spPr>
-          <p:style>
-            <a:lnRef idx="1">
-              <a:schemeClr val="accent3"/>
-            </a:lnRef>
-            <a:fillRef idx="2">
-              <a:schemeClr val="accent3"/>
-            </a:fillRef>
-            <a:effectRef idx="1">
-              <a:schemeClr val="accent3"/>
-            </a:effectRef>
-            <a:fontRef idx="minor">
-              <a:schemeClr val="dk1"/>
-            </a:fontRef>
-          </p:style>
-          <p:txBody>
-            <a:bodyPr rtlCol="0" anchor="ctr"/>
-            <a:lstStyle/>
-            <a:p>
-              <a:pPr algn="ctr"/>
-              <a:endParaRPr lang="en-SG" sz="1400" dirty="0"/>
-            </a:p>
-          </p:txBody>
-        </p:sp>
-        <p:sp>
-          <p:nvSpPr>
-            <p:cNvPr id="107" name="Rectangle 62"/>
-            <p:cNvSpPr/>
-            <p:nvPr/>
-          </p:nvSpPr>
-          <p:spPr>
-            <a:xfrm>
-              <a:off x="4699" y="1417"/>
-              <a:ext cx="2911" cy="727"/>
-            </a:xfrm>
-            <a:prstGeom prst="rect">
-              <a:avLst/>
-            </a:prstGeom>
-            <a:solidFill>
-              <a:srgbClr val="0070C0"/>
-            </a:solidFill>
-            <a:ln w="19050">
-              <a:solidFill>
-                <a:srgbClr val="0070C0"/>
-              </a:solidFill>
-            </a:ln>
-            <a:effectLst/>
-          </p:spPr>
-          <p:style>
-            <a:lnRef idx="1">
-              <a:schemeClr val="accent2"/>
-            </a:lnRef>
-            <a:fillRef idx="2">
-              <a:schemeClr val="accent2"/>
-            </a:fillRef>
-            <a:effectRef idx="1">
-              <a:schemeClr val="accent2"/>
-            </a:effectRef>
-            <a:fontRef idx="minor">
-              <a:schemeClr val="dk1"/>
-            </a:fontRef>
-          </p:style>
-          <p:txBody>
-            <a:bodyPr rtlCol="0" anchor="ctr"/>
-            <a:lstStyle/>
-            <a:p>
-              <a:pPr algn="ctr"/>
-              <a:r>
-                <a:rPr lang="en-US" sz="1600" dirty="0">
-                  <a:solidFill>
-                    <a:schemeClr val="bg1"/>
-                  </a:solidFill>
-                </a:rPr>
-                <a:t>:</a:t>
-              </a:r>
-              <a:r>
-                <a:rPr lang="en-SG" altLang="en-US" sz="1600" dirty="0">
-                  <a:solidFill>
-                    <a:schemeClr val="bg1"/>
-                  </a:solidFill>
-                </a:rPr>
-                <a:t>Report</a:t>
-              </a:r>
-              <a:r>
-                <a:rPr lang="en-US" sz="1600" dirty="0">
-                  <a:solidFill>
-                    <a:schemeClr val="bg1"/>
-                  </a:solidFill>
-                </a:rPr>
-                <a:t>Command</a:t>
-              </a:r>
-              <a:endParaRPr lang="en-SG" sz="1600" dirty="0">
-                <a:solidFill>
-                  <a:schemeClr val="bg1"/>
-                </a:solidFill>
-              </a:endParaRPr>
-            </a:p>
-          </p:txBody>
-        </p:sp>
-        <p:cxnSp>
-          <p:nvCxnSpPr>
-            <p:cNvPr id="108" name="Straight Arrow Connector 61"/>
-            <p:cNvCxnSpPr>
-              <a:endCxn id="107" idx="1"/>
-            </p:cNvCxnSpPr>
-            <p:nvPr/>
-          </p:nvCxnSpPr>
-          <p:spPr>
-            <a:xfrm flipV="1">
-              <a:off x="2255" y="1781"/>
-              <a:ext cx="2444" cy="20"/>
-            </a:xfrm>
-            <a:prstGeom prst="straightConnector1">
-              <a:avLst/>
-            </a:prstGeom>
-            <a:ln w="19050">
-              <a:solidFill>
-                <a:srgbClr val="0070C0"/>
-              </a:solidFill>
-              <a:tailEnd type="arrow"/>
-            </a:ln>
-          </p:spPr>
-          <p:style>
-            <a:lnRef idx="1">
-              <a:schemeClr val="accent1"/>
-            </a:lnRef>
-            <a:fillRef idx="0">
-              <a:schemeClr val="accent1"/>
-            </a:fillRef>
-            <a:effectRef idx="0">
-              <a:schemeClr val="accent1"/>
-            </a:effectRef>
-            <a:fontRef idx="minor">
-              <a:schemeClr val="tx1"/>
-            </a:fontRef>
-          </p:style>
-        </p:cxnSp>
-        <p:cxnSp>
-          <p:nvCxnSpPr>
-            <p:cNvPr id="109" name="Straight Arrow Connector 63"/>
-            <p:cNvCxnSpPr/>
-            <p:nvPr/>
-          </p:nvCxnSpPr>
-          <p:spPr>
-            <a:xfrm flipV="1">
-              <a:off x="2284" y="2579"/>
-              <a:ext cx="2728" cy="5"/>
-            </a:xfrm>
-            <a:prstGeom prst="straightConnector1">
-              <a:avLst/>
-            </a:prstGeom>
-            <a:ln w="19050">
-              <a:solidFill>
-                <a:srgbClr val="0070C0"/>
-              </a:solidFill>
-              <a:prstDash val="sysDash"/>
-              <a:headEnd type="arrow" w="med" len="med"/>
-              <a:tailEnd type="none" w="med" len="med"/>
-            </a:ln>
-          </p:spPr>
-          <p:style>
-            <a:lnRef idx="1">
-              <a:schemeClr val="accent1"/>
-            </a:lnRef>
-            <a:fillRef idx="0">
-              <a:schemeClr val="accent1"/>
-            </a:fillRef>
-            <a:effectRef idx="0">
-              <a:schemeClr val="accent1"/>
-            </a:effectRef>
-            <a:fontRef idx="minor">
-              <a:schemeClr val="tx1"/>
-            </a:fontRef>
-          </p:style>
-        </p:cxnSp>
-        <p:cxnSp>
-          <p:nvCxnSpPr>
-            <p:cNvPr id="110" name="Straight Arrow Connector 67"/>
-            <p:cNvCxnSpPr/>
-            <p:nvPr/>
-          </p:nvCxnSpPr>
-          <p:spPr>
-            <a:xfrm flipV="1">
-              <a:off x="-551" y="3469"/>
-              <a:ext cx="2728" cy="5"/>
-            </a:xfrm>
-            <a:prstGeom prst="straightConnector1">
-              <a:avLst/>
-            </a:prstGeom>
-            <a:ln w="19050">
-              <a:solidFill>
-                <a:srgbClr val="0070C0"/>
-              </a:solidFill>
-              <a:prstDash val="sysDash"/>
-              <a:headEnd type="arrow" w="med" len="med"/>
-              <a:tailEnd type="none" w="med" len="med"/>
-            </a:ln>
-          </p:spPr>
-          <p:style>
-            <a:lnRef idx="1">
-              <a:schemeClr val="accent1"/>
-            </a:lnRef>
-            <a:fillRef idx="0">
-              <a:schemeClr val="accent1"/>
-            </a:fillRef>
-            <a:effectRef idx="0">
-              <a:schemeClr val="accent1"/>
-            </a:effectRef>
-            <a:fontRef idx="minor">
-              <a:schemeClr val="tx1"/>
-            </a:fontRef>
-          </p:style>
-        </p:cxnSp>
-        <p:cxnSp>
-          <p:nvCxnSpPr>
-            <p:cNvPr id="112" name="Straight Connector 70"/>
-            <p:cNvCxnSpPr>
-              <a:stCxn id="106" idx="2"/>
-            </p:cNvCxnSpPr>
-            <p:nvPr/>
-          </p:nvCxnSpPr>
-          <p:spPr>
-            <a:xfrm>
-              <a:off x="5012" y="2579"/>
-              <a:ext cx="64" cy="10302"/>
-            </a:xfrm>
-            <a:prstGeom prst="line">
-              <a:avLst/>
-            </a:prstGeom>
-            <a:ln w="19050">
-              <a:solidFill>
-                <a:srgbClr val="0070C0"/>
-              </a:solidFill>
-              <a:prstDash val="sysDash"/>
-            </a:ln>
-            <a:effectLst/>
-          </p:spPr>
-          <p:style>
-            <a:lnRef idx="1">
-              <a:schemeClr val="accent1"/>
-            </a:lnRef>
-            <a:fillRef idx="2">
-              <a:schemeClr val="accent1"/>
-            </a:fillRef>
-            <a:effectRef idx="1">
-              <a:schemeClr val="accent1"/>
-            </a:effectRef>
-            <a:fontRef idx="minor">
-              <a:schemeClr val="dk1"/>
-            </a:fontRef>
-          </p:style>
-        </p:cxnSp>
-        <p:sp>
-          <p:nvSpPr>
-            <p:cNvPr id="113" name="Rectangle 74"/>
-            <p:cNvSpPr/>
-            <p:nvPr/>
-          </p:nvSpPr>
-          <p:spPr>
-            <a:xfrm>
-              <a:off x="6960" y="11545"/>
-              <a:ext cx="240" cy="435"/>
-            </a:xfrm>
-            <a:prstGeom prst="rect">
-              <a:avLst/>
-            </a:prstGeom>
-            <a:solidFill>
-              <a:srgbClr val="0070C0"/>
-            </a:solidFill>
-            <a:ln>
-              <a:solidFill>
-                <a:srgbClr val="0070C0"/>
-              </a:solidFill>
-            </a:ln>
-            <a:effectLst/>
-          </p:spPr>
-          <p:style>
-            <a:lnRef idx="1">
-              <a:schemeClr val="accent3"/>
-            </a:lnRef>
-            <a:fillRef idx="2">
-              <a:schemeClr val="accent3"/>
-            </a:fillRef>
-            <a:effectRef idx="1">
-              <a:schemeClr val="accent3"/>
-            </a:effectRef>
-            <a:fontRef idx="minor">
-              <a:schemeClr val="dk1"/>
-            </a:fontRef>
-          </p:style>
-          <p:txBody>
-            <a:bodyPr rtlCol="0" anchor="ctr"/>
-            <a:lstStyle/>
-            <a:p>
-              <a:pPr algn="ctr"/>
-              <a:endParaRPr lang="en-SG" sz="1400" dirty="0"/>
-            </a:p>
-          </p:txBody>
-        </p:sp>
-        <p:sp>
-          <p:nvSpPr>
-            <p:cNvPr id="114" name="Rectangle 62"/>
-            <p:cNvSpPr/>
-            <p:nvPr/>
-          </p:nvSpPr>
-          <p:spPr>
-            <a:xfrm>
-              <a:off x="5821" y="10772"/>
-              <a:ext cx="2520" cy="773"/>
-            </a:xfrm>
-            <a:prstGeom prst="rect">
-              <a:avLst/>
-            </a:prstGeom>
-            <a:solidFill>
-              <a:srgbClr val="0070C0"/>
-            </a:solidFill>
-            <a:ln w="19050">
-              <a:solidFill>
-                <a:srgbClr val="0070C0"/>
-              </a:solidFill>
-            </a:ln>
-            <a:effectLst/>
-          </p:spPr>
-          <p:style>
-            <a:lnRef idx="1">
-              <a:schemeClr val="accent2"/>
-            </a:lnRef>
-            <a:fillRef idx="2">
-              <a:schemeClr val="accent2"/>
-            </a:fillRef>
-            <a:effectRef idx="1">
-              <a:schemeClr val="accent2"/>
-            </a:effectRef>
-            <a:fontRef idx="minor">
-              <a:schemeClr val="dk1"/>
-            </a:fontRef>
-          </p:style>
-          <p:txBody>
-            <a:bodyPr rtlCol="0" anchor="ctr"/>
-            <a:lstStyle/>
-            <a:p>
-              <a:pPr algn="ctr"/>
-              <a:r>
-                <a:rPr lang="en-US" sz="1600" dirty="0">
-                  <a:solidFill>
-                    <a:schemeClr val="bg1"/>
-                  </a:solidFill>
-                </a:rPr>
-                <a:t>result:Command</a:t>
-              </a:r>
-              <a:endParaRPr lang="en-US" sz="1600" dirty="0">
-                <a:solidFill>
-                  <a:schemeClr val="bg1"/>
-                </a:solidFill>
-              </a:endParaRPr>
-            </a:p>
-            <a:p>
-              <a:pPr algn="ctr"/>
-              <a:r>
-                <a:rPr lang="en-US" sz="1600" dirty="0">
-                  <a:solidFill>
-                    <a:schemeClr val="bg1"/>
-                  </a:solidFill>
-                </a:rPr>
-                <a:t>Result</a:t>
-              </a:r>
-              <a:endParaRPr lang="en-SG" sz="1600" dirty="0">
-                <a:solidFill>
-                  <a:schemeClr val="bg1"/>
-                </a:solidFill>
-              </a:endParaRPr>
-            </a:p>
-          </p:txBody>
-        </p:sp>
-        <p:cxnSp>
-          <p:nvCxnSpPr>
-            <p:cNvPr id="115" name="Straight Arrow Connector 76"/>
-            <p:cNvCxnSpPr/>
-            <p:nvPr/>
-          </p:nvCxnSpPr>
-          <p:spPr>
-            <a:xfrm>
-              <a:off x="5260" y="11159"/>
-              <a:ext cx="561" cy="0"/>
-            </a:xfrm>
-            <a:prstGeom prst="straightConnector1">
-              <a:avLst/>
-            </a:prstGeom>
-            <a:ln w="19050">
-              <a:solidFill>
-                <a:srgbClr val="0070C0"/>
-              </a:solidFill>
-              <a:tailEnd type="arrow"/>
-            </a:ln>
-          </p:spPr>
-          <p:style>
-            <a:lnRef idx="1">
-              <a:schemeClr val="accent1"/>
-            </a:lnRef>
-            <a:fillRef idx="0">
-              <a:schemeClr val="accent1"/>
-            </a:fillRef>
-            <a:effectRef idx="0">
-              <a:schemeClr val="accent1"/>
-            </a:effectRef>
-            <a:fontRef idx="minor">
-              <a:schemeClr val="tx1"/>
-            </a:fontRef>
-          </p:style>
-        </p:cxnSp>
-        <p:cxnSp>
-          <p:nvCxnSpPr>
-            <p:cNvPr id="116" name="Straight Arrow Connector 84"/>
-            <p:cNvCxnSpPr/>
-            <p:nvPr/>
-          </p:nvCxnSpPr>
-          <p:spPr>
-            <a:xfrm>
-              <a:off x="5276" y="11980"/>
-              <a:ext cx="1757" cy="0"/>
-            </a:xfrm>
-            <a:prstGeom prst="straightConnector1">
-              <a:avLst/>
-            </a:prstGeom>
-            <a:ln w="19050">
-              <a:solidFill>
-                <a:srgbClr val="0070C0"/>
-              </a:solidFill>
-              <a:prstDash val="sysDash"/>
-              <a:headEnd type="arrow" w="med" len="med"/>
-              <a:tailEnd type="none" w="med" len="med"/>
-            </a:ln>
-          </p:spPr>
-          <p:style>
-            <a:lnRef idx="1">
-              <a:schemeClr val="accent1"/>
-            </a:lnRef>
-            <a:fillRef idx="0">
-              <a:schemeClr val="accent1"/>
-            </a:fillRef>
-            <a:effectRef idx="0">
-              <a:schemeClr val="accent1"/>
-            </a:effectRef>
-            <a:fontRef idx="minor">
-              <a:schemeClr val="tx1"/>
-            </a:fontRef>
-          </p:style>
-        </p:cxnSp>
-        <p:sp>
-          <p:nvSpPr>
-            <p:cNvPr id="175" name="TextBox 79"/>
+            <p:cNvPr id="18" name="TextBox 79"/>
             <p:cNvSpPr txBox="1"/>
             <p:nvPr/>
           </p:nvSpPr>
           <p:spPr>
             <a:xfrm>
-              <a:off x="2395" y="973"/>
+              <a:off x="-5140" y="3108"/>
               <a:ext cx="3370" cy="339"/>
             </a:xfrm>
             <a:prstGeom prst="rect">
@@ -5552,1370 +7251,13 @@
             </a:lstStyle>
             <a:p>
               <a:r>
-                <a:rPr lang="en-SG" altLang="en-US" dirty="0"/>
-                <a:t>Report</a:t>
-              </a:r>
-              <a:r>
                 <a:rPr lang="en-US" dirty="0"/>
-                <a:t>Command(</a:t>
-              </a:r>
-              <a:r>
-                <a:rPr lang="en-SG" altLang="en-US" dirty="0"/>
-                <a:t>date, type</a:t>
-              </a:r>
-              <a:r>
-                <a:rPr lang="en-US" dirty="0"/>
-                <a:t>)</a:t>
+                <a:t>Command</a:t>
               </a:r>
               <a:endParaRPr lang="en-US" dirty="0"/>
             </a:p>
           </p:txBody>
         </p:sp>
-        <p:sp>
-          <p:nvSpPr>
-            <p:cNvPr id="178" name="Rectangle 48"/>
-            <p:cNvSpPr/>
-            <p:nvPr/>
-          </p:nvSpPr>
-          <p:spPr>
-            <a:xfrm>
-              <a:off x="10688" y="4983"/>
-              <a:ext cx="284" cy="462"/>
-            </a:xfrm>
-            <a:prstGeom prst="rect">
-              <a:avLst/>
-            </a:prstGeom>
-            <a:solidFill>
-              <a:srgbClr val="7030A0"/>
-            </a:solidFill>
-            <a:ln>
-              <a:solidFill>
-                <a:srgbClr val="7030A0"/>
-              </a:solidFill>
-            </a:ln>
-            <a:effectLst/>
-          </p:spPr>
-          <p:style>
-            <a:lnRef idx="1">
-              <a:schemeClr val="accent3"/>
-            </a:lnRef>
-            <a:fillRef idx="2">
-              <a:schemeClr val="accent3"/>
-            </a:fillRef>
-            <a:effectRef idx="1">
-              <a:schemeClr val="accent3"/>
-            </a:effectRef>
-            <a:fontRef idx="minor">
-              <a:schemeClr val="dk1"/>
-            </a:fontRef>
-          </p:style>
-          <p:txBody>
-            <a:bodyPr rtlCol="0" anchor="ctr"/>
-            <a:lstStyle/>
-            <a:p>
-              <a:pPr algn="ctr"/>
-              <a:endParaRPr lang="en-SG" sz="1400" dirty="0"/>
-            </a:p>
-          </p:txBody>
-        </p:sp>
-        <p:cxnSp>
-          <p:nvCxnSpPr>
-            <p:cNvPr id="179" name="Straight Arrow Connector 49"/>
-            <p:cNvCxnSpPr/>
-            <p:nvPr/>
-          </p:nvCxnSpPr>
-          <p:spPr>
-            <a:xfrm flipV="1">
-              <a:off x="5231" y="5901"/>
-              <a:ext cx="5421" cy="5"/>
-            </a:xfrm>
-            <a:prstGeom prst="straightConnector1">
-              <a:avLst/>
-            </a:prstGeom>
-            <a:ln w="19050">
-              <a:solidFill>
-                <a:srgbClr val="0070C0"/>
-              </a:solidFill>
-              <a:tailEnd type="arrow"/>
-            </a:ln>
-          </p:spPr>
-          <p:style>
-            <a:lnRef idx="1">
-              <a:schemeClr val="accent1"/>
-            </a:lnRef>
-            <a:fillRef idx="0">
-              <a:schemeClr val="accent1"/>
-            </a:fillRef>
-            <a:effectRef idx="0">
-              <a:schemeClr val="accent1"/>
-            </a:effectRef>
-            <a:fontRef idx="minor">
-              <a:schemeClr val="tx1"/>
-            </a:fontRef>
-          </p:style>
-        </p:cxnSp>
-        <p:sp>
-          <p:nvSpPr>
-            <p:cNvPr id="180" name="Rectangle 48"/>
-            <p:cNvSpPr/>
-            <p:nvPr/>
-          </p:nvSpPr>
-          <p:spPr>
-            <a:xfrm>
-              <a:off x="10652" y="5874"/>
-              <a:ext cx="320" cy="4290"/>
-            </a:xfrm>
-            <a:prstGeom prst="rect">
-              <a:avLst/>
-            </a:prstGeom>
-            <a:solidFill>
-              <a:srgbClr val="7030A0"/>
-            </a:solidFill>
-            <a:ln>
-              <a:solidFill>
-                <a:srgbClr val="7030A0"/>
-              </a:solidFill>
-            </a:ln>
-            <a:effectLst/>
-          </p:spPr>
-          <p:style>
-            <a:lnRef idx="1">
-              <a:schemeClr val="accent3"/>
-            </a:lnRef>
-            <a:fillRef idx="2">
-              <a:schemeClr val="accent3"/>
-            </a:fillRef>
-            <a:effectRef idx="1">
-              <a:schemeClr val="accent3"/>
-            </a:effectRef>
-            <a:fontRef idx="minor">
-              <a:schemeClr val="dk1"/>
-            </a:fontRef>
-          </p:style>
-          <p:txBody>
-            <a:bodyPr rtlCol="0" anchor="ctr"/>
-            <a:lstStyle/>
-            <a:p>
-              <a:pPr algn="ctr"/>
-              <a:endParaRPr lang="en-SG" sz="1400" dirty="0"/>
-            </a:p>
-          </p:txBody>
-        </p:sp>
-        <p:sp>
-          <p:nvSpPr>
-            <p:cNvPr id="182" name="TextBox 78"/>
-            <p:cNvSpPr txBox="1"/>
-            <p:nvPr/>
-          </p:nvSpPr>
-          <p:spPr>
-            <a:xfrm>
-              <a:off x="5501" y="5584"/>
-              <a:ext cx="4381" cy="290"/>
-            </a:xfrm>
-            <a:prstGeom prst="rect">
-              <a:avLst/>
-            </a:prstGeom>
-            <a:noFill/>
-          </p:spPr>
-          <p:txBody>
-            <a:bodyPr wrap="square" lIns="0" tIns="0" rIns="0" bIns="0" rtlCol="0">
-              <a:spAutoFit/>
-            </a:bodyPr>
-            <a:lstStyle>
-              <a:defPPr>
-                <a:defRPr lang="en-US"/>
-              </a:defPPr>
-              <a:lvl1pPr algn="r">
-                <a:defRPr sz="1400">
-                  <a:solidFill>
-                    <a:srgbClr val="0070C0"/>
-                  </a:solidFill>
-                </a:defRPr>
-              </a:lvl1pPr>
-            </a:lstStyle>
-            <a:p>
-              <a:r>
-                <a:rPr lang="en-SG" altLang="en-US" sz="1200" dirty="0">
-                  <a:solidFill>
-                    <a:srgbClr val="7030A0"/>
-                  </a:solidFill>
-                </a:rPr>
-                <a:t>displayReportController</a:t>
-              </a:r>
-              <a:r>
-                <a:rPr lang="en-US" sz="1200" dirty="0">
-                  <a:solidFill>
-                    <a:srgbClr val="7030A0"/>
-                  </a:solidFill>
-                </a:rPr>
-                <a:t>(</a:t>
-              </a:r>
-              <a:r>
-                <a:rPr lang="en-SG" altLang="en-US" sz="1200" dirty="0">
-                  <a:solidFill>
-                    <a:srgbClr val="7030A0"/>
-                  </a:solidFill>
-                </a:rPr>
-                <a:t>model, date, type</a:t>
-              </a:r>
-              <a:r>
-                <a:rPr lang="en-US" sz="1200" dirty="0">
-                  <a:solidFill>
-                    <a:srgbClr val="7030A0"/>
-                  </a:solidFill>
-                </a:rPr>
-                <a:t>)</a:t>
-              </a:r>
-              <a:endParaRPr lang="en-US" sz="1200" dirty="0"/>
-            </a:p>
-          </p:txBody>
-        </p:sp>
-        <p:sp>
-          <p:nvSpPr>
-            <p:cNvPr id="187" name="流程图: 卡片 186"/>
-            <p:cNvSpPr/>
-            <p:nvPr/>
-          </p:nvSpPr>
-          <p:spPr>
-            <a:xfrm rot="10800000">
-              <a:off x="9037" y="6021"/>
-              <a:ext cx="1118" cy="593"/>
-            </a:xfrm>
-            <a:prstGeom prst="flowChartPunchedCard">
-              <a:avLst/>
-            </a:prstGeom>
-            <a:noFill/>
-            <a:ln>
-              <a:solidFill>
-                <a:srgbClr val="FF0000"/>
-              </a:solidFill>
-            </a:ln>
-          </p:spPr>
-          <p:style>
-            <a:lnRef idx="2">
-              <a:schemeClr val="accent1">
-                <a:shade val="50000"/>
-              </a:schemeClr>
-            </a:lnRef>
-            <a:fillRef idx="1">
-              <a:schemeClr val="accent1"/>
-            </a:fillRef>
-            <a:effectRef idx="0">
-              <a:schemeClr val="accent1"/>
-            </a:effectRef>
-            <a:fontRef idx="minor">
-              <a:schemeClr val="lt1"/>
-            </a:fontRef>
-          </p:style>
-          <p:txBody>
-            <a:bodyPr rtlCol="0" anchor="ctr"/>
-            <a:lstStyle/>
-            <a:p>
-              <a:pPr algn="ctr"/>
-              <a:endParaRPr lang="zh-CN" altLang="en-US"/>
-            </a:p>
-          </p:txBody>
-        </p:sp>
-        <p:sp>
-          <p:nvSpPr>
-            <p:cNvPr id="188" name="矩形 187"/>
-            <p:cNvSpPr/>
-            <p:nvPr/>
-          </p:nvSpPr>
-          <p:spPr>
-            <a:xfrm>
-              <a:off x="9037" y="6021"/>
-              <a:ext cx="7083" cy="3960"/>
-            </a:xfrm>
-            <a:prstGeom prst="rect">
-              <a:avLst/>
-            </a:prstGeom>
-            <a:noFill/>
-            <a:ln w="12700" cmpd="sng">
-              <a:solidFill>
-                <a:srgbClr val="FF0000"/>
-              </a:solidFill>
-              <a:prstDash val="solid"/>
-            </a:ln>
-          </p:spPr>
-          <p:style>
-            <a:lnRef idx="2">
-              <a:schemeClr val="accent1">
-                <a:shade val="50000"/>
-              </a:schemeClr>
-            </a:lnRef>
-            <a:fillRef idx="1">
-              <a:schemeClr val="accent1"/>
-            </a:fillRef>
-            <a:effectRef idx="0">
-              <a:schemeClr val="accent1"/>
-            </a:effectRef>
-            <a:fontRef idx="minor">
-              <a:schemeClr val="lt1"/>
-            </a:fontRef>
-          </p:style>
-          <p:txBody>
-            <a:bodyPr rtlCol="0" anchor="ctr"/>
-            <a:lstStyle/>
-            <a:p>
-              <a:pPr algn="ctr"/>
-              <a:endParaRPr lang="zh-CN" altLang="en-US"/>
-            </a:p>
-          </p:txBody>
-        </p:sp>
-        <p:sp>
-          <p:nvSpPr>
-            <p:cNvPr id="189" name="TextBox 40"/>
-            <p:cNvSpPr txBox="1"/>
-            <p:nvPr/>
-          </p:nvSpPr>
-          <p:spPr>
-            <a:xfrm>
-              <a:off x="8518" y="6135"/>
-              <a:ext cx="1118" cy="290"/>
-            </a:xfrm>
-            <a:prstGeom prst="rect">
-              <a:avLst/>
-            </a:prstGeom>
-            <a:noFill/>
-            <a:ln>
-              <a:noFill/>
-            </a:ln>
-          </p:spPr>
-          <p:txBody>
-            <a:bodyPr wrap="square" lIns="0" tIns="0" rIns="0" bIns="0" rtlCol="0">
-              <a:spAutoFit/>
-            </a:bodyPr>
-            <a:lstStyle>
-              <a:defPPr>
-                <a:defRPr lang="en-US"/>
-              </a:defPPr>
-              <a:lvl1pPr algn="r">
-                <a:defRPr sz="1400">
-                  <a:solidFill>
-                    <a:srgbClr val="0070C0"/>
-                  </a:solidFill>
-                </a:defRPr>
-              </a:lvl1pPr>
-            </a:lstStyle>
-            <a:p>
-              <a:r>
-                <a:rPr lang="en-SG" altLang="en-US" sz="1200" dirty="0">
-                  <a:solidFill>
-                    <a:srgbClr val="FF0000"/>
-                  </a:solidFill>
-                </a:rPr>
-                <a:t>alt</a:t>
-              </a:r>
-              <a:endParaRPr lang="en-SG" altLang="en-US" sz="1200" dirty="0">
-                <a:solidFill>
-                  <a:srgbClr val="FF0000"/>
-                </a:solidFill>
-              </a:endParaRPr>
-            </a:p>
-          </p:txBody>
-        </p:sp>
-        <p:cxnSp>
-          <p:nvCxnSpPr>
-            <p:cNvPr id="190" name="Curved Connector 12"/>
-            <p:cNvCxnSpPr/>
-            <p:nvPr/>
-          </p:nvCxnSpPr>
-          <p:spPr>
-            <a:xfrm rot="16200000" flipH="1">
-              <a:off x="10908" y="7006"/>
-              <a:ext cx="247" cy="120"/>
-            </a:xfrm>
-            <a:prstGeom prst="curvedConnector4">
-              <a:avLst>
-                <a:gd name="adj1" fmla="val -54716"/>
-                <a:gd name="adj2" fmla="val 187651"/>
-              </a:avLst>
-            </a:prstGeom>
-            <a:ln>
-              <a:solidFill>
-                <a:srgbClr val="7030A0"/>
-              </a:solidFill>
-              <a:tailEnd type="triangle"/>
-            </a:ln>
-          </p:spPr>
-          <p:style>
-            <a:lnRef idx="1">
-              <a:schemeClr val="accent1"/>
-            </a:lnRef>
-            <a:fillRef idx="0">
-              <a:schemeClr val="accent1"/>
-            </a:fillRef>
-            <a:effectRef idx="0">
-              <a:schemeClr val="accent1"/>
-            </a:effectRef>
-            <a:fontRef idx="minor">
-              <a:schemeClr val="tx1"/>
-            </a:fontRef>
-          </p:style>
-        </p:cxnSp>
-        <p:sp>
-          <p:nvSpPr>
-            <p:cNvPr id="191" name="TextBox 40"/>
-            <p:cNvSpPr txBox="1"/>
-            <p:nvPr/>
-          </p:nvSpPr>
-          <p:spPr>
-            <a:xfrm>
-              <a:off x="11352" y="6425"/>
-              <a:ext cx="4218" cy="290"/>
-            </a:xfrm>
-            <a:prstGeom prst="rect">
-              <a:avLst/>
-            </a:prstGeom>
-            <a:noFill/>
-            <a:ln>
-              <a:noFill/>
-            </a:ln>
-          </p:spPr>
-          <p:txBody>
-            <a:bodyPr wrap="square" lIns="0" tIns="0" rIns="0" bIns="0" rtlCol="0">
-              <a:spAutoFit/>
-            </a:bodyPr>
-            <a:lstStyle>
-              <a:defPPr>
-                <a:defRPr lang="en-US"/>
-              </a:defPPr>
-              <a:lvl1pPr algn="r">
-                <a:defRPr sz="1400">
-                  <a:solidFill>
-                    <a:srgbClr val="0070C0"/>
-                  </a:solidFill>
-                </a:defRPr>
-              </a:lvl1pPr>
-            </a:lstStyle>
-            <a:p>
-              <a:r>
-                <a:rPr lang="en-US" sz="1200" dirty="0">
-                  <a:solidFill>
-                    <a:srgbClr val="7030A0"/>
-                  </a:solidFill>
-                </a:rPr>
-                <a:t>displayReportOnSpecifiedDay</a:t>
-              </a:r>
-              <a:r>
-                <a:rPr lang="en-SG" altLang="en-US" sz="1200" dirty="0">
-                  <a:solidFill>
-                    <a:srgbClr val="7030A0"/>
-                  </a:solidFill>
-                </a:rPr>
-                <a:t>(model, date)</a:t>
-              </a:r>
-              <a:endParaRPr lang="en-US" sz="1200" dirty="0">
-                <a:solidFill>
-                  <a:schemeClr val="accent4">
-                    <a:lumMod val="75000"/>
-                  </a:schemeClr>
-                </a:solidFill>
-              </a:endParaRPr>
-            </a:p>
-          </p:txBody>
-        </p:sp>
-        <p:sp>
-          <p:nvSpPr>
-            <p:cNvPr id="192" name="Rectangle 85"/>
-            <p:cNvSpPr/>
-            <p:nvPr/>
-          </p:nvSpPr>
-          <p:spPr>
-            <a:xfrm>
-              <a:off x="10887" y="6383"/>
-              <a:ext cx="206" cy="329"/>
-            </a:xfrm>
-            <a:prstGeom prst="rect">
-              <a:avLst/>
-            </a:prstGeom>
-            <a:solidFill>
-              <a:srgbClr val="7030A0"/>
-            </a:solidFill>
-            <a:ln>
-              <a:solidFill>
-                <a:srgbClr val="7030A0"/>
-              </a:solidFill>
-            </a:ln>
-            <a:effectLst/>
-          </p:spPr>
-          <p:style>
-            <a:lnRef idx="1">
-              <a:schemeClr val="accent3"/>
-            </a:lnRef>
-            <a:fillRef idx="2">
-              <a:schemeClr val="accent3"/>
-            </a:fillRef>
-            <a:effectRef idx="1">
-              <a:schemeClr val="accent3"/>
-            </a:effectRef>
-            <a:fontRef idx="minor">
-              <a:schemeClr val="dk1"/>
-            </a:fontRef>
-          </p:style>
-          <p:txBody>
-            <a:bodyPr rtlCol="0" anchor="ctr"/>
-            <a:lstStyle/>
-            <a:p>
-              <a:pPr algn="ctr"/>
-              <a:endParaRPr lang="en-SG" sz="1400" dirty="0"/>
-            </a:p>
-          </p:txBody>
-        </p:sp>
-        <p:cxnSp>
-          <p:nvCxnSpPr>
-            <p:cNvPr id="194" name="Curved Connector 12"/>
-            <p:cNvCxnSpPr/>
-            <p:nvPr/>
-          </p:nvCxnSpPr>
-          <p:spPr>
-            <a:xfrm rot="16200000" flipH="1">
-              <a:off x="10909" y="6326"/>
-              <a:ext cx="247" cy="120"/>
-            </a:xfrm>
-            <a:prstGeom prst="curvedConnector4">
-              <a:avLst>
-                <a:gd name="adj1" fmla="val -54716"/>
-                <a:gd name="adj2" fmla="val 187651"/>
-              </a:avLst>
-            </a:prstGeom>
-            <a:ln>
-              <a:solidFill>
-                <a:srgbClr val="7030A0"/>
-              </a:solidFill>
-              <a:tailEnd type="triangle"/>
-            </a:ln>
-          </p:spPr>
-          <p:style>
-            <a:lnRef idx="1">
-              <a:schemeClr val="accent1"/>
-            </a:lnRef>
-            <a:fillRef idx="0">
-              <a:schemeClr val="accent1"/>
-            </a:fillRef>
-            <a:effectRef idx="0">
-              <a:schemeClr val="accent1"/>
-            </a:effectRef>
-            <a:fontRef idx="minor">
-              <a:schemeClr val="tx1"/>
-            </a:fontRef>
-          </p:style>
-        </p:cxnSp>
-        <p:cxnSp>
-          <p:nvCxnSpPr>
-            <p:cNvPr id="195" name="Curved Connector 12"/>
-            <p:cNvCxnSpPr/>
-            <p:nvPr/>
-          </p:nvCxnSpPr>
-          <p:spPr>
-            <a:xfrm rot="16200000" flipH="1">
-              <a:off x="10909" y="7587"/>
-              <a:ext cx="247" cy="120"/>
-            </a:xfrm>
-            <a:prstGeom prst="curvedConnector4">
-              <a:avLst>
-                <a:gd name="adj1" fmla="val -54716"/>
-                <a:gd name="adj2" fmla="val 187651"/>
-              </a:avLst>
-            </a:prstGeom>
-            <a:ln>
-              <a:solidFill>
-                <a:srgbClr val="7030A0"/>
-              </a:solidFill>
-              <a:tailEnd type="triangle"/>
-            </a:ln>
-          </p:spPr>
-          <p:style>
-            <a:lnRef idx="1">
-              <a:schemeClr val="accent1"/>
-            </a:lnRef>
-            <a:fillRef idx="0">
-              <a:schemeClr val="accent1"/>
-            </a:fillRef>
-            <a:effectRef idx="0">
-              <a:schemeClr val="accent1"/>
-            </a:effectRef>
-            <a:fontRef idx="minor">
-              <a:schemeClr val="tx1"/>
-            </a:fontRef>
-          </p:style>
-        </p:cxnSp>
-        <p:cxnSp>
-          <p:nvCxnSpPr>
-            <p:cNvPr id="196" name="Curved Connector 12"/>
-            <p:cNvCxnSpPr/>
-            <p:nvPr/>
-          </p:nvCxnSpPr>
-          <p:spPr>
-            <a:xfrm rot="16200000" flipH="1">
-              <a:off x="10908" y="8195"/>
-              <a:ext cx="247" cy="120"/>
-            </a:xfrm>
-            <a:prstGeom prst="curvedConnector4">
-              <a:avLst>
-                <a:gd name="adj1" fmla="val -54716"/>
-                <a:gd name="adj2" fmla="val 187651"/>
-              </a:avLst>
-            </a:prstGeom>
-            <a:ln>
-              <a:solidFill>
-                <a:srgbClr val="7030A0"/>
-              </a:solidFill>
-              <a:tailEnd type="triangle"/>
-            </a:ln>
-          </p:spPr>
-          <p:style>
-            <a:lnRef idx="1">
-              <a:schemeClr val="accent1"/>
-            </a:lnRef>
-            <a:fillRef idx="0">
-              <a:schemeClr val="accent1"/>
-            </a:fillRef>
-            <a:effectRef idx="0">
-              <a:schemeClr val="accent1"/>
-            </a:effectRef>
-            <a:fontRef idx="minor">
-              <a:schemeClr val="tx1"/>
-            </a:fontRef>
-          </p:style>
-        </p:cxnSp>
-        <p:sp>
-          <p:nvSpPr>
-            <p:cNvPr id="198" name="Rectangle 85"/>
-            <p:cNvSpPr/>
-            <p:nvPr/>
-          </p:nvSpPr>
-          <p:spPr>
-            <a:xfrm>
-              <a:off x="10912" y="6986"/>
-              <a:ext cx="206" cy="329"/>
-            </a:xfrm>
-            <a:prstGeom prst="rect">
-              <a:avLst/>
-            </a:prstGeom>
-            <a:solidFill>
-              <a:srgbClr val="7030A0"/>
-            </a:solidFill>
-            <a:ln>
-              <a:solidFill>
-                <a:srgbClr val="7030A0"/>
-              </a:solidFill>
-            </a:ln>
-            <a:effectLst/>
-          </p:spPr>
-          <p:style>
-            <a:lnRef idx="1">
-              <a:schemeClr val="accent3"/>
-            </a:lnRef>
-            <a:fillRef idx="2">
-              <a:schemeClr val="accent3"/>
-            </a:fillRef>
-            <a:effectRef idx="1">
-              <a:schemeClr val="accent3"/>
-            </a:effectRef>
-            <a:fontRef idx="minor">
-              <a:schemeClr val="dk1"/>
-            </a:fontRef>
-          </p:style>
-          <p:txBody>
-            <a:bodyPr rtlCol="0" anchor="ctr"/>
-            <a:lstStyle/>
-            <a:p>
-              <a:pPr algn="ctr"/>
-              <a:endParaRPr lang="en-SG" sz="1400" dirty="0"/>
-            </a:p>
-          </p:txBody>
-        </p:sp>
-        <p:sp>
-          <p:nvSpPr>
-            <p:cNvPr id="199" name="Rectangle 85"/>
-            <p:cNvSpPr/>
-            <p:nvPr/>
-          </p:nvSpPr>
-          <p:spPr>
-            <a:xfrm>
-              <a:off x="10886" y="7573"/>
-              <a:ext cx="206" cy="329"/>
-            </a:xfrm>
-            <a:prstGeom prst="rect">
-              <a:avLst/>
-            </a:prstGeom>
-            <a:solidFill>
-              <a:srgbClr val="7030A0"/>
-            </a:solidFill>
-            <a:ln>
-              <a:solidFill>
-                <a:srgbClr val="7030A0"/>
-              </a:solidFill>
-            </a:ln>
-            <a:effectLst/>
-          </p:spPr>
-          <p:style>
-            <a:lnRef idx="1">
-              <a:schemeClr val="accent3"/>
-            </a:lnRef>
-            <a:fillRef idx="2">
-              <a:schemeClr val="accent3"/>
-            </a:fillRef>
-            <a:effectRef idx="1">
-              <a:schemeClr val="accent3"/>
-            </a:effectRef>
-            <a:fontRef idx="minor">
-              <a:schemeClr val="dk1"/>
-            </a:fontRef>
-          </p:style>
-          <p:txBody>
-            <a:bodyPr rtlCol="0" anchor="ctr"/>
-            <a:lstStyle/>
-            <a:p>
-              <a:pPr algn="ctr"/>
-              <a:endParaRPr lang="en-SG" sz="1400" dirty="0"/>
-            </a:p>
-          </p:txBody>
-        </p:sp>
-        <p:sp>
-          <p:nvSpPr>
-            <p:cNvPr id="200" name="Rectangle 85"/>
-            <p:cNvSpPr/>
-            <p:nvPr/>
-          </p:nvSpPr>
-          <p:spPr>
-            <a:xfrm>
-              <a:off x="10886" y="8219"/>
-              <a:ext cx="232" cy="1638"/>
-            </a:xfrm>
-            <a:prstGeom prst="rect">
-              <a:avLst/>
-            </a:prstGeom>
-            <a:solidFill>
-              <a:srgbClr val="7030A0"/>
-            </a:solidFill>
-            <a:ln>
-              <a:solidFill>
-                <a:srgbClr val="7030A0"/>
-              </a:solidFill>
-            </a:ln>
-            <a:effectLst/>
-          </p:spPr>
-          <p:style>
-            <a:lnRef idx="1">
-              <a:schemeClr val="accent3"/>
-            </a:lnRef>
-            <a:fillRef idx="2">
-              <a:schemeClr val="accent3"/>
-            </a:fillRef>
-            <a:effectRef idx="1">
-              <a:schemeClr val="accent3"/>
-            </a:effectRef>
-            <a:fontRef idx="minor">
-              <a:schemeClr val="dk1"/>
-            </a:fontRef>
-          </p:style>
-          <p:txBody>
-            <a:bodyPr rtlCol="0" anchor="ctr"/>
-            <a:lstStyle/>
-            <a:p>
-              <a:pPr algn="ctr"/>
-              <a:endParaRPr lang="en-SG" sz="1400" dirty="0"/>
-            </a:p>
-          </p:txBody>
-        </p:sp>
-        <p:cxnSp>
-          <p:nvCxnSpPr>
-            <p:cNvPr id="202" name="Straight Connector 88"/>
-            <p:cNvCxnSpPr/>
-            <p:nvPr/>
-          </p:nvCxnSpPr>
-          <p:spPr>
-            <a:xfrm flipH="1">
-              <a:off x="9040" y="6715"/>
-              <a:ext cx="7080" cy="20"/>
-            </a:xfrm>
-            <a:prstGeom prst="line">
-              <a:avLst/>
-            </a:prstGeom>
-            <a:ln w="19050">
-              <a:solidFill>
-                <a:srgbClr val="FF0000"/>
-              </a:solidFill>
-              <a:prstDash val="sysDash"/>
-            </a:ln>
-            <a:effectLst/>
-          </p:spPr>
-          <p:style>
-            <a:lnRef idx="1">
-              <a:schemeClr val="accent1"/>
-            </a:lnRef>
-            <a:fillRef idx="2">
-              <a:schemeClr val="accent1"/>
-            </a:fillRef>
-            <a:effectRef idx="1">
-              <a:schemeClr val="accent1"/>
-            </a:effectRef>
-            <a:fontRef idx="minor">
-              <a:schemeClr val="dk1"/>
-            </a:fontRef>
-          </p:style>
-        </p:cxnSp>
-        <p:cxnSp>
-          <p:nvCxnSpPr>
-            <p:cNvPr id="203" name="Straight Connector 88"/>
-            <p:cNvCxnSpPr/>
-            <p:nvPr/>
-          </p:nvCxnSpPr>
-          <p:spPr>
-            <a:xfrm flipH="1">
-              <a:off x="9037" y="7315"/>
-              <a:ext cx="7080" cy="20"/>
-            </a:xfrm>
-            <a:prstGeom prst="line">
-              <a:avLst/>
-            </a:prstGeom>
-            <a:ln w="19050">
-              <a:solidFill>
-                <a:srgbClr val="FF0000"/>
-              </a:solidFill>
-              <a:prstDash val="sysDash"/>
-            </a:ln>
-            <a:effectLst/>
-          </p:spPr>
-          <p:style>
-            <a:lnRef idx="1">
-              <a:schemeClr val="accent1"/>
-            </a:lnRef>
-            <a:fillRef idx="2">
-              <a:schemeClr val="accent1"/>
-            </a:fillRef>
-            <a:effectRef idx="1">
-              <a:schemeClr val="accent1"/>
-            </a:effectRef>
-            <a:fontRef idx="minor">
-              <a:schemeClr val="dk1"/>
-            </a:fontRef>
-          </p:style>
-        </p:cxnSp>
-        <p:cxnSp>
-          <p:nvCxnSpPr>
-            <p:cNvPr id="204" name="Straight Connector 88"/>
-            <p:cNvCxnSpPr/>
-            <p:nvPr/>
-          </p:nvCxnSpPr>
-          <p:spPr>
-            <a:xfrm flipH="1">
-              <a:off x="9037" y="7902"/>
-              <a:ext cx="7080" cy="20"/>
-            </a:xfrm>
-            <a:prstGeom prst="line">
-              <a:avLst/>
-            </a:prstGeom>
-            <a:ln w="19050">
-              <a:solidFill>
-                <a:srgbClr val="FF0000"/>
-              </a:solidFill>
-              <a:prstDash val="sysDash"/>
-            </a:ln>
-            <a:effectLst/>
-          </p:spPr>
-          <p:style>
-            <a:lnRef idx="1">
-              <a:schemeClr val="accent1"/>
-            </a:lnRef>
-            <a:fillRef idx="2">
-              <a:schemeClr val="accent1"/>
-            </a:fillRef>
-            <a:effectRef idx="1">
-              <a:schemeClr val="accent1"/>
-            </a:effectRef>
-            <a:fontRef idx="minor">
-              <a:schemeClr val="dk1"/>
-            </a:fontRef>
-          </p:style>
-        </p:cxnSp>
-        <p:sp>
-          <p:nvSpPr>
-            <p:cNvPr id="205" name="TextBox 40"/>
-            <p:cNvSpPr txBox="1"/>
-            <p:nvPr/>
-          </p:nvSpPr>
-          <p:spPr>
-            <a:xfrm>
-              <a:off x="11352" y="6986"/>
-              <a:ext cx="4509" cy="290"/>
-            </a:xfrm>
-            <a:prstGeom prst="rect">
-              <a:avLst/>
-            </a:prstGeom>
-            <a:noFill/>
-            <a:ln>
-              <a:noFill/>
-            </a:ln>
-          </p:spPr>
-          <p:txBody>
-            <a:bodyPr wrap="square" lIns="0" tIns="0" rIns="0" bIns="0" rtlCol="0">
-              <a:spAutoFit/>
-            </a:bodyPr>
-            <a:lstStyle>
-              <a:defPPr>
-                <a:defRPr lang="en-US"/>
-              </a:defPPr>
-              <a:lvl1pPr algn="r">
-                <a:defRPr sz="1400">
-                  <a:solidFill>
-                    <a:srgbClr val="0070C0"/>
-                  </a:solidFill>
-                </a:defRPr>
-              </a:lvl1pPr>
-            </a:lstStyle>
-            <a:p>
-              <a:r>
-                <a:rPr lang="en-US" sz="1200" dirty="0">
-                  <a:solidFill>
-                    <a:srgbClr val="7030A0"/>
-                  </a:solidFill>
-                </a:rPr>
-                <a:t>displayReportOnSpecified</a:t>
-              </a:r>
-              <a:r>
-                <a:rPr lang="en-SG" altLang="en-US" sz="1200" dirty="0">
-                  <a:solidFill>
-                    <a:srgbClr val="7030A0"/>
-                  </a:solidFill>
-                </a:rPr>
-                <a:t>Month(model, date)</a:t>
-              </a:r>
-              <a:endParaRPr lang="en-US" sz="1200" dirty="0">
-                <a:solidFill>
-                  <a:schemeClr val="accent4">
-                    <a:lumMod val="75000"/>
-                  </a:schemeClr>
-                </a:solidFill>
-              </a:endParaRPr>
-            </a:p>
-          </p:txBody>
-        </p:sp>
-        <p:sp>
-          <p:nvSpPr>
-            <p:cNvPr id="206" name="TextBox 40"/>
-            <p:cNvSpPr txBox="1"/>
-            <p:nvPr/>
-          </p:nvSpPr>
-          <p:spPr>
-            <a:xfrm>
-              <a:off x="11352" y="7570"/>
-              <a:ext cx="4280" cy="290"/>
-            </a:xfrm>
-            <a:prstGeom prst="rect">
-              <a:avLst/>
-            </a:prstGeom>
-            <a:noFill/>
-            <a:ln>
-              <a:noFill/>
-            </a:ln>
-          </p:spPr>
-          <p:txBody>
-            <a:bodyPr wrap="square" lIns="0" tIns="0" rIns="0" bIns="0" rtlCol="0">
-              <a:spAutoFit/>
-            </a:bodyPr>
-            <a:lstStyle>
-              <a:defPPr>
-                <a:defRPr lang="en-US"/>
-              </a:defPPr>
-              <a:lvl1pPr algn="r">
-                <a:defRPr sz="1400">
-                  <a:solidFill>
-                    <a:srgbClr val="0070C0"/>
-                  </a:solidFill>
-                </a:defRPr>
-              </a:lvl1pPr>
-            </a:lstStyle>
-            <a:p>
-              <a:r>
-                <a:rPr lang="en-US" sz="1200" dirty="0">
-                  <a:solidFill>
-                    <a:srgbClr val="7030A0"/>
-                  </a:solidFill>
-                </a:rPr>
-                <a:t>displayReportOnSpecified</a:t>
-              </a:r>
-              <a:r>
-                <a:rPr lang="en-SG" altLang="en-US" sz="1200" dirty="0">
-                  <a:solidFill>
-                    <a:srgbClr val="7030A0"/>
-                  </a:solidFill>
-                </a:rPr>
-                <a:t>Year(model, date)</a:t>
-              </a:r>
-              <a:endParaRPr lang="en-US" sz="1200" dirty="0">
-                <a:solidFill>
-                  <a:schemeClr val="accent4">
-                    <a:lumMod val="75000"/>
-                  </a:schemeClr>
-                </a:solidFill>
-              </a:endParaRPr>
-            </a:p>
-          </p:txBody>
-        </p:sp>
-        <p:sp>
-          <p:nvSpPr>
-            <p:cNvPr id="207" name="TextBox 40"/>
-            <p:cNvSpPr txBox="1"/>
-            <p:nvPr/>
-          </p:nvSpPr>
-          <p:spPr>
-            <a:xfrm>
-              <a:off x="11352" y="8258"/>
-              <a:ext cx="3190" cy="290"/>
-            </a:xfrm>
-            <a:prstGeom prst="rect">
-              <a:avLst/>
-            </a:prstGeom>
-            <a:noFill/>
-            <a:ln>
-              <a:noFill/>
-            </a:ln>
-          </p:spPr>
-          <p:txBody>
-            <a:bodyPr wrap="square" lIns="0" tIns="0" rIns="0" bIns="0" rtlCol="0">
-              <a:spAutoFit/>
-            </a:bodyPr>
-            <a:lstStyle>
-              <a:defPPr>
-                <a:defRPr lang="en-US"/>
-              </a:defPPr>
-              <a:lvl1pPr algn="r">
-                <a:defRPr sz="1400">
-                  <a:solidFill>
-                    <a:srgbClr val="0070C0"/>
-                  </a:solidFill>
-                </a:defRPr>
-              </a:lvl1pPr>
-            </a:lstStyle>
-            <a:p>
-              <a:r>
-                <a:rPr lang="en-US" sz="1200" dirty="0">
-                  <a:solidFill>
-                    <a:srgbClr val="7030A0"/>
-                  </a:solidFill>
-                </a:rPr>
-                <a:t>display</a:t>
-              </a:r>
-              <a:r>
-                <a:rPr lang="en-SG" altLang="en-US" sz="1200" dirty="0">
-                  <a:solidFill>
-                    <a:srgbClr val="7030A0"/>
-                  </a:solidFill>
-                </a:rPr>
-                <a:t>CompletedReport(model)</a:t>
-              </a:r>
-              <a:endParaRPr lang="en-US" sz="1200" dirty="0">
-                <a:solidFill>
-                  <a:schemeClr val="accent4">
-                    <a:lumMod val="75000"/>
-                  </a:schemeClr>
-                </a:solidFill>
-              </a:endParaRPr>
-            </a:p>
-          </p:txBody>
-        </p:sp>
-        <p:sp>
-          <p:nvSpPr>
-            <p:cNvPr id="208" name="TextBox 40"/>
-            <p:cNvSpPr txBox="1"/>
-            <p:nvPr/>
-          </p:nvSpPr>
-          <p:spPr>
-            <a:xfrm>
-              <a:off x="11511" y="6135"/>
-              <a:ext cx="2748" cy="290"/>
-            </a:xfrm>
-            <a:prstGeom prst="rect">
-              <a:avLst/>
-            </a:prstGeom>
-            <a:noFill/>
-            <a:ln>
-              <a:noFill/>
-            </a:ln>
-          </p:spPr>
-          <p:txBody>
-            <a:bodyPr wrap="square" lIns="0" tIns="0" rIns="0" bIns="0" rtlCol="0">
-              <a:spAutoFit/>
-            </a:bodyPr>
-            <a:lstStyle>
-              <a:defPPr>
-                <a:defRPr lang="en-US"/>
-              </a:defPPr>
-              <a:lvl1pPr algn="r">
-                <a:defRPr sz="1400">
-                  <a:solidFill>
-                    <a:srgbClr val="0070C0"/>
-                  </a:solidFill>
-                </a:defRPr>
-              </a:lvl1pPr>
-            </a:lstStyle>
-            <a:p>
-              <a:r>
-                <a:rPr lang="en-SG" altLang="en-US" sz="1200" dirty="0">
-                  <a:solidFill>
-                    <a:srgbClr val="FF0000"/>
-                  </a:solidFill>
-                </a:rPr>
-                <a:t>[ReportDisplayType == DAY]</a:t>
-              </a:r>
-              <a:endParaRPr lang="en-SG" altLang="en-US" sz="1200" dirty="0">
-                <a:solidFill>
-                  <a:srgbClr val="FF0000"/>
-                </a:solidFill>
-              </a:endParaRPr>
-            </a:p>
-          </p:txBody>
-        </p:sp>
-        <p:sp>
-          <p:nvSpPr>
-            <p:cNvPr id="209" name="TextBox 40"/>
-            <p:cNvSpPr txBox="1"/>
-            <p:nvPr/>
-          </p:nvSpPr>
-          <p:spPr>
-            <a:xfrm>
-              <a:off x="11451" y="6735"/>
-              <a:ext cx="3198" cy="290"/>
-            </a:xfrm>
-            <a:prstGeom prst="rect">
-              <a:avLst/>
-            </a:prstGeom>
-            <a:noFill/>
-            <a:ln>
-              <a:noFill/>
-            </a:ln>
-          </p:spPr>
-          <p:txBody>
-            <a:bodyPr wrap="square" lIns="0" tIns="0" rIns="0" bIns="0" rtlCol="0">
-              <a:spAutoFit/>
-            </a:bodyPr>
-            <a:lstStyle>
-              <a:defPPr>
-                <a:defRPr lang="en-US"/>
-              </a:defPPr>
-              <a:lvl1pPr algn="r">
-                <a:defRPr sz="1400">
-                  <a:solidFill>
-                    <a:srgbClr val="0070C0"/>
-                  </a:solidFill>
-                </a:defRPr>
-              </a:lvl1pPr>
-            </a:lstStyle>
-            <a:p>
-              <a:r>
-                <a:rPr lang="en-SG" altLang="en-US" sz="1200" dirty="0">
-                  <a:solidFill>
-                    <a:srgbClr val="FF0000"/>
-                  </a:solidFill>
-                </a:rPr>
-                <a:t>[ReportDisplayType == MONTH]</a:t>
-              </a:r>
-              <a:endParaRPr lang="en-SG" altLang="en-US" sz="1200" dirty="0">
-                <a:solidFill>
-                  <a:srgbClr val="FF0000"/>
-                </a:solidFill>
-              </a:endParaRPr>
-            </a:p>
-          </p:txBody>
-        </p:sp>
-        <p:sp>
-          <p:nvSpPr>
-            <p:cNvPr id="210" name="TextBox 40"/>
-            <p:cNvSpPr txBox="1"/>
-            <p:nvPr/>
-          </p:nvSpPr>
-          <p:spPr>
-            <a:xfrm>
-              <a:off x="11466" y="7364"/>
-              <a:ext cx="2839" cy="290"/>
-            </a:xfrm>
-            <a:prstGeom prst="rect">
-              <a:avLst/>
-            </a:prstGeom>
-            <a:noFill/>
-            <a:ln>
-              <a:noFill/>
-            </a:ln>
-          </p:spPr>
-          <p:txBody>
-            <a:bodyPr wrap="square" lIns="0" tIns="0" rIns="0" bIns="0" rtlCol="0">
-              <a:spAutoFit/>
-            </a:bodyPr>
-            <a:lstStyle>
-              <a:defPPr>
-                <a:defRPr lang="en-US"/>
-              </a:defPPr>
-              <a:lvl1pPr algn="r">
-                <a:defRPr sz="1400">
-                  <a:solidFill>
-                    <a:srgbClr val="0070C0"/>
-                  </a:solidFill>
-                </a:defRPr>
-              </a:lvl1pPr>
-            </a:lstStyle>
-            <a:p>
-              <a:r>
-                <a:rPr lang="en-SG" altLang="en-US" sz="1200" dirty="0">
-                  <a:solidFill>
-                    <a:srgbClr val="FF0000"/>
-                  </a:solidFill>
-                </a:rPr>
-                <a:t>[ReportDisplayType == YEAR]</a:t>
-              </a:r>
-              <a:endParaRPr lang="en-SG" altLang="en-US" sz="1200" dirty="0">
-                <a:solidFill>
-                  <a:srgbClr val="FF0000"/>
-                </a:solidFill>
-              </a:endParaRPr>
-            </a:p>
-          </p:txBody>
-        </p:sp>
-        <p:sp>
-          <p:nvSpPr>
-            <p:cNvPr id="211" name="TextBox 40"/>
-            <p:cNvSpPr txBox="1"/>
-            <p:nvPr/>
-          </p:nvSpPr>
-          <p:spPr>
-            <a:xfrm>
-              <a:off x="11466" y="7968"/>
-              <a:ext cx="2697" cy="290"/>
-            </a:xfrm>
-            <a:prstGeom prst="rect">
-              <a:avLst/>
-            </a:prstGeom>
-            <a:noFill/>
-            <a:ln>
-              <a:noFill/>
-            </a:ln>
-          </p:spPr>
-          <p:txBody>
-            <a:bodyPr wrap="square" lIns="0" tIns="0" rIns="0" bIns="0" rtlCol="0">
-              <a:spAutoFit/>
-            </a:bodyPr>
-            <a:lstStyle>
-              <a:defPPr>
-                <a:defRPr lang="en-US"/>
-              </a:defPPr>
-              <a:lvl1pPr algn="r">
-                <a:defRPr sz="1400">
-                  <a:solidFill>
-                    <a:srgbClr val="0070C0"/>
-                  </a:solidFill>
-                </a:defRPr>
-              </a:lvl1pPr>
-            </a:lstStyle>
-            <a:p>
-              <a:r>
-                <a:rPr lang="en-SG" altLang="en-US" sz="1200" dirty="0">
-                  <a:solidFill>
-                    <a:srgbClr val="FF0000"/>
-                  </a:solidFill>
-                </a:rPr>
-                <a:t>[ReportDisplayType == ALL]</a:t>
-              </a:r>
-              <a:endParaRPr lang="en-SG" altLang="en-US" sz="1200" dirty="0">
-                <a:solidFill>
-                  <a:srgbClr val="FF0000"/>
-                </a:solidFill>
-              </a:endParaRPr>
-            </a:p>
-          </p:txBody>
-        </p:sp>
-        <p:sp>
-          <p:nvSpPr>
-            <p:cNvPr id="212" name="TextBox 40"/>
-            <p:cNvSpPr txBox="1"/>
-            <p:nvPr/>
-          </p:nvSpPr>
-          <p:spPr>
-            <a:xfrm>
-              <a:off x="12019" y="9591"/>
-              <a:ext cx="1304" cy="290"/>
-            </a:xfrm>
-            <a:prstGeom prst="rect">
-              <a:avLst/>
-            </a:prstGeom>
-            <a:noFill/>
-            <a:ln>
-              <a:noFill/>
-            </a:ln>
-          </p:spPr>
-          <p:txBody>
-            <a:bodyPr wrap="square" lIns="0" tIns="0" rIns="0" bIns="0" rtlCol="0">
-              <a:spAutoFit/>
-            </a:bodyPr>
-            <a:lstStyle>
-              <a:defPPr>
-                <a:defRPr lang="en-US"/>
-              </a:defPPr>
-              <a:lvl1pPr algn="r">
-                <a:defRPr sz="1400">
-                  <a:solidFill>
-                    <a:srgbClr val="0070C0"/>
-                  </a:solidFill>
-                </a:defRPr>
-              </a:lvl1pPr>
-            </a:lstStyle>
-            <a:p>
-              <a:r>
-                <a:rPr lang="en-SG" altLang="en-US" sz="1200" dirty="0">
-                  <a:solidFill>
-                    <a:srgbClr val="7030A0"/>
-                  </a:solidFill>
-                </a:rPr>
-                <a:t>data</a:t>
-              </a:r>
-              <a:endParaRPr lang="en-SG" altLang="en-US" sz="1200" dirty="0">
-                <a:solidFill>
-                  <a:srgbClr val="7030A0"/>
-                </a:solidFill>
-              </a:endParaRPr>
-            </a:p>
-          </p:txBody>
-        </p:sp>
-        <p:cxnSp>
-          <p:nvCxnSpPr>
-            <p:cNvPr id="213" name="Straight Arrow Connector 62"/>
-            <p:cNvCxnSpPr/>
-            <p:nvPr/>
-          </p:nvCxnSpPr>
-          <p:spPr>
-            <a:xfrm>
-              <a:off x="5231" y="10164"/>
-              <a:ext cx="5599" cy="3"/>
-            </a:xfrm>
-            <a:prstGeom prst="straightConnector1">
-              <a:avLst/>
-            </a:prstGeom>
-            <a:ln w="19050">
-              <a:solidFill>
-                <a:srgbClr val="7030A0"/>
-              </a:solidFill>
-              <a:prstDash val="sysDash"/>
-              <a:headEnd type="arrow" w="med" len="med"/>
-              <a:tailEnd type="none" w="med" len="med"/>
-            </a:ln>
-          </p:spPr>
-          <p:style>
-            <a:lnRef idx="1">
-              <a:schemeClr val="accent1"/>
-            </a:lnRef>
-            <a:fillRef idx="0">
-              <a:schemeClr val="accent1"/>
-            </a:fillRef>
-            <a:effectRef idx="0">
-              <a:schemeClr val="accent1"/>
-            </a:effectRef>
-            <a:fontRef idx="minor">
-              <a:schemeClr val="tx1"/>
-            </a:fontRef>
-          </p:style>
-        </p:cxnSp>
       </p:grpSp>
     </p:spTree>
   </p:cSld>
